--- a/Optimization Tests.pptx
+++ b/Optimization Tests.pptx
@@ -116,6 +116,11 @@
       </a:defRPr>
     </a:lvl9pPr>
   </p:defaultTextStyle>
+  <p:extLst>
+    <p:ext uri="{EFAFB233-063F-42B5-8137-9DF3F51BA10A}">
+      <p15:sldGuideLst xmlns:p15="http://schemas.microsoft.com/office/powerpoint/2012/main"/>
+    </p:ext>
+  </p:extLst>
 </p:presentation>
 </file>
 
@@ -201,7 +206,7 @@
           <a:p>
             <a:fld id="{04255D67-6982-4969-9388-03274D8114B5}" type="datetimeFigureOut">
               <a:rPr lang="en-US" smtClean="0"/>
-              <a:t>5/11/2019</a:t>
+              <a:t>5/12/2019</a:t>
             </a:fld>
             <a:endParaRPr lang="en-US"/>
           </a:p>
@@ -879,7 +884,7 @@
           <a:p>
             <a:fld id="{4B7B0F2A-4B9D-4F00-A3FC-4DE0D49086D7}" type="datetimeFigureOut">
               <a:rPr lang="en-US" smtClean="0"/>
-              <a:t>5/11/2019</a:t>
+              <a:t>5/12/2019</a:t>
             </a:fld>
             <a:endParaRPr lang="en-US"/>
           </a:p>
@@ -1077,7 +1082,7 @@
           <a:p>
             <a:fld id="{4B7B0F2A-4B9D-4F00-A3FC-4DE0D49086D7}" type="datetimeFigureOut">
               <a:rPr lang="en-US" smtClean="0"/>
-              <a:t>5/11/2019</a:t>
+              <a:t>5/12/2019</a:t>
             </a:fld>
             <a:endParaRPr lang="en-US"/>
           </a:p>
@@ -1285,7 +1290,7 @@
           <a:p>
             <a:fld id="{4B7B0F2A-4B9D-4F00-A3FC-4DE0D49086D7}" type="datetimeFigureOut">
               <a:rPr lang="en-US" smtClean="0"/>
-              <a:t>5/11/2019</a:t>
+              <a:t>5/12/2019</a:t>
             </a:fld>
             <a:endParaRPr lang="en-US"/>
           </a:p>
@@ -1483,7 +1488,7 @@
           <a:p>
             <a:fld id="{4B7B0F2A-4B9D-4F00-A3FC-4DE0D49086D7}" type="datetimeFigureOut">
               <a:rPr lang="en-US" smtClean="0"/>
-              <a:t>5/11/2019</a:t>
+              <a:t>5/12/2019</a:t>
             </a:fld>
             <a:endParaRPr lang="en-US"/>
           </a:p>
@@ -1758,7 +1763,7 @@
           <a:p>
             <a:fld id="{4B7B0F2A-4B9D-4F00-A3FC-4DE0D49086D7}" type="datetimeFigureOut">
               <a:rPr lang="en-US" smtClean="0"/>
-              <a:t>5/11/2019</a:t>
+              <a:t>5/12/2019</a:t>
             </a:fld>
             <a:endParaRPr lang="en-US"/>
           </a:p>
@@ -2023,7 +2028,7 @@
           <a:p>
             <a:fld id="{4B7B0F2A-4B9D-4F00-A3FC-4DE0D49086D7}" type="datetimeFigureOut">
               <a:rPr lang="en-US" smtClean="0"/>
-              <a:t>5/11/2019</a:t>
+              <a:t>5/12/2019</a:t>
             </a:fld>
             <a:endParaRPr lang="en-US"/>
           </a:p>
@@ -2435,7 +2440,7 @@
           <a:p>
             <a:fld id="{4B7B0F2A-4B9D-4F00-A3FC-4DE0D49086D7}" type="datetimeFigureOut">
               <a:rPr lang="en-US" smtClean="0"/>
-              <a:t>5/11/2019</a:t>
+              <a:t>5/12/2019</a:t>
             </a:fld>
             <a:endParaRPr lang="en-US"/>
           </a:p>
@@ -2576,7 +2581,7 @@
           <a:p>
             <a:fld id="{4B7B0F2A-4B9D-4F00-A3FC-4DE0D49086D7}" type="datetimeFigureOut">
               <a:rPr lang="en-US" smtClean="0"/>
-              <a:t>5/11/2019</a:t>
+              <a:t>5/12/2019</a:t>
             </a:fld>
             <a:endParaRPr lang="en-US"/>
           </a:p>
@@ -2689,7 +2694,7 @@
           <a:p>
             <a:fld id="{4B7B0F2A-4B9D-4F00-A3FC-4DE0D49086D7}" type="datetimeFigureOut">
               <a:rPr lang="en-US" smtClean="0"/>
-              <a:t>5/11/2019</a:t>
+              <a:t>5/12/2019</a:t>
             </a:fld>
             <a:endParaRPr lang="en-US"/>
           </a:p>
@@ -3000,7 +3005,7 @@
           <a:p>
             <a:fld id="{4B7B0F2A-4B9D-4F00-A3FC-4DE0D49086D7}" type="datetimeFigureOut">
               <a:rPr lang="en-US" smtClean="0"/>
-              <a:t>5/11/2019</a:t>
+              <a:t>5/12/2019</a:t>
             </a:fld>
             <a:endParaRPr lang="en-US"/>
           </a:p>
@@ -3288,7 +3293,7 @@
           <a:p>
             <a:fld id="{4B7B0F2A-4B9D-4F00-A3FC-4DE0D49086D7}" type="datetimeFigureOut">
               <a:rPr lang="en-US" smtClean="0"/>
-              <a:t>5/11/2019</a:t>
+              <a:t>5/12/2019</a:t>
             </a:fld>
             <a:endParaRPr lang="en-US"/>
           </a:p>
@@ -3529,7 +3534,7 @@
           <a:p>
             <a:fld id="{4B7B0F2A-4B9D-4F00-A3FC-4DE0D49086D7}" type="datetimeFigureOut">
               <a:rPr lang="en-US" smtClean="0"/>
-              <a:t>5/11/2019</a:t>
+              <a:t>5/12/2019</a:t>
             </a:fld>
             <a:endParaRPr lang="en-US"/>
           </a:p>
@@ -4755,10 +4760,10 @@
       </p:sp>
       <p:pic>
         <p:nvPicPr>
-          <p:cNvPr id="4" name="Picture 3">
-            <a:extLst>
-              <a:ext uri="{FF2B5EF4-FFF2-40B4-BE49-F238E27FC236}">
-                <a16:creationId xmlns:a16="http://schemas.microsoft.com/office/drawing/2014/main" id="{EC5534A7-917E-4B86-84EC-E4B84DEBB0DC}"/>
+          <p:cNvPr id="6" name="Picture 5">
+            <a:extLst>
+              <a:ext uri="{FF2B5EF4-FFF2-40B4-BE49-F238E27FC236}">
+                <a16:creationId xmlns:a16="http://schemas.microsoft.com/office/drawing/2014/main" id="{D3C19120-59EA-461F-A801-412BC2272EFA}"/>
               </a:ext>
             </a:extLst>
           </p:cNvPr>
@@ -4775,8 +4780,8 @@
         </p:blipFill>
         <p:spPr>
           <a:xfrm>
-            <a:off x="838200" y="2584475"/>
-            <a:ext cx="5030755" cy="2833637"/>
+            <a:off x="838200" y="2584474"/>
+            <a:ext cx="5081570" cy="2833638"/>
           </a:xfrm>
           <a:prstGeom prst="rect">
             <a:avLst/>
@@ -4785,10 +4790,10 @@
       </p:pic>
       <p:pic>
         <p:nvPicPr>
-          <p:cNvPr id="5" name="Picture 4">
-            <a:extLst>
-              <a:ext uri="{FF2B5EF4-FFF2-40B4-BE49-F238E27FC236}">
-                <a16:creationId xmlns:a16="http://schemas.microsoft.com/office/drawing/2014/main" id="{31AE59F2-6ACC-4390-954B-501F87B7197E}"/>
+          <p:cNvPr id="7" name="Picture 6">
+            <a:extLst>
+              <a:ext uri="{FF2B5EF4-FFF2-40B4-BE49-F238E27FC236}">
+                <a16:creationId xmlns:a16="http://schemas.microsoft.com/office/drawing/2014/main" id="{7BF54DA8-A891-4C61-8F96-BDD8E03E6FD8}"/>
               </a:ext>
             </a:extLst>
           </p:cNvPr>
@@ -4805,8 +4810,8 @@
         </p:blipFill>
         <p:spPr>
           <a:xfrm>
-            <a:off x="6334214" y="2584475"/>
-            <a:ext cx="5019586" cy="2833637"/>
+            <a:off x="6272232" y="2568618"/>
+            <a:ext cx="5081571" cy="2865350"/>
           </a:xfrm>
           <a:prstGeom prst="rect">
             <a:avLst/>
@@ -7928,14 +7933,14 @@
           <p:nvPr>
             <p:extLst>
               <p:ext uri="{D42A27DB-BD31-4B8C-83A1-F6EECF244321}">
-                <p14:modId xmlns:p14="http://schemas.microsoft.com/office/powerpoint/2010/main" val="3170124085"/>
+                <p14:modId xmlns:p14="http://schemas.microsoft.com/office/powerpoint/2010/main" val="1473827325"/>
               </p:ext>
             </p:extLst>
           </p:nvPr>
         </p:nvGraphicFramePr>
         <p:xfrm>
           <a:off x="838200" y="3098984"/>
-          <a:ext cx="10515601" cy="1381760"/>
+          <a:ext cx="10515601" cy="1920240"/>
         </p:xfrm>
         <a:graphic>
           <a:graphicData uri="http://schemas.openxmlformats.org/drawingml/2006/table">
@@ -8105,39 +8110,62 @@
                     <a:lstStyle/>
                     <a:p>
                       <a:pPr algn="ctr"/>
-                      <a:endParaRPr lang="en-US" dirty="0"/>
-                    </a:p>
-                  </a:txBody>
-                  <a:tcPr/>
-                </a:tc>
-                <a:tc>
-                  <a:txBody>
-                    <a:bodyPr/>
-                    <a:lstStyle/>
-                    <a:p>
-                      <a:pPr algn="ctr"/>
-                      <a:endParaRPr lang="en-US" dirty="0"/>
-                    </a:p>
-                  </a:txBody>
-                  <a:tcPr/>
-                </a:tc>
-                <a:tc>
-                  <a:txBody>
-                    <a:bodyPr/>
-                    <a:lstStyle/>
-                    <a:p>
-                      <a:pPr algn="ctr"/>
-                      <a:endParaRPr lang="en-US" dirty="0"/>
-                    </a:p>
-                  </a:txBody>
-                  <a:tcPr/>
-                </a:tc>
-                <a:tc>
-                  <a:txBody>
-                    <a:bodyPr/>
-                    <a:lstStyle/>
-                    <a:p>
-                      <a:pPr algn="ctr"/>
+                      <a:r>
+                        <a:rPr lang="en-CA" dirty="0"/>
+                        <a:t>≈$12,832</a:t>
+                      </a:r>
+                      <a:endParaRPr lang="en-US" dirty="0"/>
+                    </a:p>
+                  </a:txBody>
+                  <a:tcPr/>
+                </a:tc>
+                <a:tc>
+                  <a:txBody>
+                    <a:bodyPr/>
+                    <a:lstStyle/>
+                    <a:p>
+                      <a:pPr algn="ctr"/>
+                      <a:r>
+                        <a:rPr lang="en-CA" dirty="0"/>
+                        <a:t>[211, 229]</a:t>
+                      </a:r>
+                      <a:endParaRPr lang="en-US" dirty="0"/>
+                    </a:p>
+                  </a:txBody>
+                  <a:tcPr/>
+                </a:tc>
+                <a:tc>
+                  <a:txBody>
+                    <a:bodyPr/>
+                    <a:lstStyle/>
+                    <a:p>
+                      <a:pPr algn="ctr"/>
+                      <a:r>
+                        <a:rPr lang="en-CA" dirty="0"/>
+                        <a:t>208 seats: [0 32 17 12 9]</a:t>
+                      </a:r>
+                    </a:p>
+                    <a:p>
+                      <a:pPr algn="ctr"/>
+                      <a:r>
+                        <a:rPr lang="en-CA" dirty="0"/>
+                        <a:t>229 seats: [0 35 19 13 10]</a:t>
+                      </a:r>
+                      <a:endParaRPr lang="en-US" dirty="0"/>
+                    </a:p>
+                  </a:txBody>
+                  <a:tcPr/>
+                </a:tc>
+                <a:tc>
+                  <a:txBody>
+                    <a:bodyPr/>
+                    <a:lstStyle/>
+                    <a:p>
+                      <a:pPr algn="ctr"/>
+                      <a:r>
+                        <a:rPr lang="en-CA" dirty="0"/>
+                        <a:t>75.653</a:t>
+                      </a:r>
                       <a:endParaRPr lang="en-US" dirty="0"/>
                     </a:p>
                   </a:txBody>
@@ -8171,39 +8199,61 @@
                     <a:lstStyle/>
                     <a:p>
                       <a:pPr algn="ctr"/>
-                      <a:endParaRPr lang="en-CA" dirty="0"/>
-                    </a:p>
-                  </a:txBody>
-                  <a:tcPr/>
-                </a:tc>
-                <a:tc>
-                  <a:txBody>
-                    <a:bodyPr/>
-                    <a:lstStyle/>
-                    <a:p>
-                      <a:pPr algn="ctr"/>
-                      <a:endParaRPr lang="en-US" dirty="0"/>
-                    </a:p>
-                  </a:txBody>
-                  <a:tcPr/>
-                </a:tc>
-                <a:tc>
-                  <a:txBody>
-                    <a:bodyPr/>
-                    <a:lstStyle/>
-                    <a:p>
-                      <a:pPr algn="ctr"/>
-                      <a:endParaRPr lang="en-US" dirty="0"/>
-                    </a:p>
-                  </a:txBody>
-                  <a:tcPr/>
-                </a:tc>
-                <a:tc>
-                  <a:txBody>
-                    <a:bodyPr/>
-                    <a:lstStyle/>
-                    <a:p>
-                      <a:pPr algn="ctr"/>
+                      <a:r>
+                        <a:rPr lang="en-CA" dirty="0"/>
+                        <a:t>≈$13,486</a:t>
+                      </a:r>
+                    </a:p>
+                  </a:txBody>
+                  <a:tcPr/>
+                </a:tc>
+                <a:tc>
+                  <a:txBody>
+                    <a:bodyPr/>
+                    <a:lstStyle/>
+                    <a:p>
+                      <a:pPr algn="ctr"/>
+                      <a:r>
+                        <a:rPr lang="en-CA" dirty="0"/>
+                        <a:t>[222, 227]</a:t>
+                      </a:r>
+                      <a:endParaRPr lang="en-US" dirty="0"/>
+                    </a:p>
+                  </a:txBody>
+                  <a:tcPr/>
+                </a:tc>
+                <a:tc>
+                  <a:txBody>
+                    <a:bodyPr/>
+                    <a:lstStyle/>
+                    <a:p>
+                      <a:pPr algn="ctr"/>
+                      <a:r>
+                        <a:rPr lang="en-CA" dirty="0"/>
+                        <a:t>223 seats: [0 25 5 17 18]</a:t>
+                      </a:r>
+                    </a:p>
+                    <a:p>
+                      <a:pPr algn="ctr"/>
+                      <a:r>
+                        <a:rPr lang="en-CA" dirty="0"/>
+                        <a:t>225 seats: [0 25 15 10 18]</a:t>
+                      </a:r>
+                      <a:endParaRPr lang="en-US" dirty="0"/>
+                    </a:p>
+                  </a:txBody>
+                  <a:tcPr/>
+                </a:tc>
+                <a:tc>
+                  <a:txBody>
+                    <a:bodyPr/>
+                    <a:lstStyle/>
+                    <a:p>
+                      <a:pPr algn="ctr"/>
+                      <a:r>
+                        <a:rPr lang="en-CA" dirty="0"/>
+                        <a:t>12431.216</a:t>
+                      </a:r>
                       <a:endParaRPr lang="en-US" dirty="0"/>
                     </a:p>
                   </a:txBody>
@@ -8333,7 +8383,7 @@
             </a:r>
             <a:r>
               <a:rPr lang="en-CA" dirty="0"/>
-              <a:t>: 200.0000  200.0000  200.0000  200.0000  211.1486  218.0362  218.0362</a:t>
+              <a:t>: 200.0000  200.0000  200.0000  200.0000  211.1486  218.0362  222.2950  222.2950</a:t>
             </a:r>
           </a:p>
           <a:p>
@@ -8347,7 +8397,7 @@
             </a:r>
             <a:r>
               <a:rPr lang="en-CA" dirty="0"/>
-              <a:t>: 323.6000  276.4000  247.2152  229.1848  229.1848  229.1848  224.9260</a:t>
+              <a:t>: 323.6000  276.4000  247.2152  229.1848  229.1848  229.1848  229.1848  226.5529</a:t>
             </a:r>
           </a:p>
         </p:txBody>

--- a/Optimization Tests.pptx
+++ b/Optimization Tests.pptx
@@ -5,7 +5,7 @@
     <p:sldMasterId id="2147483648" r:id="rId1"/>
   </p:sldMasterIdLst>
   <p:notesMasterIdLst>
-    <p:notesMasterId r:id="rId12"/>
+    <p:notesMasterId r:id="rId18"/>
   </p:notesMasterIdLst>
   <p:sldIdLst>
     <p:sldId id="257" r:id="rId2"/>
@@ -18,6 +18,12 @@
     <p:sldId id="264" r:id="rId9"/>
     <p:sldId id="265" r:id="rId10"/>
     <p:sldId id="266" r:id="rId11"/>
+    <p:sldId id="267" r:id="rId12"/>
+    <p:sldId id="270" r:id="rId13"/>
+    <p:sldId id="271" r:id="rId14"/>
+    <p:sldId id="273" r:id="rId15"/>
+    <p:sldId id="274" r:id="rId16"/>
+    <p:sldId id="275" r:id="rId17"/>
   </p:sldIdLst>
   <p:sldSz cx="12192000" cy="6858000"/>
   <p:notesSz cx="6858000" cy="9144000"/>
@@ -206,7 +212,7 @@
           <a:p>
             <a:fld id="{04255D67-6982-4969-9388-03274D8114B5}" type="datetimeFigureOut">
               <a:rPr lang="en-US" smtClean="0"/>
-              <a:t>5/12/2019</a:t>
+              <a:t>5/19/2019</a:t>
             </a:fld>
             <a:endParaRPr lang="en-US"/>
           </a:p>
@@ -737,6 +743,426 @@
 </p:notes>
 </file>
 
+<file path=ppt/notesSlides/notesSlide4.xml><?xml version="1.0" encoding="utf-8"?>
+<p:notes xmlns:a="http://schemas.openxmlformats.org/drawingml/2006/main" xmlns:r="http://schemas.openxmlformats.org/officeDocument/2006/relationships" xmlns:p="http://schemas.openxmlformats.org/presentationml/2006/main">
+  <p:cSld>
+    <p:spTree>
+      <p:nvGrpSpPr>
+        <p:cNvPr id="1" name=""/>
+        <p:cNvGrpSpPr/>
+        <p:nvPr/>
+      </p:nvGrpSpPr>
+      <p:grpSpPr>
+        <a:xfrm>
+          <a:off x="0" y="0"/>
+          <a:ext cx="0" cy="0"/>
+          <a:chOff x="0" y="0"/>
+          <a:chExt cx="0" cy="0"/>
+        </a:xfrm>
+      </p:grpSpPr>
+      <p:sp>
+        <p:nvSpPr>
+          <p:cNvPr id="2" name="Slide Image Placeholder 1"/>
+          <p:cNvSpPr>
+            <a:spLocks noGrp="1" noRot="1" noChangeAspect="1"/>
+          </p:cNvSpPr>
+          <p:nvPr>
+            <p:ph type="sldImg"/>
+          </p:nvPr>
+        </p:nvSpPr>
+        <p:spPr/>
+      </p:sp>
+      <p:sp>
+        <p:nvSpPr>
+          <p:cNvPr id="3" name="Notes Placeholder 2"/>
+          <p:cNvSpPr>
+            <a:spLocks noGrp="1"/>
+          </p:cNvSpPr>
+          <p:nvPr>
+            <p:ph type="body" idx="1"/>
+          </p:nvPr>
+        </p:nvSpPr>
+        <p:spPr/>
+        <p:txBody>
+          <a:bodyPr/>
+          <a:lstStyle/>
+          <a:p>
+            <a:endParaRPr lang="en-US" dirty="0"/>
+          </a:p>
+        </p:txBody>
+      </p:sp>
+      <p:sp>
+        <p:nvSpPr>
+          <p:cNvPr id="4" name="Slide Number Placeholder 3"/>
+          <p:cNvSpPr>
+            <a:spLocks noGrp="1"/>
+          </p:cNvSpPr>
+          <p:nvPr>
+            <p:ph type="sldNum" sz="quarter" idx="5"/>
+          </p:nvPr>
+        </p:nvSpPr>
+        <p:spPr/>
+        <p:txBody>
+          <a:bodyPr/>
+          <a:lstStyle/>
+          <a:p>
+            <a:fld id="{EE5E3368-604B-4602-AF6D-8C20BBA16D01}" type="slidenum">
+              <a:rPr lang="en-US" smtClean="0"/>
+              <a:t>11</a:t>
+            </a:fld>
+            <a:endParaRPr lang="en-US"/>
+          </a:p>
+        </p:txBody>
+      </p:sp>
+    </p:spTree>
+    <p:extLst>
+      <p:ext uri="{BB962C8B-B14F-4D97-AF65-F5344CB8AC3E}">
+        <p14:creationId xmlns:p14="http://schemas.microsoft.com/office/powerpoint/2010/main" val="2395619713"/>
+      </p:ext>
+    </p:extLst>
+  </p:cSld>
+  <p:clrMapOvr>
+    <a:masterClrMapping/>
+  </p:clrMapOvr>
+</p:notes>
+</file>
+
+<file path=ppt/notesSlides/notesSlide5.xml><?xml version="1.0" encoding="utf-8"?>
+<p:notes xmlns:a="http://schemas.openxmlformats.org/drawingml/2006/main" xmlns:r="http://schemas.openxmlformats.org/officeDocument/2006/relationships" xmlns:p="http://schemas.openxmlformats.org/presentationml/2006/main">
+  <p:cSld>
+    <p:spTree>
+      <p:nvGrpSpPr>
+        <p:cNvPr id="1" name=""/>
+        <p:cNvGrpSpPr/>
+        <p:nvPr/>
+      </p:nvGrpSpPr>
+      <p:grpSpPr>
+        <a:xfrm>
+          <a:off x="0" y="0"/>
+          <a:ext cx="0" cy="0"/>
+          <a:chOff x="0" y="0"/>
+          <a:chExt cx="0" cy="0"/>
+        </a:xfrm>
+      </p:grpSpPr>
+      <p:sp>
+        <p:nvSpPr>
+          <p:cNvPr id="2" name="Slide Image Placeholder 1"/>
+          <p:cNvSpPr>
+            <a:spLocks noGrp="1" noRot="1" noChangeAspect="1"/>
+          </p:cNvSpPr>
+          <p:nvPr>
+            <p:ph type="sldImg"/>
+          </p:nvPr>
+        </p:nvSpPr>
+        <p:spPr/>
+      </p:sp>
+      <p:sp>
+        <p:nvSpPr>
+          <p:cNvPr id="3" name="Notes Placeholder 2"/>
+          <p:cNvSpPr>
+            <a:spLocks noGrp="1"/>
+          </p:cNvSpPr>
+          <p:nvPr>
+            <p:ph type="body" idx="1"/>
+          </p:nvPr>
+        </p:nvSpPr>
+        <p:spPr/>
+        <p:txBody>
+          <a:bodyPr/>
+          <a:lstStyle/>
+          <a:p>
+            <a:endParaRPr lang="en-US" dirty="0"/>
+          </a:p>
+        </p:txBody>
+      </p:sp>
+      <p:sp>
+        <p:nvSpPr>
+          <p:cNvPr id="4" name="Slide Number Placeholder 3"/>
+          <p:cNvSpPr>
+            <a:spLocks noGrp="1"/>
+          </p:cNvSpPr>
+          <p:nvPr>
+            <p:ph type="sldNum" sz="quarter" idx="5"/>
+          </p:nvPr>
+        </p:nvSpPr>
+        <p:spPr/>
+        <p:txBody>
+          <a:bodyPr/>
+          <a:lstStyle/>
+          <a:p>
+            <a:fld id="{EE5E3368-604B-4602-AF6D-8C20BBA16D01}" type="slidenum">
+              <a:rPr lang="en-US" smtClean="0"/>
+              <a:t>13</a:t>
+            </a:fld>
+            <a:endParaRPr lang="en-US"/>
+          </a:p>
+        </p:txBody>
+      </p:sp>
+    </p:spTree>
+    <p:extLst>
+      <p:ext uri="{BB962C8B-B14F-4D97-AF65-F5344CB8AC3E}">
+        <p14:creationId xmlns:p14="http://schemas.microsoft.com/office/powerpoint/2010/main" val="858209995"/>
+      </p:ext>
+    </p:extLst>
+  </p:cSld>
+  <p:clrMapOvr>
+    <a:masterClrMapping/>
+  </p:clrMapOvr>
+</p:notes>
+</file>
+
+<file path=ppt/notesSlides/notesSlide6.xml><?xml version="1.0" encoding="utf-8"?>
+<p:notes xmlns:a="http://schemas.openxmlformats.org/drawingml/2006/main" xmlns:r="http://schemas.openxmlformats.org/officeDocument/2006/relationships" xmlns:p="http://schemas.openxmlformats.org/presentationml/2006/main">
+  <p:cSld>
+    <p:spTree>
+      <p:nvGrpSpPr>
+        <p:cNvPr id="1" name=""/>
+        <p:cNvGrpSpPr/>
+        <p:nvPr/>
+      </p:nvGrpSpPr>
+      <p:grpSpPr>
+        <a:xfrm>
+          <a:off x="0" y="0"/>
+          <a:ext cx="0" cy="0"/>
+          <a:chOff x="0" y="0"/>
+          <a:chExt cx="0" cy="0"/>
+        </a:xfrm>
+      </p:grpSpPr>
+      <p:sp>
+        <p:nvSpPr>
+          <p:cNvPr id="2" name="Slide Image Placeholder 1"/>
+          <p:cNvSpPr>
+            <a:spLocks noGrp="1" noRot="1" noChangeAspect="1"/>
+          </p:cNvSpPr>
+          <p:nvPr>
+            <p:ph type="sldImg"/>
+          </p:nvPr>
+        </p:nvSpPr>
+        <p:spPr/>
+      </p:sp>
+      <p:sp>
+        <p:nvSpPr>
+          <p:cNvPr id="3" name="Notes Placeholder 2"/>
+          <p:cNvSpPr>
+            <a:spLocks noGrp="1"/>
+          </p:cNvSpPr>
+          <p:nvPr>
+            <p:ph type="body" idx="1"/>
+          </p:nvPr>
+        </p:nvSpPr>
+        <p:spPr/>
+        <p:txBody>
+          <a:bodyPr/>
+          <a:lstStyle/>
+          <a:p>
+            <a:endParaRPr lang="en-US" dirty="0"/>
+          </a:p>
+        </p:txBody>
+      </p:sp>
+      <p:sp>
+        <p:nvSpPr>
+          <p:cNvPr id="4" name="Slide Number Placeholder 3"/>
+          <p:cNvSpPr>
+            <a:spLocks noGrp="1"/>
+          </p:cNvSpPr>
+          <p:nvPr>
+            <p:ph type="sldNum" sz="quarter" idx="5"/>
+          </p:nvPr>
+        </p:nvSpPr>
+        <p:spPr/>
+        <p:txBody>
+          <a:bodyPr/>
+          <a:lstStyle/>
+          <a:p>
+            <a:fld id="{EE5E3368-604B-4602-AF6D-8C20BBA16D01}" type="slidenum">
+              <a:rPr lang="en-US" smtClean="0"/>
+              <a:t>14</a:t>
+            </a:fld>
+            <a:endParaRPr lang="en-US"/>
+          </a:p>
+        </p:txBody>
+      </p:sp>
+    </p:spTree>
+    <p:extLst>
+      <p:ext uri="{BB962C8B-B14F-4D97-AF65-F5344CB8AC3E}">
+        <p14:creationId xmlns:p14="http://schemas.microsoft.com/office/powerpoint/2010/main" val="3701899255"/>
+      </p:ext>
+    </p:extLst>
+  </p:cSld>
+  <p:clrMapOvr>
+    <a:masterClrMapping/>
+  </p:clrMapOvr>
+</p:notes>
+</file>
+
+<file path=ppt/notesSlides/notesSlide7.xml><?xml version="1.0" encoding="utf-8"?>
+<p:notes xmlns:a="http://schemas.openxmlformats.org/drawingml/2006/main" xmlns:r="http://schemas.openxmlformats.org/officeDocument/2006/relationships" xmlns:p="http://schemas.openxmlformats.org/presentationml/2006/main">
+  <p:cSld>
+    <p:spTree>
+      <p:nvGrpSpPr>
+        <p:cNvPr id="1" name=""/>
+        <p:cNvGrpSpPr/>
+        <p:nvPr/>
+      </p:nvGrpSpPr>
+      <p:grpSpPr>
+        <a:xfrm>
+          <a:off x="0" y="0"/>
+          <a:ext cx="0" cy="0"/>
+          <a:chOff x="0" y="0"/>
+          <a:chExt cx="0" cy="0"/>
+        </a:xfrm>
+      </p:grpSpPr>
+      <p:sp>
+        <p:nvSpPr>
+          <p:cNvPr id="2" name="Slide Image Placeholder 1"/>
+          <p:cNvSpPr>
+            <a:spLocks noGrp="1" noRot="1" noChangeAspect="1"/>
+          </p:cNvSpPr>
+          <p:nvPr>
+            <p:ph type="sldImg"/>
+          </p:nvPr>
+        </p:nvSpPr>
+        <p:spPr/>
+      </p:sp>
+      <p:sp>
+        <p:nvSpPr>
+          <p:cNvPr id="3" name="Notes Placeholder 2"/>
+          <p:cNvSpPr>
+            <a:spLocks noGrp="1"/>
+          </p:cNvSpPr>
+          <p:nvPr>
+            <p:ph type="body" idx="1"/>
+          </p:nvPr>
+        </p:nvSpPr>
+        <p:spPr/>
+        <p:txBody>
+          <a:bodyPr/>
+          <a:lstStyle/>
+          <a:p>
+            <a:endParaRPr lang="en-US" dirty="0"/>
+          </a:p>
+        </p:txBody>
+      </p:sp>
+      <p:sp>
+        <p:nvSpPr>
+          <p:cNvPr id="4" name="Slide Number Placeholder 3"/>
+          <p:cNvSpPr>
+            <a:spLocks noGrp="1"/>
+          </p:cNvSpPr>
+          <p:nvPr>
+            <p:ph type="sldNum" sz="quarter" idx="5"/>
+          </p:nvPr>
+        </p:nvSpPr>
+        <p:spPr/>
+        <p:txBody>
+          <a:bodyPr/>
+          <a:lstStyle/>
+          <a:p>
+            <a:fld id="{EE5E3368-604B-4602-AF6D-8C20BBA16D01}" type="slidenum">
+              <a:rPr lang="en-US" smtClean="0"/>
+              <a:t>15</a:t>
+            </a:fld>
+            <a:endParaRPr lang="en-US"/>
+          </a:p>
+        </p:txBody>
+      </p:sp>
+    </p:spTree>
+    <p:extLst>
+      <p:ext uri="{BB962C8B-B14F-4D97-AF65-F5344CB8AC3E}">
+        <p14:creationId xmlns:p14="http://schemas.microsoft.com/office/powerpoint/2010/main" val="835743828"/>
+      </p:ext>
+    </p:extLst>
+  </p:cSld>
+  <p:clrMapOvr>
+    <a:masterClrMapping/>
+  </p:clrMapOvr>
+</p:notes>
+</file>
+
+<file path=ppt/notesSlides/notesSlide8.xml><?xml version="1.0" encoding="utf-8"?>
+<p:notes xmlns:a="http://schemas.openxmlformats.org/drawingml/2006/main" xmlns:r="http://schemas.openxmlformats.org/officeDocument/2006/relationships" xmlns:p="http://schemas.openxmlformats.org/presentationml/2006/main">
+  <p:cSld>
+    <p:spTree>
+      <p:nvGrpSpPr>
+        <p:cNvPr id="1" name=""/>
+        <p:cNvGrpSpPr/>
+        <p:nvPr/>
+      </p:nvGrpSpPr>
+      <p:grpSpPr>
+        <a:xfrm>
+          <a:off x="0" y="0"/>
+          <a:ext cx="0" cy="0"/>
+          <a:chOff x="0" y="0"/>
+          <a:chExt cx="0" cy="0"/>
+        </a:xfrm>
+      </p:grpSpPr>
+      <p:sp>
+        <p:nvSpPr>
+          <p:cNvPr id="2" name="Slide Image Placeholder 1"/>
+          <p:cNvSpPr>
+            <a:spLocks noGrp="1" noRot="1" noChangeAspect="1"/>
+          </p:cNvSpPr>
+          <p:nvPr>
+            <p:ph type="sldImg"/>
+          </p:nvPr>
+        </p:nvSpPr>
+        <p:spPr/>
+      </p:sp>
+      <p:sp>
+        <p:nvSpPr>
+          <p:cNvPr id="3" name="Notes Placeholder 2"/>
+          <p:cNvSpPr>
+            <a:spLocks noGrp="1"/>
+          </p:cNvSpPr>
+          <p:nvPr>
+            <p:ph type="body" idx="1"/>
+          </p:nvPr>
+        </p:nvSpPr>
+        <p:spPr/>
+        <p:txBody>
+          <a:bodyPr/>
+          <a:lstStyle/>
+          <a:p>
+            <a:endParaRPr lang="en-US" dirty="0"/>
+          </a:p>
+        </p:txBody>
+      </p:sp>
+      <p:sp>
+        <p:nvSpPr>
+          <p:cNvPr id="4" name="Slide Number Placeholder 3"/>
+          <p:cNvSpPr>
+            <a:spLocks noGrp="1"/>
+          </p:cNvSpPr>
+          <p:nvPr>
+            <p:ph type="sldNum" sz="quarter" idx="5"/>
+          </p:nvPr>
+        </p:nvSpPr>
+        <p:spPr/>
+        <p:txBody>
+          <a:bodyPr/>
+          <a:lstStyle/>
+          <a:p>
+            <a:fld id="{EE5E3368-604B-4602-AF6D-8C20BBA16D01}" type="slidenum">
+              <a:rPr lang="en-US" smtClean="0"/>
+              <a:t>16</a:t>
+            </a:fld>
+            <a:endParaRPr lang="en-US"/>
+          </a:p>
+        </p:txBody>
+      </p:sp>
+    </p:spTree>
+    <p:extLst>
+      <p:ext uri="{BB962C8B-B14F-4D97-AF65-F5344CB8AC3E}">
+        <p14:creationId xmlns:p14="http://schemas.microsoft.com/office/powerpoint/2010/main" val="402980414"/>
+      </p:ext>
+    </p:extLst>
+  </p:cSld>
+  <p:clrMapOvr>
+    <a:masterClrMapping/>
+  </p:clrMapOvr>
+</p:notes>
+</file>
+
 <file path=ppt/slideLayouts/slideLayout1.xml><?xml version="1.0" encoding="utf-8"?>
 <p:sldLayout xmlns:a="http://schemas.openxmlformats.org/drawingml/2006/main" xmlns:r="http://schemas.openxmlformats.org/officeDocument/2006/relationships" xmlns:p="http://schemas.openxmlformats.org/presentationml/2006/main" type="title" preserve="1">
   <p:cSld name="Title Slide">
@@ -884,7 +1310,7 @@
           <a:p>
             <a:fld id="{4B7B0F2A-4B9D-4F00-A3FC-4DE0D49086D7}" type="datetimeFigureOut">
               <a:rPr lang="en-US" smtClean="0"/>
-              <a:t>5/12/2019</a:t>
+              <a:t>5/19/2019</a:t>
             </a:fld>
             <a:endParaRPr lang="en-US"/>
           </a:p>
@@ -1082,7 +1508,7 @@
           <a:p>
             <a:fld id="{4B7B0F2A-4B9D-4F00-A3FC-4DE0D49086D7}" type="datetimeFigureOut">
               <a:rPr lang="en-US" smtClean="0"/>
-              <a:t>5/12/2019</a:t>
+              <a:t>5/19/2019</a:t>
             </a:fld>
             <a:endParaRPr lang="en-US"/>
           </a:p>
@@ -1290,7 +1716,7 @@
           <a:p>
             <a:fld id="{4B7B0F2A-4B9D-4F00-A3FC-4DE0D49086D7}" type="datetimeFigureOut">
               <a:rPr lang="en-US" smtClean="0"/>
-              <a:t>5/12/2019</a:t>
+              <a:t>5/19/2019</a:t>
             </a:fld>
             <a:endParaRPr lang="en-US"/>
           </a:p>
@@ -1488,7 +1914,7 @@
           <a:p>
             <a:fld id="{4B7B0F2A-4B9D-4F00-A3FC-4DE0D49086D7}" type="datetimeFigureOut">
               <a:rPr lang="en-US" smtClean="0"/>
-              <a:t>5/12/2019</a:t>
+              <a:t>5/19/2019</a:t>
             </a:fld>
             <a:endParaRPr lang="en-US"/>
           </a:p>
@@ -1763,7 +2189,7 @@
           <a:p>
             <a:fld id="{4B7B0F2A-4B9D-4F00-A3FC-4DE0D49086D7}" type="datetimeFigureOut">
               <a:rPr lang="en-US" smtClean="0"/>
-              <a:t>5/12/2019</a:t>
+              <a:t>5/19/2019</a:t>
             </a:fld>
             <a:endParaRPr lang="en-US"/>
           </a:p>
@@ -2028,7 +2454,7 @@
           <a:p>
             <a:fld id="{4B7B0F2A-4B9D-4F00-A3FC-4DE0D49086D7}" type="datetimeFigureOut">
               <a:rPr lang="en-US" smtClean="0"/>
-              <a:t>5/12/2019</a:t>
+              <a:t>5/19/2019</a:t>
             </a:fld>
             <a:endParaRPr lang="en-US"/>
           </a:p>
@@ -2440,7 +2866,7 @@
           <a:p>
             <a:fld id="{4B7B0F2A-4B9D-4F00-A3FC-4DE0D49086D7}" type="datetimeFigureOut">
               <a:rPr lang="en-US" smtClean="0"/>
-              <a:t>5/12/2019</a:t>
+              <a:t>5/19/2019</a:t>
             </a:fld>
             <a:endParaRPr lang="en-US"/>
           </a:p>
@@ -2581,7 +3007,7 @@
           <a:p>
             <a:fld id="{4B7B0F2A-4B9D-4F00-A3FC-4DE0D49086D7}" type="datetimeFigureOut">
               <a:rPr lang="en-US" smtClean="0"/>
-              <a:t>5/12/2019</a:t>
+              <a:t>5/19/2019</a:t>
             </a:fld>
             <a:endParaRPr lang="en-US"/>
           </a:p>
@@ -2694,7 +3120,7 @@
           <a:p>
             <a:fld id="{4B7B0F2A-4B9D-4F00-A3FC-4DE0D49086D7}" type="datetimeFigureOut">
               <a:rPr lang="en-US" smtClean="0"/>
-              <a:t>5/12/2019</a:t>
+              <a:t>5/19/2019</a:t>
             </a:fld>
             <a:endParaRPr lang="en-US"/>
           </a:p>
@@ -3005,7 +3431,7 @@
           <a:p>
             <a:fld id="{4B7B0F2A-4B9D-4F00-A3FC-4DE0D49086D7}" type="datetimeFigureOut">
               <a:rPr lang="en-US" smtClean="0"/>
-              <a:t>5/12/2019</a:t>
+              <a:t>5/19/2019</a:t>
             </a:fld>
             <a:endParaRPr lang="en-US"/>
           </a:p>
@@ -3293,7 +3719,7 @@
           <a:p>
             <a:fld id="{4B7B0F2A-4B9D-4F00-A3FC-4DE0D49086D7}" type="datetimeFigureOut">
               <a:rPr lang="en-US" smtClean="0"/>
-              <a:t>5/12/2019</a:t>
+              <a:t>5/19/2019</a:t>
             </a:fld>
             <a:endParaRPr lang="en-US"/>
           </a:p>
@@ -3534,7 +3960,7 @@
           <a:p>
             <a:fld id="{4B7B0F2A-4B9D-4F00-A3FC-4DE0D49086D7}" type="datetimeFigureOut">
               <a:rPr lang="en-US" smtClean="0"/>
-              <a:t>5/12/2019</a:t>
+              <a:t>5/19/2019</a:t>
             </a:fld>
             <a:endParaRPr lang="en-US"/>
           </a:p>
@@ -4831,6 +5257,3701 @@
 </p:sld>
 </file>
 
+<file path=ppt/slides/slide11.xml><?xml version="1.0" encoding="utf-8"?>
+<p:sld xmlns:a="http://schemas.openxmlformats.org/drawingml/2006/main" xmlns:r="http://schemas.openxmlformats.org/officeDocument/2006/relationships" xmlns:p="http://schemas.openxmlformats.org/presentationml/2006/main">
+  <p:cSld>
+    <p:spTree>
+      <p:nvGrpSpPr>
+        <p:cNvPr id="1" name=""/>
+        <p:cNvGrpSpPr/>
+        <p:nvPr/>
+      </p:nvGrpSpPr>
+      <p:grpSpPr>
+        <a:xfrm>
+          <a:off x="0" y="0"/>
+          <a:ext cx="0" cy="0"/>
+          <a:chOff x="0" y="0"/>
+          <a:chExt cx="0" cy="0"/>
+        </a:xfrm>
+      </p:grpSpPr>
+      <p:sp>
+        <p:nvSpPr>
+          <p:cNvPr id="2" name="Title 1">
+            <a:extLst>
+              <a:ext uri="{FF2B5EF4-FFF2-40B4-BE49-F238E27FC236}">
+                <a16:creationId xmlns:a16="http://schemas.microsoft.com/office/drawing/2014/main" id="{2B6B158C-A25A-451F-B517-E169A869DC21}"/>
+              </a:ext>
+            </a:extLst>
+          </p:cNvPr>
+          <p:cNvSpPr>
+            <a:spLocks noGrp="1"/>
+          </p:cNvSpPr>
+          <p:nvPr>
+            <p:ph type="title"/>
+          </p:nvPr>
+        </p:nvSpPr>
+        <p:spPr/>
+        <p:txBody>
+          <a:bodyPr/>
+          <a:lstStyle/>
+          <a:p>
+            <a:r>
+              <a:rPr lang="en-CA" dirty="0"/>
+              <a:t>Attempt 6</a:t>
+            </a:r>
+            <a:endParaRPr lang="en-US" dirty="0"/>
+          </a:p>
+        </p:txBody>
+      </p:sp>
+      <p:graphicFrame>
+        <p:nvGraphicFramePr>
+          <p:cNvPr id="4" name="Table 3">
+            <a:extLst>
+              <a:ext uri="{FF2B5EF4-FFF2-40B4-BE49-F238E27FC236}">
+                <a16:creationId xmlns:a16="http://schemas.microsoft.com/office/drawing/2014/main" id="{93D4A5E2-42D9-4740-A4B7-CF2D11C57D11}"/>
+              </a:ext>
+            </a:extLst>
+          </p:cNvPr>
+          <p:cNvGraphicFramePr>
+            <a:graphicFrameLocks noGrp="1"/>
+          </p:cNvGraphicFramePr>
+          <p:nvPr>
+            <p:extLst>
+              <p:ext uri="{D42A27DB-BD31-4B8C-83A1-F6EECF244321}">
+                <p14:modId xmlns:p14="http://schemas.microsoft.com/office/powerpoint/2010/main" val="646686055"/>
+              </p:ext>
+            </p:extLst>
+          </p:nvPr>
+        </p:nvGraphicFramePr>
+        <p:xfrm>
+          <a:off x="838200" y="1780882"/>
+          <a:ext cx="4805188" cy="741680"/>
+        </p:xfrm>
+        <a:graphic>
+          <a:graphicData uri="http://schemas.openxmlformats.org/drawingml/2006/table">
+            <a:tbl>
+              <a:tblPr firstRow="1" bandRow="1">
+                <a:tableStyleId>{C083E6E3-FA7D-4D7B-A595-EF9225AFEA82}</a:tableStyleId>
+              </a:tblPr>
+              <a:tblGrid>
+                <a:gridCol w="1201297">
+                  <a:extLst>
+                    <a:ext uri="{9D8B030D-6E8A-4147-A177-3AD203B41FA5}">
+                      <a16:colId xmlns:a16="http://schemas.microsoft.com/office/drawing/2014/main" val="715818640"/>
+                    </a:ext>
+                  </a:extLst>
+                </a:gridCol>
+                <a:gridCol w="1201297">
+                  <a:extLst>
+                    <a:ext uri="{9D8B030D-6E8A-4147-A177-3AD203B41FA5}">
+                      <a16:colId xmlns:a16="http://schemas.microsoft.com/office/drawing/2014/main" val="242120962"/>
+                    </a:ext>
+                  </a:extLst>
+                </a:gridCol>
+                <a:gridCol w="1201297">
+                  <a:extLst>
+                    <a:ext uri="{9D8B030D-6E8A-4147-A177-3AD203B41FA5}">
+                      <a16:colId xmlns:a16="http://schemas.microsoft.com/office/drawing/2014/main" val="1895400823"/>
+                    </a:ext>
+                  </a:extLst>
+                </a:gridCol>
+                <a:gridCol w="1201297">
+                  <a:extLst>
+                    <a:ext uri="{9D8B030D-6E8A-4147-A177-3AD203B41FA5}">
+                      <a16:colId xmlns:a16="http://schemas.microsoft.com/office/drawing/2014/main" val="1266642870"/>
+                    </a:ext>
+                  </a:extLst>
+                </a:gridCol>
+              </a:tblGrid>
+              <a:tr h="370840">
+                <a:tc>
+                  <a:txBody>
+                    <a:bodyPr/>
+                    <a:lstStyle/>
+                    <a:p>
+                      <a:pPr algn="ctr"/>
+                      <a:r>
+                        <a:rPr lang="en-CA" dirty="0"/>
+                        <a:t>M</a:t>
+                      </a:r>
+                      <a:endParaRPr lang="en-US" dirty="0"/>
+                    </a:p>
+                  </a:txBody>
+                  <a:tcPr/>
+                </a:tc>
+                <a:tc>
+                  <a:txBody>
+                    <a:bodyPr/>
+                    <a:lstStyle/>
+                    <a:p>
+                      <a:pPr algn="ctr"/>
+                      <a:r>
+                        <a:rPr lang="en-CA" dirty="0"/>
+                        <a:t>K</a:t>
+                      </a:r>
+                      <a:endParaRPr lang="en-US" dirty="0"/>
+                    </a:p>
+                  </a:txBody>
+                  <a:tcPr/>
+                </a:tc>
+                <a:tc>
+                  <a:txBody>
+                    <a:bodyPr/>
+                    <a:lstStyle/>
+                    <a:p>
+                      <a:pPr algn="ctr"/>
+                      <a:r>
+                        <a:rPr lang="en-CA" dirty="0"/>
+                        <a:t>Threshold</a:t>
+                      </a:r>
+                      <a:endParaRPr lang="en-US" dirty="0"/>
+                    </a:p>
+                  </a:txBody>
+                  <a:tcPr/>
+                </a:tc>
+                <a:tc>
+                  <a:txBody>
+                    <a:bodyPr/>
+                    <a:lstStyle/>
+                    <a:p>
+                      <a:pPr algn="ctr"/>
+                      <a:r>
+                        <a:rPr lang="en-CA" dirty="0"/>
+                        <a:t>Tolerance</a:t>
+                      </a:r>
+                      <a:endParaRPr lang="en-US" dirty="0"/>
+                    </a:p>
+                  </a:txBody>
+                  <a:tcPr/>
+                </a:tc>
+                <a:extLst>
+                  <a:ext uri="{0D108BD9-81ED-4DB2-BD59-A6C34878D82A}">
+                    <a16:rowId xmlns:a16="http://schemas.microsoft.com/office/drawing/2014/main" val="4265008327"/>
+                  </a:ext>
+                </a:extLst>
+              </a:tr>
+              <a:tr h="370840">
+                <a:tc>
+                  <a:txBody>
+                    <a:bodyPr/>
+                    <a:lstStyle/>
+                    <a:p>
+                      <a:pPr algn="ctr"/>
+                      <a:r>
+                        <a:rPr lang="en-CA" dirty="0"/>
+                        <a:t>20</a:t>
+                      </a:r>
+                      <a:endParaRPr lang="en-US" dirty="0"/>
+                    </a:p>
+                  </a:txBody>
+                  <a:tcPr/>
+                </a:tc>
+                <a:tc>
+                  <a:txBody>
+                    <a:bodyPr/>
+                    <a:lstStyle/>
+                    <a:p>
+                      <a:pPr algn="ctr"/>
+                      <a:r>
+                        <a:rPr lang="en-CA" dirty="0"/>
+                        <a:t>10</a:t>
+                      </a:r>
+                      <a:endParaRPr lang="en-US" dirty="0"/>
+                    </a:p>
+                  </a:txBody>
+                  <a:tcPr/>
+                </a:tc>
+                <a:tc>
+                  <a:txBody>
+                    <a:bodyPr/>
+                    <a:lstStyle/>
+                    <a:p>
+                      <a:pPr algn="ctr"/>
+                      <a:r>
+                        <a:rPr lang="en-CA" dirty="0"/>
+                        <a:t>50</a:t>
+                      </a:r>
+                      <a:endParaRPr lang="en-US" dirty="0"/>
+                    </a:p>
+                  </a:txBody>
+                  <a:tcPr/>
+                </a:tc>
+                <a:tc>
+                  <a:txBody>
+                    <a:bodyPr/>
+                    <a:lstStyle/>
+                    <a:p>
+                      <a:pPr algn="ctr"/>
+                      <a:r>
+                        <a:rPr lang="en-CA" dirty="0"/>
+                        <a:t>10</a:t>
+                      </a:r>
+                      <a:endParaRPr lang="en-US" dirty="0"/>
+                    </a:p>
+                  </a:txBody>
+                  <a:tcPr/>
+                </a:tc>
+                <a:extLst>
+                  <a:ext uri="{0D108BD9-81ED-4DB2-BD59-A6C34878D82A}">
+                    <a16:rowId xmlns:a16="http://schemas.microsoft.com/office/drawing/2014/main" val="1457255172"/>
+                  </a:ext>
+                </a:extLst>
+              </a:tr>
+            </a:tbl>
+          </a:graphicData>
+        </a:graphic>
+      </p:graphicFrame>
+      <p:graphicFrame>
+        <p:nvGraphicFramePr>
+          <p:cNvPr id="5" name="Table 4">
+            <a:extLst>
+              <a:ext uri="{FF2B5EF4-FFF2-40B4-BE49-F238E27FC236}">
+                <a16:creationId xmlns:a16="http://schemas.microsoft.com/office/drawing/2014/main" id="{4FF4BB0A-E2D5-44A9-925E-640B82054F34}"/>
+              </a:ext>
+            </a:extLst>
+          </p:cNvPr>
+          <p:cNvGraphicFramePr>
+            <a:graphicFrameLocks noGrp="1"/>
+          </p:cNvGraphicFramePr>
+          <p:nvPr>
+            <p:extLst>
+              <p:ext uri="{D42A27DB-BD31-4B8C-83A1-F6EECF244321}">
+                <p14:modId xmlns:p14="http://schemas.microsoft.com/office/powerpoint/2010/main" val="752607745"/>
+              </p:ext>
+            </p:extLst>
+          </p:nvPr>
+        </p:nvGraphicFramePr>
+        <p:xfrm>
+          <a:off x="838200" y="3098984"/>
+          <a:ext cx="10515601" cy="1381760"/>
+        </p:xfrm>
+        <a:graphic>
+          <a:graphicData uri="http://schemas.openxmlformats.org/drawingml/2006/table">
+            <a:tbl>
+              <a:tblPr firstRow="1" bandRow="1">
+                <a:tableStyleId>{21E4AEA4-8DFA-4A89-87EB-49C32662AFE0}</a:tableStyleId>
+              </a:tblPr>
+              <a:tblGrid>
+                <a:gridCol w="1338749">
+                  <a:extLst>
+                    <a:ext uri="{9D8B030D-6E8A-4147-A177-3AD203B41FA5}">
+                      <a16:colId xmlns:a16="http://schemas.microsoft.com/office/drawing/2014/main" val="1003989657"/>
+                    </a:ext>
+                  </a:extLst>
+                </a:gridCol>
+                <a:gridCol w="2563727">
+                  <a:extLst>
+                    <a:ext uri="{9D8B030D-6E8A-4147-A177-3AD203B41FA5}">
+                      <a16:colId xmlns:a16="http://schemas.microsoft.com/office/drawing/2014/main" val="482042191"/>
+                    </a:ext>
+                  </a:extLst>
+                </a:gridCol>
+                <a:gridCol w="2112885">
+                  <a:extLst>
+                    <a:ext uri="{9D8B030D-6E8A-4147-A177-3AD203B41FA5}">
+                      <a16:colId xmlns:a16="http://schemas.microsoft.com/office/drawing/2014/main" val="3470199590"/>
+                    </a:ext>
+                  </a:extLst>
+                </a:gridCol>
+                <a:gridCol w="2657458">
+                  <a:extLst>
+                    <a:ext uri="{9D8B030D-6E8A-4147-A177-3AD203B41FA5}">
+                      <a16:colId xmlns:a16="http://schemas.microsoft.com/office/drawing/2014/main" val="3735474024"/>
+                    </a:ext>
+                  </a:extLst>
+                </a:gridCol>
+                <a:gridCol w="1842782">
+                  <a:extLst>
+                    <a:ext uri="{9D8B030D-6E8A-4147-A177-3AD203B41FA5}">
+                      <a16:colId xmlns:a16="http://schemas.microsoft.com/office/drawing/2014/main" val="1588882917"/>
+                    </a:ext>
+                  </a:extLst>
+                </a:gridCol>
+              </a:tblGrid>
+              <a:tr h="533216">
+                <a:tc>
+                  <a:txBody>
+                    <a:bodyPr/>
+                    <a:lstStyle/>
+                    <a:p>
+                      <a:pPr algn="ctr"/>
+                      <a:r>
+                        <a:rPr lang="en-CA" dirty="0"/>
+                        <a:t>Steps</a:t>
+                      </a:r>
+                      <a:endParaRPr lang="en-US" dirty="0"/>
+                    </a:p>
+                  </a:txBody>
+                  <a:tcPr/>
+                </a:tc>
+                <a:tc>
+                  <a:txBody>
+                    <a:bodyPr/>
+                    <a:lstStyle/>
+                    <a:p>
+                      <a:pPr algn="ctr"/>
+                      <a:r>
+                        <a:rPr lang="en-CA" dirty="0"/>
+                        <a:t>Optimal Profit</a:t>
+                      </a:r>
+                      <a:endParaRPr lang="en-US" dirty="0"/>
+                    </a:p>
+                  </a:txBody>
+                  <a:tcPr/>
+                </a:tc>
+                <a:tc>
+                  <a:txBody>
+                    <a:bodyPr/>
+                    <a:lstStyle/>
+                    <a:p>
+                      <a:pPr algn="ctr"/>
+                      <a:r>
+                        <a:rPr lang="en-CA" dirty="0"/>
+                        <a:t>Optimal Seats</a:t>
+                      </a:r>
+                    </a:p>
+                  </a:txBody>
+                  <a:tcPr/>
+                </a:tc>
+                <a:tc>
+                  <a:txBody>
+                    <a:bodyPr/>
+                    <a:lstStyle/>
+                    <a:p>
+                      <a:pPr marL="0" marR="0" lvl="0" indent="0" algn="ctr" defTabSz="914400" rtl="0" eaLnBrk="1" fontAlgn="auto" latinLnBrk="0" hangingPunct="1">
+                        <a:lnSpc>
+                          <a:spcPct val="100000"/>
+                        </a:lnSpc>
+                        <a:spcBef>
+                          <a:spcPts val="0"/>
+                        </a:spcBef>
+                        <a:spcAft>
+                          <a:spcPts val="0"/>
+                        </a:spcAft>
+                        <a:buClrTx/>
+                        <a:buSzTx/>
+                        <a:buFontTx/>
+                        <a:buNone/>
+                        <a:tabLst/>
+                        <a:defRPr/>
+                      </a:pPr>
+                      <a:r>
+                        <a:rPr lang="en-CA" dirty="0"/>
+                        <a:t>Optimal Arrangement</a:t>
+                      </a:r>
+                      <a:endParaRPr lang="en-US" dirty="0"/>
+                    </a:p>
+                    <a:p>
+                      <a:pPr algn="ctr"/>
+                      <a:endParaRPr lang="en-US" dirty="0"/>
+                    </a:p>
+                  </a:txBody>
+                  <a:tcPr/>
+                </a:tc>
+                <a:tc>
+                  <a:txBody>
+                    <a:bodyPr/>
+                    <a:lstStyle/>
+                    <a:p>
+                      <a:pPr algn="ctr"/>
+                      <a:r>
+                        <a:rPr lang="en-CA" dirty="0"/>
+                        <a:t>Runtime [s]</a:t>
+                      </a:r>
+                      <a:endParaRPr lang="en-US" dirty="0"/>
+                    </a:p>
+                  </a:txBody>
+                  <a:tcPr/>
+                </a:tc>
+                <a:extLst>
+                  <a:ext uri="{0D108BD9-81ED-4DB2-BD59-A6C34878D82A}">
+                    <a16:rowId xmlns:a16="http://schemas.microsoft.com/office/drawing/2014/main" val="2250139474"/>
+                  </a:ext>
+                </a:extLst>
+              </a:tr>
+              <a:tr h="370840">
+                <a:tc>
+                  <a:txBody>
+                    <a:bodyPr/>
+                    <a:lstStyle/>
+                    <a:p>
+                      <a:pPr marL="0" indent="0" algn="l">
+                        <a:buNone/>
+                      </a:pPr>
+                      <a:r>
+                        <a:rPr lang="en-CA" dirty="0"/>
+                        <a:t>1) Greedy</a:t>
+                      </a:r>
+                      <a:endParaRPr lang="en-US" dirty="0"/>
+                    </a:p>
+                  </a:txBody>
+                  <a:tcPr/>
+                </a:tc>
+                <a:tc>
+                  <a:txBody>
+                    <a:bodyPr/>
+                    <a:lstStyle/>
+                    <a:p>
+                      <a:pPr algn="ctr"/>
+                      <a:endParaRPr lang="en-US" dirty="0"/>
+                    </a:p>
+                  </a:txBody>
+                  <a:tcPr/>
+                </a:tc>
+                <a:tc>
+                  <a:txBody>
+                    <a:bodyPr/>
+                    <a:lstStyle/>
+                    <a:p>
+                      <a:pPr algn="ctr"/>
+                      <a:endParaRPr lang="en-US" dirty="0"/>
+                    </a:p>
+                  </a:txBody>
+                  <a:tcPr/>
+                </a:tc>
+                <a:tc>
+                  <a:txBody>
+                    <a:bodyPr/>
+                    <a:lstStyle/>
+                    <a:p>
+                      <a:pPr algn="ctr"/>
+                      <a:endParaRPr lang="en-US" dirty="0"/>
+                    </a:p>
+                  </a:txBody>
+                  <a:tcPr/>
+                </a:tc>
+                <a:tc>
+                  <a:txBody>
+                    <a:bodyPr/>
+                    <a:lstStyle/>
+                    <a:p>
+                      <a:pPr algn="ctr"/>
+                      <a:endParaRPr lang="en-US" dirty="0"/>
+                    </a:p>
+                  </a:txBody>
+                  <a:tcPr/>
+                </a:tc>
+                <a:extLst>
+                  <a:ext uri="{0D108BD9-81ED-4DB2-BD59-A6C34878D82A}">
+                    <a16:rowId xmlns:a16="http://schemas.microsoft.com/office/drawing/2014/main" val="1579224542"/>
+                  </a:ext>
+                </a:extLst>
+              </a:tr>
+              <a:tr h="370840">
+                <a:tc>
+                  <a:txBody>
+                    <a:bodyPr/>
+                    <a:lstStyle/>
+                    <a:p>
+                      <a:pPr algn="l"/>
+                      <a:r>
+                        <a:rPr lang="en-CA" dirty="0"/>
+                        <a:t>2) SA</a:t>
+                      </a:r>
+                      <a:endParaRPr lang="en-US" dirty="0"/>
+                    </a:p>
+                  </a:txBody>
+                  <a:tcPr/>
+                </a:tc>
+                <a:tc>
+                  <a:txBody>
+                    <a:bodyPr/>
+                    <a:lstStyle/>
+                    <a:p>
+                      <a:pPr algn="ctr"/>
+                      <a:endParaRPr lang="en-CA" dirty="0"/>
+                    </a:p>
+                  </a:txBody>
+                  <a:tcPr/>
+                </a:tc>
+                <a:tc>
+                  <a:txBody>
+                    <a:bodyPr/>
+                    <a:lstStyle/>
+                    <a:p>
+                      <a:pPr algn="ctr"/>
+                      <a:endParaRPr lang="en-US" dirty="0"/>
+                    </a:p>
+                  </a:txBody>
+                  <a:tcPr/>
+                </a:tc>
+                <a:tc>
+                  <a:txBody>
+                    <a:bodyPr/>
+                    <a:lstStyle/>
+                    <a:p>
+                      <a:pPr algn="ctr"/>
+                      <a:endParaRPr lang="en-US" dirty="0"/>
+                    </a:p>
+                  </a:txBody>
+                  <a:tcPr/>
+                </a:tc>
+                <a:tc>
+                  <a:txBody>
+                    <a:bodyPr/>
+                    <a:lstStyle/>
+                    <a:p>
+                      <a:pPr algn="ctr"/>
+                      <a:endParaRPr lang="en-US" dirty="0"/>
+                    </a:p>
+                  </a:txBody>
+                  <a:tcPr/>
+                </a:tc>
+                <a:extLst>
+                  <a:ext uri="{0D108BD9-81ED-4DB2-BD59-A6C34878D82A}">
+                    <a16:rowId xmlns:a16="http://schemas.microsoft.com/office/drawing/2014/main" val="3804653096"/>
+                  </a:ext>
+                </a:extLst>
+              </a:tr>
+            </a:tbl>
+          </a:graphicData>
+        </a:graphic>
+      </p:graphicFrame>
+      <p:sp>
+        <p:nvSpPr>
+          <p:cNvPr id="6" name="TextBox 5">
+            <a:extLst>
+              <a:ext uri="{FF2B5EF4-FFF2-40B4-BE49-F238E27FC236}">
+                <a16:creationId xmlns:a16="http://schemas.microsoft.com/office/drawing/2014/main" id="{A841CB84-22C4-4A5E-8258-4DA5B2DA1B70}"/>
+              </a:ext>
+            </a:extLst>
+          </p:cNvPr>
+          <p:cNvSpPr txBox="1"/>
+          <p:nvPr/>
+        </p:nvSpPr>
+        <p:spPr>
+          <a:xfrm>
+            <a:off x="838200" y="1411550"/>
+            <a:ext cx="3733800" cy="369332"/>
+          </a:xfrm>
+          <a:prstGeom prst="rect">
+            <a:avLst/>
+          </a:prstGeom>
+          <a:noFill/>
+        </p:spPr>
+        <p:txBody>
+          <a:bodyPr wrap="square" rtlCol="0">
+            <a:spAutoFit/>
+          </a:bodyPr>
+          <a:lstStyle/>
+          <a:p>
+            <a:r>
+              <a:rPr lang="en-CA" dirty="0"/>
+              <a:t>Parameters: (D = 100) </a:t>
+            </a:r>
+          </a:p>
+        </p:txBody>
+      </p:sp>
+      <p:sp>
+        <p:nvSpPr>
+          <p:cNvPr id="7" name="TextBox 6">
+            <a:extLst>
+              <a:ext uri="{FF2B5EF4-FFF2-40B4-BE49-F238E27FC236}">
+                <a16:creationId xmlns:a16="http://schemas.microsoft.com/office/drawing/2014/main" id="{3C5CA98D-986C-440F-BAA3-C99D66995BF1}"/>
+              </a:ext>
+            </a:extLst>
+          </p:cNvPr>
+          <p:cNvSpPr txBox="1"/>
+          <p:nvPr/>
+        </p:nvSpPr>
+        <p:spPr>
+          <a:xfrm>
+            <a:off x="838200" y="2642641"/>
+            <a:ext cx="3733800" cy="369332"/>
+          </a:xfrm>
+          <a:prstGeom prst="rect">
+            <a:avLst/>
+          </a:prstGeom>
+          <a:noFill/>
+        </p:spPr>
+        <p:txBody>
+          <a:bodyPr wrap="square" rtlCol="0">
+            <a:spAutoFit/>
+          </a:bodyPr>
+          <a:lstStyle/>
+          <a:p>
+            <a:r>
+              <a:rPr lang="en-CA" dirty="0"/>
+              <a:t>Results:</a:t>
+            </a:r>
+          </a:p>
+        </p:txBody>
+      </p:sp>
+      <p:sp>
+        <p:nvSpPr>
+          <p:cNvPr id="8" name="TextBox 7">
+            <a:extLst>
+              <a:ext uri="{FF2B5EF4-FFF2-40B4-BE49-F238E27FC236}">
+                <a16:creationId xmlns:a16="http://schemas.microsoft.com/office/drawing/2014/main" id="{F10D8199-1FCE-49AA-9F37-B4EA721B48FA}"/>
+              </a:ext>
+            </a:extLst>
+          </p:cNvPr>
+          <p:cNvSpPr txBox="1"/>
+          <p:nvPr/>
+        </p:nvSpPr>
+        <p:spPr>
+          <a:xfrm>
+            <a:off x="838200" y="5264457"/>
+            <a:ext cx="10515600" cy="923330"/>
+          </a:xfrm>
+          <a:prstGeom prst="rect">
+            <a:avLst/>
+          </a:prstGeom>
+          <a:noFill/>
+        </p:spPr>
+        <p:txBody>
+          <a:bodyPr wrap="square" rtlCol="0">
+            <a:spAutoFit/>
+          </a:bodyPr>
+          <a:lstStyle/>
+          <a:p>
+            <a:r>
+              <a:rPr lang="en-CA" dirty="0"/>
+              <a:t>Iterations:</a:t>
+            </a:r>
+          </a:p>
+          <a:p>
+            <a:r>
+              <a:rPr lang="en-CA" dirty="0" err="1"/>
+              <a:t>a</a:t>
+            </a:r>
+            <a:r>
+              <a:rPr lang="en-CA" baseline="-25000" dirty="0" err="1"/>
+              <a:t>k</a:t>
+            </a:r>
+            <a:r>
+              <a:rPr lang="en-CA" dirty="0"/>
+              <a:t>:</a:t>
+            </a:r>
+          </a:p>
+          <a:p>
+            <a:r>
+              <a:rPr lang="en-CA" dirty="0"/>
+              <a:t>b</a:t>
+            </a:r>
+            <a:r>
+              <a:rPr lang="en-CA" baseline="-25000" dirty="0"/>
+              <a:t>k</a:t>
+            </a:r>
+            <a:r>
+              <a:rPr lang="en-CA" dirty="0"/>
+              <a:t>:</a:t>
+            </a:r>
+          </a:p>
+        </p:txBody>
+      </p:sp>
+    </p:spTree>
+    <p:extLst>
+      <p:ext uri="{BB962C8B-B14F-4D97-AF65-F5344CB8AC3E}">
+        <p14:creationId xmlns:p14="http://schemas.microsoft.com/office/powerpoint/2010/main" val="1121272925"/>
+      </p:ext>
+    </p:extLst>
+  </p:cSld>
+  <p:clrMapOvr>
+    <a:masterClrMapping/>
+  </p:clrMapOvr>
+</p:sld>
+</file>
+
+<file path=ppt/slides/slide12.xml><?xml version="1.0" encoding="utf-8"?>
+<p:sld xmlns:a="http://schemas.openxmlformats.org/drawingml/2006/main" xmlns:r="http://schemas.openxmlformats.org/officeDocument/2006/relationships" xmlns:p="http://schemas.openxmlformats.org/presentationml/2006/main">
+  <p:cSld>
+    <p:spTree>
+      <p:nvGrpSpPr>
+        <p:cNvPr id="1" name=""/>
+        <p:cNvGrpSpPr/>
+        <p:nvPr/>
+      </p:nvGrpSpPr>
+      <p:grpSpPr>
+        <a:xfrm>
+          <a:off x="0" y="0"/>
+          <a:ext cx="0" cy="0"/>
+          <a:chOff x="0" y="0"/>
+          <a:chExt cx="0" cy="0"/>
+        </a:xfrm>
+      </p:grpSpPr>
+      <p:sp>
+        <p:nvSpPr>
+          <p:cNvPr id="2" name="Title 1">
+            <a:extLst>
+              <a:ext uri="{FF2B5EF4-FFF2-40B4-BE49-F238E27FC236}">
+                <a16:creationId xmlns:a16="http://schemas.microsoft.com/office/drawing/2014/main" id="{F75BA2F8-AD81-4A27-9296-3260F5E824E8}"/>
+              </a:ext>
+            </a:extLst>
+          </p:cNvPr>
+          <p:cNvSpPr>
+            <a:spLocks noGrp="1"/>
+          </p:cNvSpPr>
+          <p:nvPr>
+            <p:ph type="title"/>
+          </p:nvPr>
+        </p:nvSpPr>
+        <p:spPr/>
+        <p:txBody>
+          <a:bodyPr/>
+          <a:lstStyle/>
+          <a:p>
+            <a:r>
+              <a:rPr lang="en-CA" dirty="0"/>
+              <a:t>Attempt 6</a:t>
+            </a:r>
+            <a:endParaRPr lang="en-US" dirty="0"/>
+          </a:p>
+        </p:txBody>
+      </p:sp>
+      <p:sp>
+        <p:nvSpPr>
+          <p:cNvPr id="3" name="Content Placeholder 2">
+            <a:extLst>
+              <a:ext uri="{FF2B5EF4-FFF2-40B4-BE49-F238E27FC236}">
+                <a16:creationId xmlns:a16="http://schemas.microsoft.com/office/drawing/2014/main" id="{A6483853-A5A8-4A64-8E93-524E841766E0}"/>
+              </a:ext>
+            </a:extLst>
+          </p:cNvPr>
+          <p:cNvSpPr>
+            <a:spLocks noGrp="1"/>
+          </p:cNvSpPr>
+          <p:nvPr>
+            <p:ph idx="1"/>
+          </p:nvPr>
+        </p:nvSpPr>
+        <p:spPr/>
+        <p:txBody>
+          <a:bodyPr>
+            <a:normAutofit/>
+          </a:bodyPr>
+          <a:lstStyle/>
+          <a:p>
+            <a:r>
+              <a:rPr lang="en-CA" sz="2000" dirty="0"/>
+              <a:t>Objective values over iterations</a:t>
+            </a:r>
+          </a:p>
+          <a:p>
+            <a:pPr marL="0" indent="0">
+              <a:buNone/>
+            </a:pPr>
+            <a:endParaRPr lang="en-CA" sz="2000" dirty="0"/>
+          </a:p>
+        </p:txBody>
+      </p:sp>
+    </p:spTree>
+    <p:extLst>
+      <p:ext uri="{BB962C8B-B14F-4D97-AF65-F5344CB8AC3E}">
+        <p14:creationId xmlns:p14="http://schemas.microsoft.com/office/powerpoint/2010/main" val="3014336511"/>
+      </p:ext>
+    </p:extLst>
+  </p:cSld>
+  <p:clrMapOvr>
+    <a:masterClrMapping/>
+  </p:clrMapOvr>
+</p:sld>
+</file>
+
+<file path=ppt/slides/slide13.xml><?xml version="1.0" encoding="utf-8"?>
+<p:sld xmlns:a="http://schemas.openxmlformats.org/drawingml/2006/main" xmlns:r="http://schemas.openxmlformats.org/officeDocument/2006/relationships" xmlns:p="http://schemas.openxmlformats.org/presentationml/2006/main">
+  <p:cSld>
+    <p:spTree>
+      <p:nvGrpSpPr>
+        <p:cNvPr id="1" name=""/>
+        <p:cNvGrpSpPr/>
+        <p:nvPr/>
+      </p:nvGrpSpPr>
+      <p:grpSpPr>
+        <a:xfrm>
+          <a:off x="0" y="0"/>
+          <a:ext cx="0" cy="0"/>
+          <a:chOff x="0" y="0"/>
+          <a:chExt cx="0" cy="0"/>
+        </a:xfrm>
+      </p:grpSpPr>
+      <p:sp>
+        <p:nvSpPr>
+          <p:cNvPr id="2" name="Title 1">
+            <a:extLst>
+              <a:ext uri="{FF2B5EF4-FFF2-40B4-BE49-F238E27FC236}">
+                <a16:creationId xmlns:a16="http://schemas.microsoft.com/office/drawing/2014/main" id="{2B6B158C-A25A-451F-B517-E169A869DC21}"/>
+              </a:ext>
+            </a:extLst>
+          </p:cNvPr>
+          <p:cNvSpPr>
+            <a:spLocks noGrp="1"/>
+          </p:cNvSpPr>
+          <p:nvPr>
+            <p:ph type="title"/>
+          </p:nvPr>
+        </p:nvSpPr>
+        <p:spPr/>
+        <p:txBody>
+          <a:bodyPr/>
+          <a:lstStyle/>
+          <a:p>
+            <a:r>
+              <a:rPr lang="en-CA" dirty="0"/>
+              <a:t>Attempt 7</a:t>
+            </a:r>
+            <a:endParaRPr lang="en-US" dirty="0"/>
+          </a:p>
+        </p:txBody>
+      </p:sp>
+      <p:graphicFrame>
+        <p:nvGraphicFramePr>
+          <p:cNvPr id="4" name="Table 3">
+            <a:extLst>
+              <a:ext uri="{FF2B5EF4-FFF2-40B4-BE49-F238E27FC236}">
+                <a16:creationId xmlns:a16="http://schemas.microsoft.com/office/drawing/2014/main" id="{93D4A5E2-42D9-4740-A4B7-CF2D11C57D11}"/>
+              </a:ext>
+            </a:extLst>
+          </p:cNvPr>
+          <p:cNvGraphicFramePr>
+            <a:graphicFrameLocks noGrp="1"/>
+          </p:cNvGraphicFramePr>
+          <p:nvPr>
+            <p:extLst>
+              <p:ext uri="{D42A27DB-BD31-4B8C-83A1-F6EECF244321}">
+                <p14:modId xmlns:p14="http://schemas.microsoft.com/office/powerpoint/2010/main" val="1368196370"/>
+              </p:ext>
+            </p:extLst>
+          </p:nvPr>
+        </p:nvGraphicFramePr>
+        <p:xfrm>
+          <a:off x="838200" y="1780882"/>
+          <a:ext cx="4805188" cy="741680"/>
+        </p:xfrm>
+        <a:graphic>
+          <a:graphicData uri="http://schemas.openxmlformats.org/drawingml/2006/table">
+            <a:tbl>
+              <a:tblPr firstRow="1" bandRow="1">
+                <a:tableStyleId>{C083E6E3-FA7D-4D7B-A595-EF9225AFEA82}</a:tableStyleId>
+              </a:tblPr>
+              <a:tblGrid>
+                <a:gridCol w="1201297">
+                  <a:extLst>
+                    <a:ext uri="{9D8B030D-6E8A-4147-A177-3AD203B41FA5}">
+                      <a16:colId xmlns:a16="http://schemas.microsoft.com/office/drawing/2014/main" val="715818640"/>
+                    </a:ext>
+                  </a:extLst>
+                </a:gridCol>
+                <a:gridCol w="1201297">
+                  <a:extLst>
+                    <a:ext uri="{9D8B030D-6E8A-4147-A177-3AD203B41FA5}">
+                      <a16:colId xmlns:a16="http://schemas.microsoft.com/office/drawing/2014/main" val="242120962"/>
+                    </a:ext>
+                  </a:extLst>
+                </a:gridCol>
+                <a:gridCol w="1201297">
+                  <a:extLst>
+                    <a:ext uri="{9D8B030D-6E8A-4147-A177-3AD203B41FA5}">
+                      <a16:colId xmlns:a16="http://schemas.microsoft.com/office/drawing/2014/main" val="1895400823"/>
+                    </a:ext>
+                  </a:extLst>
+                </a:gridCol>
+                <a:gridCol w="1201297">
+                  <a:extLst>
+                    <a:ext uri="{9D8B030D-6E8A-4147-A177-3AD203B41FA5}">
+                      <a16:colId xmlns:a16="http://schemas.microsoft.com/office/drawing/2014/main" val="1266642870"/>
+                    </a:ext>
+                  </a:extLst>
+                </a:gridCol>
+              </a:tblGrid>
+              <a:tr h="370840">
+                <a:tc>
+                  <a:txBody>
+                    <a:bodyPr/>
+                    <a:lstStyle/>
+                    <a:p>
+                      <a:pPr algn="ctr"/>
+                      <a:r>
+                        <a:rPr lang="en-CA" dirty="0"/>
+                        <a:t>V1</a:t>
+                      </a:r>
+                      <a:endParaRPr lang="en-US" dirty="0"/>
+                    </a:p>
+                  </a:txBody>
+                  <a:tcPr/>
+                </a:tc>
+                <a:tc>
+                  <a:txBody>
+                    <a:bodyPr/>
+                    <a:lstStyle/>
+                    <a:p>
+                      <a:pPr algn="ctr"/>
+                      <a:r>
+                        <a:rPr lang="en-CA" dirty="0"/>
+                        <a:t>V2</a:t>
+                      </a:r>
+                      <a:endParaRPr lang="en-US" dirty="0"/>
+                    </a:p>
+                  </a:txBody>
+                  <a:tcPr/>
+                </a:tc>
+                <a:tc>
+                  <a:txBody>
+                    <a:bodyPr/>
+                    <a:lstStyle/>
+                    <a:p>
+                      <a:pPr algn="ctr"/>
+                      <a:r>
+                        <a:rPr lang="en-CA" dirty="0"/>
+                        <a:t>Threshold</a:t>
+                      </a:r>
+                      <a:endParaRPr lang="en-US" dirty="0"/>
+                    </a:p>
+                  </a:txBody>
+                  <a:tcPr/>
+                </a:tc>
+                <a:tc>
+                  <a:txBody>
+                    <a:bodyPr/>
+                    <a:lstStyle/>
+                    <a:p>
+                      <a:pPr algn="ctr"/>
+                      <a:r>
+                        <a:rPr lang="en-CA" dirty="0"/>
+                        <a:t>Tolerance</a:t>
+                      </a:r>
+                      <a:endParaRPr lang="en-US" dirty="0"/>
+                    </a:p>
+                  </a:txBody>
+                  <a:tcPr/>
+                </a:tc>
+                <a:extLst>
+                  <a:ext uri="{0D108BD9-81ED-4DB2-BD59-A6C34878D82A}">
+                    <a16:rowId xmlns:a16="http://schemas.microsoft.com/office/drawing/2014/main" val="4265008327"/>
+                  </a:ext>
+                </a:extLst>
+              </a:tr>
+              <a:tr h="370840">
+                <a:tc>
+                  <a:txBody>
+                    <a:bodyPr/>
+                    <a:lstStyle/>
+                    <a:p>
+                      <a:pPr algn="ctr"/>
+                      <a:r>
+                        <a:rPr lang="en-CA" dirty="0"/>
+                        <a:t>SM1</a:t>
+                      </a:r>
+                      <a:endParaRPr lang="en-US" dirty="0"/>
+                    </a:p>
+                  </a:txBody>
+                  <a:tcPr/>
+                </a:tc>
+                <a:tc>
+                  <a:txBody>
+                    <a:bodyPr/>
+                    <a:lstStyle/>
+                    <a:p>
+                      <a:pPr algn="ctr"/>
+                      <a:r>
+                        <a:rPr lang="en-CA" dirty="0"/>
+                        <a:t>SM2</a:t>
+                      </a:r>
+                      <a:endParaRPr lang="en-US" dirty="0"/>
+                    </a:p>
+                  </a:txBody>
+                  <a:tcPr/>
+                </a:tc>
+                <a:tc>
+                  <a:txBody>
+                    <a:bodyPr/>
+                    <a:lstStyle/>
+                    <a:p>
+                      <a:pPr algn="ctr"/>
+                      <a:r>
+                        <a:rPr lang="en-CA" dirty="0"/>
+                        <a:t>50</a:t>
+                      </a:r>
+                      <a:endParaRPr lang="en-US" dirty="0"/>
+                    </a:p>
+                  </a:txBody>
+                  <a:tcPr/>
+                </a:tc>
+                <a:tc>
+                  <a:txBody>
+                    <a:bodyPr/>
+                    <a:lstStyle/>
+                    <a:p>
+                      <a:pPr algn="ctr"/>
+                      <a:r>
+                        <a:rPr lang="en-CA" dirty="0"/>
+                        <a:t>5</a:t>
+                      </a:r>
+                      <a:endParaRPr lang="en-US" dirty="0"/>
+                    </a:p>
+                  </a:txBody>
+                  <a:tcPr/>
+                </a:tc>
+                <a:extLst>
+                  <a:ext uri="{0D108BD9-81ED-4DB2-BD59-A6C34878D82A}">
+                    <a16:rowId xmlns:a16="http://schemas.microsoft.com/office/drawing/2014/main" val="1457255172"/>
+                  </a:ext>
+                </a:extLst>
+              </a:tr>
+            </a:tbl>
+          </a:graphicData>
+        </a:graphic>
+      </p:graphicFrame>
+      <p:graphicFrame>
+        <p:nvGraphicFramePr>
+          <p:cNvPr id="5" name="Table 4">
+            <a:extLst>
+              <a:ext uri="{FF2B5EF4-FFF2-40B4-BE49-F238E27FC236}">
+                <a16:creationId xmlns:a16="http://schemas.microsoft.com/office/drawing/2014/main" id="{4FF4BB0A-E2D5-44A9-925E-640B82054F34}"/>
+              </a:ext>
+            </a:extLst>
+          </p:cNvPr>
+          <p:cNvGraphicFramePr>
+            <a:graphicFrameLocks noGrp="1"/>
+          </p:cNvGraphicFramePr>
+          <p:nvPr>
+            <p:extLst>
+              <p:ext uri="{D42A27DB-BD31-4B8C-83A1-F6EECF244321}">
+                <p14:modId xmlns:p14="http://schemas.microsoft.com/office/powerpoint/2010/main" val="1808565003"/>
+              </p:ext>
+            </p:extLst>
+          </p:nvPr>
+        </p:nvGraphicFramePr>
+        <p:xfrm>
+          <a:off x="838200" y="3098984"/>
+          <a:ext cx="10515601" cy="1381760"/>
+        </p:xfrm>
+        <a:graphic>
+          <a:graphicData uri="http://schemas.openxmlformats.org/drawingml/2006/table">
+            <a:tbl>
+              <a:tblPr firstRow="1" bandRow="1">
+                <a:tableStyleId>{21E4AEA4-8DFA-4A89-87EB-49C32662AFE0}</a:tableStyleId>
+              </a:tblPr>
+              <a:tblGrid>
+                <a:gridCol w="1338749">
+                  <a:extLst>
+                    <a:ext uri="{9D8B030D-6E8A-4147-A177-3AD203B41FA5}">
+                      <a16:colId xmlns:a16="http://schemas.microsoft.com/office/drawing/2014/main" val="1003989657"/>
+                    </a:ext>
+                  </a:extLst>
+                </a:gridCol>
+                <a:gridCol w="2563727">
+                  <a:extLst>
+                    <a:ext uri="{9D8B030D-6E8A-4147-A177-3AD203B41FA5}">
+                      <a16:colId xmlns:a16="http://schemas.microsoft.com/office/drawing/2014/main" val="482042191"/>
+                    </a:ext>
+                  </a:extLst>
+                </a:gridCol>
+                <a:gridCol w="2112885">
+                  <a:extLst>
+                    <a:ext uri="{9D8B030D-6E8A-4147-A177-3AD203B41FA5}">
+                      <a16:colId xmlns:a16="http://schemas.microsoft.com/office/drawing/2014/main" val="3470199590"/>
+                    </a:ext>
+                  </a:extLst>
+                </a:gridCol>
+                <a:gridCol w="2657458">
+                  <a:extLst>
+                    <a:ext uri="{9D8B030D-6E8A-4147-A177-3AD203B41FA5}">
+                      <a16:colId xmlns:a16="http://schemas.microsoft.com/office/drawing/2014/main" val="3735474024"/>
+                    </a:ext>
+                  </a:extLst>
+                </a:gridCol>
+                <a:gridCol w="1842782">
+                  <a:extLst>
+                    <a:ext uri="{9D8B030D-6E8A-4147-A177-3AD203B41FA5}">
+                      <a16:colId xmlns:a16="http://schemas.microsoft.com/office/drawing/2014/main" val="1588882917"/>
+                    </a:ext>
+                  </a:extLst>
+                </a:gridCol>
+              </a:tblGrid>
+              <a:tr h="533216">
+                <a:tc>
+                  <a:txBody>
+                    <a:bodyPr/>
+                    <a:lstStyle/>
+                    <a:p>
+                      <a:pPr algn="ctr"/>
+                      <a:r>
+                        <a:rPr lang="en-CA" dirty="0"/>
+                        <a:t>Steps</a:t>
+                      </a:r>
+                      <a:endParaRPr lang="en-US" dirty="0"/>
+                    </a:p>
+                  </a:txBody>
+                  <a:tcPr/>
+                </a:tc>
+                <a:tc>
+                  <a:txBody>
+                    <a:bodyPr/>
+                    <a:lstStyle/>
+                    <a:p>
+                      <a:pPr algn="ctr"/>
+                      <a:r>
+                        <a:rPr lang="en-CA" dirty="0"/>
+                        <a:t>Optimal Profit</a:t>
+                      </a:r>
+                      <a:endParaRPr lang="en-US" dirty="0"/>
+                    </a:p>
+                  </a:txBody>
+                  <a:tcPr/>
+                </a:tc>
+                <a:tc>
+                  <a:txBody>
+                    <a:bodyPr/>
+                    <a:lstStyle/>
+                    <a:p>
+                      <a:pPr algn="ctr"/>
+                      <a:r>
+                        <a:rPr lang="en-CA" dirty="0"/>
+                        <a:t>Optimal Seats</a:t>
+                      </a:r>
+                    </a:p>
+                  </a:txBody>
+                  <a:tcPr/>
+                </a:tc>
+                <a:tc>
+                  <a:txBody>
+                    <a:bodyPr/>
+                    <a:lstStyle/>
+                    <a:p>
+                      <a:pPr marL="0" marR="0" lvl="0" indent="0" algn="ctr" defTabSz="914400" rtl="0" eaLnBrk="1" fontAlgn="auto" latinLnBrk="0" hangingPunct="1">
+                        <a:lnSpc>
+                          <a:spcPct val="100000"/>
+                        </a:lnSpc>
+                        <a:spcBef>
+                          <a:spcPts val="0"/>
+                        </a:spcBef>
+                        <a:spcAft>
+                          <a:spcPts val="0"/>
+                        </a:spcAft>
+                        <a:buClrTx/>
+                        <a:buSzTx/>
+                        <a:buFontTx/>
+                        <a:buNone/>
+                        <a:tabLst/>
+                        <a:defRPr/>
+                      </a:pPr>
+                      <a:r>
+                        <a:rPr lang="en-CA" dirty="0"/>
+                        <a:t>Optimal Arrangement</a:t>
+                      </a:r>
+                      <a:endParaRPr lang="en-US" dirty="0"/>
+                    </a:p>
+                    <a:p>
+                      <a:pPr algn="ctr"/>
+                      <a:endParaRPr lang="en-US" dirty="0"/>
+                    </a:p>
+                  </a:txBody>
+                  <a:tcPr/>
+                </a:tc>
+                <a:tc>
+                  <a:txBody>
+                    <a:bodyPr/>
+                    <a:lstStyle/>
+                    <a:p>
+                      <a:pPr algn="ctr"/>
+                      <a:r>
+                        <a:rPr lang="en-CA" dirty="0"/>
+                        <a:t>Runtime [s]</a:t>
+                      </a:r>
+                      <a:endParaRPr lang="en-US" dirty="0"/>
+                    </a:p>
+                  </a:txBody>
+                  <a:tcPr/>
+                </a:tc>
+                <a:extLst>
+                  <a:ext uri="{0D108BD9-81ED-4DB2-BD59-A6C34878D82A}">
+                    <a16:rowId xmlns:a16="http://schemas.microsoft.com/office/drawing/2014/main" val="2250139474"/>
+                  </a:ext>
+                </a:extLst>
+              </a:tr>
+              <a:tr h="370840">
+                <a:tc>
+                  <a:txBody>
+                    <a:bodyPr/>
+                    <a:lstStyle/>
+                    <a:p>
+                      <a:pPr marL="0" indent="0" algn="l">
+                        <a:buNone/>
+                      </a:pPr>
+                      <a:r>
+                        <a:rPr lang="en-CA" dirty="0"/>
+                        <a:t>1) Greedy</a:t>
+                      </a:r>
+                      <a:endParaRPr lang="en-US" dirty="0"/>
+                    </a:p>
+                  </a:txBody>
+                  <a:tcPr/>
+                </a:tc>
+                <a:tc>
+                  <a:txBody>
+                    <a:bodyPr/>
+                    <a:lstStyle/>
+                    <a:p>
+                      <a:pPr algn="ctr"/>
+                      <a:r>
+                        <a:rPr lang="en-CA" dirty="0"/>
+                        <a:t>≈$12,773</a:t>
+                      </a:r>
+                      <a:endParaRPr lang="en-US" dirty="0"/>
+                    </a:p>
+                  </a:txBody>
+                  <a:tcPr/>
+                </a:tc>
+                <a:tc>
+                  <a:txBody>
+                    <a:bodyPr/>
+                    <a:lstStyle/>
+                    <a:p>
+                      <a:pPr algn="ctr"/>
+                      <a:r>
+                        <a:rPr lang="en-CA" dirty="0"/>
+                        <a:t>[200, 247]</a:t>
+                      </a:r>
+                      <a:endParaRPr lang="en-US" dirty="0"/>
+                    </a:p>
+                  </a:txBody>
+                  <a:tcPr/>
+                </a:tc>
+                <a:tc>
+                  <a:txBody>
+                    <a:bodyPr/>
+                    <a:lstStyle/>
+                    <a:p>
+                      <a:pPr algn="ctr"/>
+                      <a:r>
+                        <a:rPr lang="en-CA" dirty="0"/>
+                        <a:t>202 seats: [0 31 17 11 9]</a:t>
+                      </a:r>
+                    </a:p>
+                  </a:txBody>
+                  <a:tcPr/>
+                </a:tc>
+                <a:tc>
+                  <a:txBody>
+                    <a:bodyPr/>
+                    <a:lstStyle/>
+                    <a:p>
+                      <a:pPr algn="ctr"/>
+                      <a:r>
+                        <a:rPr lang="en-CA" dirty="0"/>
+                        <a:t>49.361</a:t>
+                      </a:r>
+                      <a:endParaRPr lang="en-US" dirty="0"/>
+                    </a:p>
+                  </a:txBody>
+                  <a:tcPr/>
+                </a:tc>
+                <a:extLst>
+                  <a:ext uri="{0D108BD9-81ED-4DB2-BD59-A6C34878D82A}">
+                    <a16:rowId xmlns:a16="http://schemas.microsoft.com/office/drawing/2014/main" val="1579224542"/>
+                  </a:ext>
+                </a:extLst>
+              </a:tr>
+              <a:tr h="370840">
+                <a:tc>
+                  <a:txBody>
+                    <a:bodyPr/>
+                    <a:lstStyle/>
+                    <a:p>
+                      <a:pPr algn="l"/>
+                      <a:r>
+                        <a:rPr lang="en-CA" dirty="0"/>
+                        <a:t>2) VNS</a:t>
+                      </a:r>
+                      <a:endParaRPr lang="en-US" dirty="0"/>
+                    </a:p>
+                  </a:txBody>
+                  <a:tcPr/>
+                </a:tc>
+                <a:tc>
+                  <a:txBody>
+                    <a:bodyPr/>
+                    <a:lstStyle/>
+                    <a:p>
+                      <a:pPr algn="ctr"/>
+                      <a:r>
+                        <a:rPr lang="en-CA" dirty="0"/>
+                        <a:t>≈$13,744</a:t>
+                      </a:r>
+                    </a:p>
+                  </a:txBody>
+                  <a:tcPr/>
+                </a:tc>
+                <a:tc>
+                  <a:txBody>
+                    <a:bodyPr/>
+                    <a:lstStyle/>
+                    <a:p>
+                      <a:pPr algn="ctr"/>
+                      <a:r>
+                        <a:rPr lang="en-CA" dirty="0"/>
+                        <a:t>[204, 208]</a:t>
+                      </a:r>
+                      <a:endParaRPr lang="en-US" dirty="0"/>
+                    </a:p>
+                  </a:txBody>
+                  <a:tcPr/>
+                </a:tc>
+                <a:tc>
+                  <a:txBody>
+                    <a:bodyPr/>
+                    <a:lstStyle/>
+                    <a:p>
+                      <a:pPr algn="ctr"/>
+                      <a:r>
+                        <a:rPr lang="en-CA" dirty="0"/>
+                        <a:t>204 seats: [0 19 14 11 16]</a:t>
+                      </a:r>
+                      <a:endParaRPr lang="en-US" dirty="0"/>
+                    </a:p>
+                  </a:txBody>
+                  <a:tcPr/>
+                </a:tc>
+                <a:tc>
+                  <a:txBody>
+                    <a:bodyPr/>
+                    <a:lstStyle/>
+                    <a:p>
+                      <a:pPr algn="ctr"/>
+                      <a:r>
+                        <a:rPr lang="en-CA" dirty="0"/>
+                        <a:t>4101.612</a:t>
+                      </a:r>
+                      <a:endParaRPr lang="en-US" dirty="0"/>
+                    </a:p>
+                  </a:txBody>
+                  <a:tcPr/>
+                </a:tc>
+                <a:extLst>
+                  <a:ext uri="{0D108BD9-81ED-4DB2-BD59-A6C34878D82A}">
+                    <a16:rowId xmlns:a16="http://schemas.microsoft.com/office/drawing/2014/main" val="3804653096"/>
+                  </a:ext>
+                </a:extLst>
+              </a:tr>
+            </a:tbl>
+          </a:graphicData>
+        </a:graphic>
+      </p:graphicFrame>
+      <p:sp>
+        <p:nvSpPr>
+          <p:cNvPr id="6" name="TextBox 5">
+            <a:extLst>
+              <a:ext uri="{FF2B5EF4-FFF2-40B4-BE49-F238E27FC236}">
+                <a16:creationId xmlns:a16="http://schemas.microsoft.com/office/drawing/2014/main" id="{A841CB84-22C4-4A5E-8258-4DA5B2DA1B70}"/>
+              </a:ext>
+            </a:extLst>
+          </p:cNvPr>
+          <p:cNvSpPr txBox="1"/>
+          <p:nvPr/>
+        </p:nvSpPr>
+        <p:spPr>
+          <a:xfrm>
+            <a:off x="838200" y="1411550"/>
+            <a:ext cx="3733800" cy="369332"/>
+          </a:xfrm>
+          <a:prstGeom prst="rect">
+            <a:avLst/>
+          </a:prstGeom>
+          <a:noFill/>
+        </p:spPr>
+        <p:txBody>
+          <a:bodyPr wrap="square" rtlCol="0">
+            <a:spAutoFit/>
+          </a:bodyPr>
+          <a:lstStyle/>
+          <a:p>
+            <a:r>
+              <a:rPr lang="en-CA" dirty="0"/>
+              <a:t>Variable Neighborhood Search</a:t>
+            </a:r>
+          </a:p>
+        </p:txBody>
+      </p:sp>
+      <p:sp>
+        <p:nvSpPr>
+          <p:cNvPr id="7" name="TextBox 6">
+            <a:extLst>
+              <a:ext uri="{FF2B5EF4-FFF2-40B4-BE49-F238E27FC236}">
+                <a16:creationId xmlns:a16="http://schemas.microsoft.com/office/drawing/2014/main" id="{3C5CA98D-986C-440F-BAA3-C99D66995BF1}"/>
+              </a:ext>
+            </a:extLst>
+          </p:cNvPr>
+          <p:cNvSpPr txBox="1"/>
+          <p:nvPr/>
+        </p:nvSpPr>
+        <p:spPr>
+          <a:xfrm>
+            <a:off x="838200" y="2642641"/>
+            <a:ext cx="3733800" cy="369332"/>
+          </a:xfrm>
+          <a:prstGeom prst="rect">
+            <a:avLst/>
+          </a:prstGeom>
+          <a:noFill/>
+        </p:spPr>
+        <p:txBody>
+          <a:bodyPr wrap="square" rtlCol="0">
+            <a:spAutoFit/>
+          </a:bodyPr>
+          <a:lstStyle/>
+          <a:p>
+            <a:r>
+              <a:rPr lang="en-CA" dirty="0"/>
+              <a:t>Results:</a:t>
+            </a:r>
+          </a:p>
+        </p:txBody>
+      </p:sp>
+      <p:sp>
+        <p:nvSpPr>
+          <p:cNvPr id="8" name="TextBox 7">
+            <a:extLst>
+              <a:ext uri="{FF2B5EF4-FFF2-40B4-BE49-F238E27FC236}">
+                <a16:creationId xmlns:a16="http://schemas.microsoft.com/office/drawing/2014/main" id="{F10D8199-1FCE-49AA-9F37-B4EA721B48FA}"/>
+              </a:ext>
+            </a:extLst>
+          </p:cNvPr>
+          <p:cNvSpPr txBox="1"/>
+          <p:nvPr/>
+        </p:nvSpPr>
+        <p:spPr>
+          <a:xfrm>
+            <a:off x="838200" y="5264457"/>
+            <a:ext cx="10515600" cy="923330"/>
+          </a:xfrm>
+          <a:prstGeom prst="rect">
+            <a:avLst/>
+          </a:prstGeom>
+          <a:noFill/>
+        </p:spPr>
+        <p:txBody>
+          <a:bodyPr wrap="square" rtlCol="0">
+            <a:spAutoFit/>
+          </a:bodyPr>
+          <a:lstStyle/>
+          <a:p>
+            <a:r>
+              <a:rPr lang="en-CA" dirty="0"/>
+              <a:t>Iterations:</a:t>
+            </a:r>
+          </a:p>
+          <a:p>
+            <a:r>
+              <a:rPr lang="en-CA" dirty="0" err="1"/>
+              <a:t>a</a:t>
+            </a:r>
+            <a:r>
+              <a:rPr lang="en-CA" baseline="-25000" dirty="0" err="1"/>
+              <a:t>k</a:t>
+            </a:r>
+            <a:r>
+              <a:rPr lang="en-CA" dirty="0"/>
+              <a:t>: 200.0000  200.0000  200.0000  200.0000  200.0000  200.0000  204.2588  204.2588</a:t>
+            </a:r>
+          </a:p>
+          <a:p>
+            <a:r>
+              <a:rPr lang="en-CA" dirty="0"/>
+              <a:t>b</a:t>
+            </a:r>
+            <a:r>
+              <a:rPr lang="en-CA" baseline="-25000" dirty="0"/>
+              <a:t>k</a:t>
+            </a:r>
+            <a:r>
+              <a:rPr lang="en-CA" dirty="0"/>
+              <a:t>: 323.6000  276.4000  247.2152  229.1848  218.0362  211.1486  211.1486  208.5167</a:t>
+            </a:r>
+          </a:p>
+        </p:txBody>
+      </p:sp>
+    </p:spTree>
+    <p:extLst>
+      <p:ext uri="{BB962C8B-B14F-4D97-AF65-F5344CB8AC3E}">
+        <p14:creationId xmlns:p14="http://schemas.microsoft.com/office/powerpoint/2010/main" val="1398399091"/>
+      </p:ext>
+    </p:extLst>
+  </p:cSld>
+  <p:clrMapOvr>
+    <a:masterClrMapping/>
+  </p:clrMapOvr>
+</p:sld>
+</file>
+
+<file path=ppt/slides/slide14.xml><?xml version="1.0" encoding="utf-8"?>
+<p:sld xmlns:a="http://schemas.openxmlformats.org/drawingml/2006/main" xmlns:r="http://schemas.openxmlformats.org/officeDocument/2006/relationships" xmlns:p="http://schemas.openxmlformats.org/presentationml/2006/main">
+  <p:cSld>
+    <p:spTree>
+      <p:nvGrpSpPr>
+        <p:cNvPr id="1" name=""/>
+        <p:cNvGrpSpPr/>
+        <p:nvPr/>
+      </p:nvGrpSpPr>
+      <p:grpSpPr>
+        <a:xfrm>
+          <a:off x="0" y="0"/>
+          <a:ext cx="0" cy="0"/>
+          <a:chOff x="0" y="0"/>
+          <a:chExt cx="0" cy="0"/>
+        </a:xfrm>
+      </p:grpSpPr>
+      <p:sp>
+        <p:nvSpPr>
+          <p:cNvPr id="2" name="Title 1">
+            <a:extLst>
+              <a:ext uri="{FF2B5EF4-FFF2-40B4-BE49-F238E27FC236}">
+                <a16:creationId xmlns:a16="http://schemas.microsoft.com/office/drawing/2014/main" id="{2B6B158C-A25A-451F-B517-E169A869DC21}"/>
+              </a:ext>
+            </a:extLst>
+          </p:cNvPr>
+          <p:cNvSpPr>
+            <a:spLocks noGrp="1"/>
+          </p:cNvSpPr>
+          <p:nvPr>
+            <p:ph type="title"/>
+          </p:nvPr>
+        </p:nvSpPr>
+        <p:spPr/>
+        <p:txBody>
+          <a:bodyPr/>
+          <a:lstStyle/>
+          <a:p>
+            <a:r>
+              <a:rPr lang="en-CA" dirty="0"/>
+              <a:t>Attempt 8 </a:t>
+            </a:r>
+            <a:r>
+              <a:rPr lang="en-CA" sz="2000" dirty="0"/>
+              <a:t>(settings are identical to attempt 7)</a:t>
+            </a:r>
+            <a:endParaRPr lang="en-US" sz="2000" dirty="0"/>
+          </a:p>
+        </p:txBody>
+      </p:sp>
+      <p:graphicFrame>
+        <p:nvGraphicFramePr>
+          <p:cNvPr id="4" name="Table 3">
+            <a:extLst>
+              <a:ext uri="{FF2B5EF4-FFF2-40B4-BE49-F238E27FC236}">
+                <a16:creationId xmlns:a16="http://schemas.microsoft.com/office/drawing/2014/main" id="{93D4A5E2-42D9-4740-A4B7-CF2D11C57D11}"/>
+              </a:ext>
+            </a:extLst>
+          </p:cNvPr>
+          <p:cNvGraphicFramePr>
+            <a:graphicFrameLocks noGrp="1"/>
+          </p:cNvGraphicFramePr>
+          <p:nvPr>
+            <p:extLst/>
+          </p:nvPr>
+        </p:nvGraphicFramePr>
+        <p:xfrm>
+          <a:off x="838200" y="1780882"/>
+          <a:ext cx="4805188" cy="741680"/>
+        </p:xfrm>
+        <a:graphic>
+          <a:graphicData uri="http://schemas.openxmlformats.org/drawingml/2006/table">
+            <a:tbl>
+              <a:tblPr firstRow="1" bandRow="1">
+                <a:tableStyleId>{C083E6E3-FA7D-4D7B-A595-EF9225AFEA82}</a:tableStyleId>
+              </a:tblPr>
+              <a:tblGrid>
+                <a:gridCol w="1201297">
+                  <a:extLst>
+                    <a:ext uri="{9D8B030D-6E8A-4147-A177-3AD203B41FA5}">
+                      <a16:colId xmlns:a16="http://schemas.microsoft.com/office/drawing/2014/main" val="715818640"/>
+                    </a:ext>
+                  </a:extLst>
+                </a:gridCol>
+                <a:gridCol w="1201297">
+                  <a:extLst>
+                    <a:ext uri="{9D8B030D-6E8A-4147-A177-3AD203B41FA5}">
+                      <a16:colId xmlns:a16="http://schemas.microsoft.com/office/drawing/2014/main" val="242120962"/>
+                    </a:ext>
+                  </a:extLst>
+                </a:gridCol>
+                <a:gridCol w="1201297">
+                  <a:extLst>
+                    <a:ext uri="{9D8B030D-6E8A-4147-A177-3AD203B41FA5}">
+                      <a16:colId xmlns:a16="http://schemas.microsoft.com/office/drawing/2014/main" val="1895400823"/>
+                    </a:ext>
+                  </a:extLst>
+                </a:gridCol>
+                <a:gridCol w="1201297">
+                  <a:extLst>
+                    <a:ext uri="{9D8B030D-6E8A-4147-A177-3AD203B41FA5}">
+                      <a16:colId xmlns:a16="http://schemas.microsoft.com/office/drawing/2014/main" val="1266642870"/>
+                    </a:ext>
+                  </a:extLst>
+                </a:gridCol>
+              </a:tblGrid>
+              <a:tr h="370840">
+                <a:tc>
+                  <a:txBody>
+                    <a:bodyPr/>
+                    <a:lstStyle/>
+                    <a:p>
+                      <a:pPr algn="ctr"/>
+                      <a:r>
+                        <a:rPr lang="en-CA" dirty="0"/>
+                        <a:t>V1</a:t>
+                      </a:r>
+                      <a:endParaRPr lang="en-US" dirty="0"/>
+                    </a:p>
+                  </a:txBody>
+                  <a:tcPr/>
+                </a:tc>
+                <a:tc>
+                  <a:txBody>
+                    <a:bodyPr/>
+                    <a:lstStyle/>
+                    <a:p>
+                      <a:pPr algn="ctr"/>
+                      <a:r>
+                        <a:rPr lang="en-CA" dirty="0"/>
+                        <a:t>V2</a:t>
+                      </a:r>
+                      <a:endParaRPr lang="en-US" dirty="0"/>
+                    </a:p>
+                  </a:txBody>
+                  <a:tcPr/>
+                </a:tc>
+                <a:tc>
+                  <a:txBody>
+                    <a:bodyPr/>
+                    <a:lstStyle/>
+                    <a:p>
+                      <a:pPr algn="ctr"/>
+                      <a:r>
+                        <a:rPr lang="en-CA" dirty="0"/>
+                        <a:t>Threshold</a:t>
+                      </a:r>
+                      <a:endParaRPr lang="en-US" dirty="0"/>
+                    </a:p>
+                  </a:txBody>
+                  <a:tcPr/>
+                </a:tc>
+                <a:tc>
+                  <a:txBody>
+                    <a:bodyPr/>
+                    <a:lstStyle/>
+                    <a:p>
+                      <a:pPr algn="ctr"/>
+                      <a:r>
+                        <a:rPr lang="en-CA" dirty="0"/>
+                        <a:t>Tolerance</a:t>
+                      </a:r>
+                      <a:endParaRPr lang="en-US" dirty="0"/>
+                    </a:p>
+                  </a:txBody>
+                  <a:tcPr/>
+                </a:tc>
+                <a:extLst>
+                  <a:ext uri="{0D108BD9-81ED-4DB2-BD59-A6C34878D82A}">
+                    <a16:rowId xmlns:a16="http://schemas.microsoft.com/office/drawing/2014/main" val="4265008327"/>
+                  </a:ext>
+                </a:extLst>
+              </a:tr>
+              <a:tr h="370840">
+                <a:tc>
+                  <a:txBody>
+                    <a:bodyPr/>
+                    <a:lstStyle/>
+                    <a:p>
+                      <a:pPr algn="ctr"/>
+                      <a:r>
+                        <a:rPr lang="en-CA" dirty="0"/>
+                        <a:t>SM1</a:t>
+                      </a:r>
+                      <a:endParaRPr lang="en-US" dirty="0"/>
+                    </a:p>
+                  </a:txBody>
+                  <a:tcPr/>
+                </a:tc>
+                <a:tc>
+                  <a:txBody>
+                    <a:bodyPr/>
+                    <a:lstStyle/>
+                    <a:p>
+                      <a:pPr algn="ctr"/>
+                      <a:r>
+                        <a:rPr lang="en-CA" dirty="0"/>
+                        <a:t>SM2</a:t>
+                      </a:r>
+                      <a:endParaRPr lang="en-US" dirty="0"/>
+                    </a:p>
+                  </a:txBody>
+                  <a:tcPr/>
+                </a:tc>
+                <a:tc>
+                  <a:txBody>
+                    <a:bodyPr/>
+                    <a:lstStyle/>
+                    <a:p>
+                      <a:pPr algn="ctr"/>
+                      <a:r>
+                        <a:rPr lang="en-CA" dirty="0"/>
+                        <a:t>50</a:t>
+                      </a:r>
+                      <a:endParaRPr lang="en-US" dirty="0"/>
+                    </a:p>
+                  </a:txBody>
+                  <a:tcPr/>
+                </a:tc>
+                <a:tc>
+                  <a:txBody>
+                    <a:bodyPr/>
+                    <a:lstStyle/>
+                    <a:p>
+                      <a:pPr algn="ctr"/>
+                      <a:r>
+                        <a:rPr lang="en-CA" dirty="0"/>
+                        <a:t>5</a:t>
+                      </a:r>
+                      <a:endParaRPr lang="en-US" dirty="0"/>
+                    </a:p>
+                  </a:txBody>
+                  <a:tcPr/>
+                </a:tc>
+                <a:extLst>
+                  <a:ext uri="{0D108BD9-81ED-4DB2-BD59-A6C34878D82A}">
+                    <a16:rowId xmlns:a16="http://schemas.microsoft.com/office/drawing/2014/main" val="1457255172"/>
+                  </a:ext>
+                </a:extLst>
+              </a:tr>
+            </a:tbl>
+          </a:graphicData>
+        </a:graphic>
+      </p:graphicFrame>
+      <p:graphicFrame>
+        <p:nvGraphicFramePr>
+          <p:cNvPr id="5" name="Table 4">
+            <a:extLst>
+              <a:ext uri="{FF2B5EF4-FFF2-40B4-BE49-F238E27FC236}">
+                <a16:creationId xmlns:a16="http://schemas.microsoft.com/office/drawing/2014/main" id="{4FF4BB0A-E2D5-44A9-925E-640B82054F34}"/>
+              </a:ext>
+            </a:extLst>
+          </p:cNvPr>
+          <p:cNvGraphicFramePr>
+            <a:graphicFrameLocks noGrp="1"/>
+          </p:cNvGraphicFramePr>
+          <p:nvPr>
+            <p:extLst>
+              <p:ext uri="{D42A27DB-BD31-4B8C-83A1-F6EECF244321}">
+                <p14:modId xmlns:p14="http://schemas.microsoft.com/office/powerpoint/2010/main" val="1700461552"/>
+              </p:ext>
+            </p:extLst>
+          </p:nvPr>
+        </p:nvGraphicFramePr>
+        <p:xfrm>
+          <a:off x="838200" y="3098984"/>
+          <a:ext cx="10515601" cy="1381760"/>
+        </p:xfrm>
+        <a:graphic>
+          <a:graphicData uri="http://schemas.openxmlformats.org/drawingml/2006/table">
+            <a:tbl>
+              <a:tblPr firstRow="1" bandRow="1">
+                <a:tableStyleId>{21E4AEA4-8DFA-4A89-87EB-49C32662AFE0}</a:tableStyleId>
+              </a:tblPr>
+              <a:tblGrid>
+                <a:gridCol w="1338749">
+                  <a:extLst>
+                    <a:ext uri="{9D8B030D-6E8A-4147-A177-3AD203B41FA5}">
+                      <a16:colId xmlns:a16="http://schemas.microsoft.com/office/drawing/2014/main" val="1003989657"/>
+                    </a:ext>
+                  </a:extLst>
+                </a:gridCol>
+                <a:gridCol w="2563727">
+                  <a:extLst>
+                    <a:ext uri="{9D8B030D-6E8A-4147-A177-3AD203B41FA5}">
+                      <a16:colId xmlns:a16="http://schemas.microsoft.com/office/drawing/2014/main" val="482042191"/>
+                    </a:ext>
+                  </a:extLst>
+                </a:gridCol>
+                <a:gridCol w="2112885">
+                  <a:extLst>
+                    <a:ext uri="{9D8B030D-6E8A-4147-A177-3AD203B41FA5}">
+                      <a16:colId xmlns:a16="http://schemas.microsoft.com/office/drawing/2014/main" val="3470199590"/>
+                    </a:ext>
+                  </a:extLst>
+                </a:gridCol>
+                <a:gridCol w="2657458">
+                  <a:extLst>
+                    <a:ext uri="{9D8B030D-6E8A-4147-A177-3AD203B41FA5}">
+                      <a16:colId xmlns:a16="http://schemas.microsoft.com/office/drawing/2014/main" val="3735474024"/>
+                    </a:ext>
+                  </a:extLst>
+                </a:gridCol>
+                <a:gridCol w="1842782">
+                  <a:extLst>
+                    <a:ext uri="{9D8B030D-6E8A-4147-A177-3AD203B41FA5}">
+                      <a16:colId xmlns:a16="http://schemas.microsoft.com/office/drawing/2014/main" val="1588882917"/>
+                    </a:ext>
+                  </a:extLst>
+                </a:gridCol>
+              </a:tblGrid>
+              <a:tr h="533216">
+                <a:tc>
+                  <a:txBody>
+                    <a:bodyPr/>
+                    <a:lstStyle/>
+                    <a:p>
+                      <a:pPr algn="ctr"/>
+                      <a:r>
+                        <a:rPr lang="en-CA" dirty="0"/>
+                        <a:t>Steps</a:t>
+                      </a:r>
+                      <a:endParaRPr lang="en-US" dirty="0"/>
+                    </a:p>
+                  </a:txBody>
+                  <a:tcPr/>
+                </a:tc>
+                <a:tc>
+                  <a:txBody>
+                    <a:bodyPr/>
+                    <a:lstStyle/>
+                    <a:p>
+                      <a:pPr algn="ctr"/>
+                      <a:r>
+                        <a:rPr lang="en-CA" dirty="0"/>
+                        <a:t>Optimal Profit</a:t>
+                      </a:r>
+                      <a:endParaRPr lang="en-US" dirty="0"/>
+                    </a:p>
+                  </a:txBody>
+                  <a:tcPr/>
+                </a:tc>
+                <a:tc>
+                  <a:txBody>
+                    <a:bodyPr/>
+                    <a:lstStyle/>
+                    <a:p>
+                      <a:pPr algn="ctr"/>
+                      <a:r>
+                        <a:rPr lang="en-CA" dirty="0"/>
+                        <a:t>Optimal Seats</a:t>
+                      </a:r>
+                    </a:p>
+                  </a:txBody>
+                  <a:tcPr/>
+                </a:tc>
+                <a:tc>
+                  <a:txBody>
+                    <a:bodyPr/>
+                    <a:lstStyle/>
+                    <a:p>
+                      <a:pPr marL="0" marR="0" lvl="0" indent="0" algn="ctr" defTabSz="914400" rtl="0" eaLnBrk="1" fontAlgn="auto" latinLnBrk="0" hangingPunct="1">
+                        <a:lnSpc>
+                          <a:spcPct val="100000"/>
+                        </a:lnSpc>
+                        <a:spcBef>
+                          <a:spcPts val="0"/>
+                        </a:spcBef>
+                        <a:spcAft>
+                          <a:spcPts val="0"/>
+                        </a:spcAft>
+                        <a:buClrTx/>
+                        <a:buSzTx/>
+                        <a:buFontTx/>
+                        <a:buNone/>
+                        <a:tabLst/>
+                        <a:defRPr/>
+                      </a:pPr>
+                      <a:r>
+                        <a:rPr lang="en-CA" dirty="0"/>
+                        <a:t>Optimal Arrangement</a:t>
+                      </a:r>
+                      <a:endParaRPr lang="en-US" dirty="0"/>
+                    </a:p>
+                    <a:p>
+                      <a:pPr algn="ctr"/>
+                      <a:endParaRPr lang="en-US" dirty="0"/>
+                    </a:p>
+                  </a:txBody>
+                  <a:tcPr/>
+                </a:tc>
+                <a:tc>
+                  <a:txBody>
+                    <a:bodyPr/>
+                    <a:lstStyle/>
+                    <a:p>
+                      <a:pPr algn="ctr"/>
+                      <a:r>
+                        <a:rPr lang="en-CA" dirty="0"/>
+                        <a:t>Runtime [s]</a:t>
+                      </a:r>
+                      <a:endParaRPr lang="en-US" dirty="0"/>
+                    </a:p>
+                  </a:txBody>
+                  <a:tcPr/>
+                </a:tc>
+                <a:extLst>
+                  <a:ext uri="{0D108BD9-81ED-4DB2-BD59-A6C34878D82A}">
+                    <a16:rowId xmlns:a16="http://schemas.microsoft.com/office/drawing/2014/main" val="2250139474"/>
+                  </a:ext>
+                </a:extLst>
+              </a:tr>
+              <a:tr h="370840">
+                <a:tc>
+                  <a:txBody>
+                    <a:bodyPr/>
+                    <a:lstStyle/>
+                    <a:p>
+                      <a:pPr marL="0" indent="0" algn="l">
+                        <a:buNone/>
+                      </a:pPr>
+                      <a:r>
+                        <a:rPr lang="en-CA" dirty="0"/>
+                        <a:t>1) Greedy</a:t>
+                      </a:r>
+                      <a:endParaRPr lang="en-US" dirty="0"/>
+                    </a:p>
+                  </a:txBody>
+                  <a:tcPr/>
+                </a:tc>
+                <a:tc>
+                  <a:txBody>
+                    <a:bodyPr/>
+                    <a:lstStyle/>
+                    <a:p>
+                      <a:pPr algn="ctr"/>
+                      <a:r>
+                        <a:rPr lang="en-CA" dirty="0"/>
+                        <a:t>≈$12,823</a:t>
+                      </a:r>
+                      <a:endParaRPr lang="en-US" dirty="0"/>
+                    </a:p>
+                  </a:txBody>
+                  <a:tcPr/>
+                </a:tc>
+                <a:tc>
+                  <a:txBody>
+                    <a:bodyPr/>
+                    <a:lstStyle/>
+                    <a:p>
+                      <a:pPr algn="ctr"/>
+                      <a:r>
+                        <a:rPr lang="en-CA" dirty="0"/>
+                        <a:t>[200, 247]</a:t>
+                      </a:r>
+                      <a:endParaRPr lang="en-US" dirty="0"/>
+                    </a:p>
+                  </a:txBody>
+                  <a:tcPr/>
+                </a:tc>
+                <a:tc>
+                  <a:txBody>
+                    <a:bodyPr/>
+                    <a:lstStyle/>
+                    <a:p>
+                      <a:pPr algn="ctr"/>
+                      <a:r>
+                        <a:rPr lang="en-CA" dirty="0"/>
+                        <a:t>202 seats: [0 31 17 11 9]</a:t>
+                      </a:r>
+                    </a:p>
+                  </a:txBody>
+                  <a:tcPr/>
+                </a:tc>
+                <a:tc>
+                  <a:txBody>
+                    <a:bodyPr/>
+                    <a:lstStyle/>
+                    <a:p>
+                      <a:pPr algn="ctr"/>
+                      <a:r>
+                        <a:rPr lang="en-CA" dirty="0"/>
+                        <a:t>47.578</a:t>
+                      </a:r>
+                      <a:endParaRPr lang="en-US" dirty="0"/>
+                    </a:p>
+                  </a:txBody>
+                  <a:tcPr/>
+                </a:tc>
+                <a:extLst>
+                  <a:ext uri="{0D108BD9-81ED-4DB2-BD59-A6C34878D82A}">
+                    <a16:rowId xmlns:a16="http://schemas.microsoft.com/office/drawing/2014/main" val="1579224542"/>
+                  </a:ext>
+                </a:extLst>
+              </a:tr>
+              <a:tr h="370840">
+                <a:tc>
+                  <a:txBody>
+                    <a:bodyPr/>
+                    <a:lstStyle/>
+                    <a:p>
+                      <a:pPr algn="l"/>
+                      <a:r>
+                        <a:rPr lang="en-CA" dirty="0"/>
+                        <a:t>2) VNS</a:t>
+                      </a:r>
+                      <a:endParaRPr lang="en-US" dirty="0"/>
+                    </a:p>
+                  </a:txBody>
+                  <a:tcPr/>
+                </a:tc>
+                <a:tc>
+                  <a:txBody>
+                    <a:bodyPr/>
+                    <a:lstStyle/>
+                    <a:p>
+                      <a:pPr algn="ctr"/>
+                      <a:r>
+                        <a:rPr lang="en-CA" dirty="0"/>
+                        <a:t>≈$13,774</a:t>
+                      </a:r>
+                    </a:p>
+                  </a:txBody>
+                  <a:tcPr/>
+                </a:tc>
+                <a:tc>
+                  <a:txBody>
+                    <a:bodyPr/>
+                    <a:lstStyle/>
+                    <a:p>
+                      <a:pPr algn="ctr"/>
+                      <a:r>
+                        <a:rPr lang="en-CA" dirty="0"/>
+                        <a:t>[204, 208]</a:t>
+                      </a:r>
+                      <a:endParaRPr lang="en-US" dirty="0"/>
+                    </a:p>
+                  </a:txBody>
+                  <a:tcPr/>
+                </a:tc>
+                <a:tc>
+                  <a:txBody>
+                    <a:bodyPr/>
+                    <a:lstStyle/>
+                    <a:p>
+                      <a:pPr algn="ctr"/>
+                      <a:r>
+                        <a:rPr lang="en-CA" dirty="0"/>
+                        <a:t>204 seats: [0 22 16 13 12]</a:t>
+                      </a:r>
+                      <a:endParaRPr lang="en-US" dirty="0"/>
+                    </a:p>
+                  </a:txBody>
+                  <a:tcPr/>
+                </a:tc>
+                <a:tc>
+                  <a:txBody>
+                    <a:bodyPr/>
+                    <a:lstStyle/>
+                    <a:p>
+                      <a:pPr algn="ctr"/>
+                      <a:r>
+                        <a:rPr lang="en-CA" dirty="0"/>
+                        <a:t>3813.415</a:t>
+                      </a:r>
+                      <a:endParaRPr lang="en-US" dirty="0"/>
+                    </a:p>
+                  </a:txBody>
+                  <a:tcPr/>
+                </a:tc>
+                <a:extLst>
+                  <a:ext uri="{0D108BD9-81ED-4DB2-BD59-A6C34878D82A}">
+                    <a16:rowId xmlns:a16="http://schemas.microsoft.com/office/drawing/2014/main" val="3804653096"/>
+                  </a:ext>
+                </a:extLst>
+              </a:tr>
+            </a:tbl>
+          </a:graphicData>
+        </a:graphic>
+      </p:graphicFrame>
+      <p:sp>
+        <p:nvSpPr>
+          <p:cNvPr id="6" name="TextBox 5">
+            <a:extLst>
+              <a:ext uri="{FF2B5EF4-FFF2-40B4-BE49-F238E27FC236}">
+                <a16:creationId xmlns:a16="http://schemas.microsoft.com/office/drawing/2014/main" id="{A841CB84-22C4-4A5E-8258-4DA5B2DA1B70}"/>
+              </a:ext>
+            </a:extLst>
+          </p:cNvPr>
+          <p:cNvSpPr txBox="1"/>
+          <p:nvPr/>
+        </p:nvSpPr>
+        <p:spPr>
+          <a:xfrm>
+            <a:off x="838200" y="1411550"/>
+            <a:ext cx="3733800" cy="369332"/>
+          </a:xfrm>
+          <a:prstGeom prst="rect">
+            <a:avLst/>
+          </a:prstGeom>
+          <a:noFill/>
+        </p:spPr>
+        <p:txBody>
+          <a:bodyPr wrap="square" rtlCol="0">
+            <a:spAutoFit/>
+          </a:bodyPr>
+          <a:lstStyle/>
+          <a:p>
+            <a:r>
+              <a:rPr lang="en-CA" dirty="0"/>
+              <a:t>Variable Neighborhood Search</a:t>
+            </a:r>
+          </a:p>
+        </p:txBody>
+      </p:sp>
+      <p:sp>
+        <p:nvSpPr>
+          <p:cNvPr id="7" name="TextBox 6">
+            <a:extLst>
+              <a:ext uri="{FF2B5EF4-FFF2-40B4-BE49-F238E27FC236}">
+                <a16:creationId xmlns:a16="http://schemas.microsoft.com/office/drawing/2014/main" id="{3C5CA98D-986C-440F-BAA3-C99D66995BF1}"/>
+              </a:ext>
+            </a:extLst>
+          </p:cNvPr>
+          <p:cNvSpPr txBox="1"/>
+          <p:nvPr/>
+        </p:nvSpPr>
+        <p:spPr>
+          <a:xfrm>
+            <a:off x="838200" y="2642641"/>
+            <a:ext cx="3733800" cy="369332"/>
+          </a:xfrm>
+          <a:prstGeom prst="rect">
+            <a:avLst/>
+          </a:prstGeom>
+          <a:noFill/>
+        </p:spPr>
+        <p:txBody>
+          <a:bodyPr wrap="square" rtlCol="0">
+            <a:spAutoFit/>
+          </a:bodyPr>
+          <a:lstStyle/>
+          <a:p>
+            <a:r>
+              <a:rPr lang="en-CA" dirty="0"/>
+              <a:t>Results:</a:t>
+            </a:r>
+          </a:p>
+        </p:txBody>
+      </p:sp>
+      <p:sp>
+        <p:nvSpPr>
+          <p:cNvPr id="8" name="TextBox 7">
+            <a:extLst>
+              <a:ext uri="{FF2B5EF4-FFF2-40B4-BE49-F238E27FC236}">
+                <a16:creationId xmlns:a16="http://schemas.microsoft.com/office/drawing/2014/main" id="{F10D8199-1FCE-49AA-9F37-B4EA721B48FA}"/>
+              </a:ext>
+            </a:extLst>
+          </p:cNvPr>
+          <p:cNvSpPr txBox="1"/>
+          <p:nvPr/>
+        </p:nvSpPr>
+        <p:spPr>
+          <a:xfrm>
+            <a:off x="838200" y="5264457"/>
+            <a:ext cx="10515600" cy="923330"/>
+          </a:xfrm>
+          <a:prstGeom prst="rect">
+            <a:avLst/>
+          </a:prstGeom>
+          <a:noFill/>
+        </p:spPr>
+        <p:txBody>
+          <a:bodyPr wrap="square" rtlCol="0">
+            <a:spAutoFit/>
+          </a:bodyPr>
+          <a:lstStyle/>
+          <a:p>
+            <a:r>
+              <a:rPr lang="en-CA" dirty="0"/>
+              <a:t>Iterations:</a:t>
+            </a:r>
+          </a:p>
+          <a:p>
+            <a:r>
+              <a:rPr lang="en-CA" dirty="0" err="1"/>
+              <a:t>a</a:t>
+            </a:r>
+            <a:r>
+              <a:rPr lang="en-CA" baseline="-25000" dirty="0" err="1"/>
+              <a:t>k</a:t>
+            </a:r>
+            <a:r>
+              <a:rPr lang="en-CA" dirty="0"/>
+              <a:t>: 200.0000  200.0000  200.0000  200.0000  200.0000  200.0000  204.2588  204.2588</a:t>
+            </a:r>
+          </a:p>
+          <a:p>
+            <a:r>
+              <a:rPr lang="en-CA" dirty="0"/>
+              <a:t>b</a:t>
+            </a:r>
+            <a:r>
+              <a:rPr lang="en-CA" baseline="-25000" dirty="0"/>
+              <a:t>k</a:t>
+            </a:r>
+            <a:r>
+              <a:rPr lang="en-CA" dirty="0"/>
+              <a:t>: 323.6000  276.4000  247.2152  229.1848  218.0362  211.1486  211.1486  208.5167</a:t>
+            </a:r>
+          </a:p>
+        </p:txBody>
+      </p:sp>
+    </p:spTree>
+    <p:extLst>
+      <p:ext uri="{BB962C8B-B14F-4D97-AF65-F5344CB8AC3E}">
+        <p14:creationId xmlns:p14="http://schemas.microsoft.com/office/powerpoint/2010/main" val="239905483"/>
+      </p:ext>
+    </p:extLst>
+  </p:cSld>
+  <p:clrMapOvr>
+    <a:masterClrMapping/>
+  </p:clrMapOvr>
+</p:sld>
+</file>
+
+<file path=ppt/slides/slide15.xml><?xml version="1.0" encoding="utf-8"?>
+<p:sld xmlns:a="http://schemas.openxmlformats.org/drawingml/2006/main" xmlns:r="http://schemas.openxmlformats.org/officeDocument/2006/relationships" xmlns:p="http://schemas.openxmlformats.org/presentationml/2006/main">
+  <p:cSld>
+    <p:spTree>
+      <p:nvGrpSpPr>
+        <p:cNvPr id="1" name=""/>
+        <p:cNvGrpSpPr/>
+        <p:nvPr/>
+      </p:nvGrpSpPr>
+      <p:grpSpPr>
+        <a:xfrm>
+          <a:off x="0" y="0"/>
+          <a:ext cx="0" cy="0"/>
+          <a:chOff x="0" y="0"/>
+          <a:chExt cx="0" cy="0"/>
+        </a:xfrm>
+      </p:grpSpPr>
+      <p:sp>
+        <p:nvSpPr>
+          <p:cNvPr id="2" name="Title 1">
+            <a:extLst>
+              <a:ext uri="{FF2B5EF4-FFF2-40B4-BE49-F238E27FC236}">
+                <a16:creationId xmlns:a16="http://schemas.microsoft.com/office/drawing/2014/main" id="{2B6B158C-A25A-451F-B517-E169A869DC21}"/>
+              </a:ext>
+            </a:extLst>
+          </p:cNvPr>
+          <p:cNvSpPr>
+            <a:spLocks noGrp="1"/>
+          </p:cNvSpPr>
+          <p:nvPr>
+            <p:ph type="title"/>
+          </p:nvPr>
+        </p:nvSpPr>
+        <p:spPr/>
+        <p:txBody>
+          <a:bodyPr/>
+          <a:lstStyle/>
+          <a:p>
+            <a:r>
+              <a:rPr lang="en-CA" dirty="0"/>
+              <a:t>Attempt 9 </a:t>
+            </a:r>
+            <a:r>
+              <a:rPr lang="en-CA" sz="2000" dirty="0"/>
+              <a:t>(settings are identical to attempt 7)</a:t>
+            </a:r>
+            <a:endParaRPr lang="en-US" sz="2000" dirty="0"/>
+          </a:p>
+        </p:txBody>
+      </p:sp>
+      <p:graphicFrame>
+        <p:nvGraphicFramePr>
+          <p:cNvPr id="4" name="Table 3">
+            <a:extLst>
+              <a:ext uri="{FF2B5EF4-FFF2-40B4-BE49-F238E27FC236}">
+                <a16:creationId xmlns:a16="http://schemas.microsoft.com/office/drawing/2014/main" id="{93D4A5E2-42D9-4740-A4B7-CF2D11C57D11}"/>
+              </a:ext>
+            </a:extLst>
+          </p:cNvPr>
+          <p:cNvGraphicFramePr>
+            <a:graphicFrameLocks noGrp="1"/>
+          </p:cNvGraphicFramePr>
+          <p:nvPr>
+            <p:extLst/>
+          </p:nvPr>
+        </p:nvGraphicFramePr>
+        <p:xfrm>
+          <a:off x="838200" y="1780882"/>
+          <a:ext cx="4805188" cy="741680"/>
+        </p:xfrm>
+        <a:graphic>
+          <a:graphicData uri="http://schemas.openxmlformats.org/drawingml/2006/table">
+            <a:tbl>
+              <a:tblPr firstRow="1" bandRow="1">
+                <a:tableStyleId>{C083E6E3-FA7D-4D7B-A595-EF9225AFEA82}</a:tableStyleId>
+              </a:tblPr>
+              <a:tblGrid>
+                <a:gridCol w="1201297">
+                  <a:extLst>
+                    <a:ext uri="{9D8B030D-6E8A-4147-A177-3AD203B41FA5}">
+                      <a16:colId xmlns:a16="http://schemas.microsoft.com/office/drawing/2014/main" val="715818640"/>
+                    </a:ext>
+                  </a:extLst>
+                </a:gridCol>
+                <a:gridCol w="1201297">
+                  <a:extLst>
+                    <a:ext uri="{9D8B030D-6E8A-4147-A177-3AD203B41FA5}">
+                      <a16:colId xmlns:a16="http://schemas.microsoft.com/office/drawing/2014/main" val="242120962"/>
+                    </a:ext>
+                  </a:extLst>
+                </a:gridCol>
+                <a:gridCol w="1201297">
+                  <a:extLst>
+                    <a:ext uri="{9D8B030D-6E8A-4147-A177-3AD203B41FA5}">
+                      <a16:colId xmlns:a16="http://schemas.microsoft.com/office/drawing/2014/main" val="1895400823"/>
+                    </a:ext>
+                  </a:extLst>
+                </a:gridCol>
+                <a:gridCol w="1201297">
+                  <a:extLst>
+                    <a:ext uri="{9D8B030D-6E8A-4147-A177-3AD203B41FA5}">
+                      <a16:colId xmlns:a16="http://schemas.microsoft.com/office/drawing/2014/main" val="1266642870"/>
+                    </a:ext>
+                  </a:extLst>
+                </a:gridCol>
+              </a:tblGrid>
+              <a:tr h="370840">
+                <a:tc>
+                  <a:txBody>
+                    <a:bodyPr/>
+                    <a:lstStyle/>
+                    <a:p>
+                      <a:pPr algn="ctr"/>
+                      <a:r>
+                        <a:rPr lang="en-CA" dirty="0"/>
+                        <a:t>V1</a:t>
+                      </a:r>
+                      <a:endParaRPr lang="en-US" dirty="0"/>
+                    </a:p>
+                  </a:txBody>
+                  <a:tcPr/>
+                </a:tc>
+                <a:tc>
+                  <a:txBody>
+                    <a:bodyPr/>
+                    <a:lstStyle/>
+                    <a:p>
+                      <a:pPr algn="ctr"/>
+                      <a:r>
+                        <a:rPr lang="en-CA" dirty="0"/>
+                        <a:t>V2</a:t>
+                      </a:r>
+                      <a:endParaRPr lang="en-US" dirty="0"/>
+                    </a:p>
+                  </a:txBody>
+                  <a:tcPr/>
+                </a:tc>
+                <a:tc>
+                  <a:txBody>
+                    <a:bodyPr/>
+                    <a:lstStyle/>
+                    <a:p>
+                      <a:pPr algn="ctr"/>
+                      <a:r>
+                        <a:rPr lang="en-CA" dirty="0"/>
+                        <a:t>Threshold</a:t>
+                      </a:r>
+                      <a:endParaRPr lang="en-US" dirty="0"/>
+                    </a:p>
+                  </a:txBody>
+                  <a:tcPr/>
+                </a:tc>
+                <a:tc>
+                  <a:txBody>
+                    <a:bodyPr/>
+                    <a:lstStyle/>
+                    <a:p>
+                      <a:pPr algn="ctr"/>
+                      <a:r>
+                        <a:rPr lang="en-CA" dirty="0"/>
+                        <a:t>Tolerance</a:t>
+                      </a:r>
+                      <a:endParaRPr lang="en-US" dirty="0"/>
+                    </a:p>
+                  </a:txBody>
+                  <a:tcPr/>
+                </a:tc>
+                <a:extLst>
+                  <a:ext uri="{0D108BD9-81ED-4DB2-BD59-A6C34878D82A}">
+                    <a16:rowId xmlns:a16="http://schemas.microsoft.com/office/drawing/2014/main" val="4265008327"/>
+                  </a:ext>
+                </a:extLst>
+              </a:tr>
+              <a:tr h="370840">
+                <a:tc>
+                  <a:txBody>
+                    <a:bodyPr/>
+                    <a:lstStyle/>
+                    <a:p>
+                      <a:pPr algn="ctr"/>
+                      <a:r>
+                        <a:rPr lang="en-CA" dirty="0"/>
+                        <a:t>SM1</a:t>
+                      </a:r>
+                      <a:endParaRPr lang="en-US" dirty="0"/>
+                    </a:p>
+                  </a:txBody>
+                  <a:tcPr/>
+                </a:tc>
+                <a:tc>
+                  <a:txBody>
+                    <a:bodyPr/>
+                    <a:lstStyle/>
+                    <a:p>
+                      <a:pPr algn="ctr"/>
+                      <a:r>
+                        <a:rPr lang="en-CA" dirty="0"/>
+                        <a:t>SM2</a:t>
+                      </a:r>
+                      <a:endParaRPr lang="en-US" dirty="0"/>
+                    </a:p>
+                  </a:txBody>
+                  <a:tcPr/>
+                </a:tc>
+                <a:tc>
+                  <a:txBody>
+                    <a:bodyPr/>
+                    <a:lstStyle/>
+                    <a:p>
+                      <a:pPr algn="ctr"/>
+                      <a:r>
+                        <a:rPr lang="en-CA" dirty="0"/>
+                        <a:t>50</a:t>
+                      </a:r>
+                      <a:endParaRPr lang="en-US" dirty="0"/>
+                    </a:p>
+                  </a:txBody>
+                  <a:tcPr/>
+                </a:tc>
+                <a:tc>
+                  <a:txBody>
+                    <a:bodyPr/>
+                    <a:lstStyle/>
+                    <a:p>
+                      <a:pPr algn="ctr"/>
+                      <a:r>
+                        <a:rPr lang="en-CA" dirty="0"/>
+                        <a:t>5</a:t>
+                      </a:r>
+                      <a:endParaRPr lang="en-US" dirty="0"/>
+                    </a:p>
+                  </a:txBody>
+                  <a:tcPr/>
+                </a:tc>
+                <a:extLst>
+                  <a:ext uri="{0D108BD9-81ED-4DB2-BD59-A6C34878D82A}">
+                    <a16:rowId xmlns:a16="http://schemas.microsoft.com/office/drawing/2014/main" val="1457255172"/>
+                  </a:ext>
+                </a:extLst>
+              </a:tr>
+            </a:tbl>
+          </a:graphicData>
+        </a:graphic>
+      </p:graphicFrame>
+      <p:graphicFrame>
+        <p:nvGraphicFramePr>
+          <p:cNvPr id="5" name="Table 4">
+            <a:extLst>
+              <a:ext uri="{FF2B5EF4-FFF2-40B4-BE49-F238E27FC236}">
+                <a16:creationId xmlns:a16="http://schemas.microsoft.com/office/drawing/2014/main" id="{4FF4BB0A-E2D5-44A9-925E-640B82054F34}"/>
+              </a:ext>
+            </a:extLst>
+          </p:cNvPr>
+          <p:cNvGraphicFramePr>
+            <a:graphicFrameLocks noGrp="1"/>
+          </p:cNvGraphicFramePr>
+          <p:nvPr>
+            <p:extLst>
+              <p:ext uri="{D42A27DB-BD31-4B8C-83A1-F6EECF244321}">
+                <p14:modId xmlns:p14="http://schemas.microsoft.com/office/powerpoint/2010/main" val="827333783"/>
+              </p:ext>
+            </p:extLst>
+          </p:nvPr>
+        </p:nvGraphicFramePr>
+        <p:xfrm>
+          <a:off x="838200" y="3098984"/>
+          <a:ext cx="10515601" cy="1381392"/>
+        </p:xfrm>
+        <a:graphic>
+          <a:graphicData uri="http://schemas.openxmlformats.org/drawingml/2006/table">
+            <a:tbl>
+              <a:tblPr firstRow="1" bandRow="1">
+                <a:tableStyleId>{21E4AEA4-8DFA-4A89-87EB-49C32662AFE0}</a:tableStyleId>
+              </a:tblPr>
+              <a:tblGrid>
+                <a:gridCol w="1338749">
+                  <a:extLst>
+                    <a:ext uri="{9D8B030D-6E8A-4147-A177-3AD203B41FA5}">
+                      <a16:colId xmlns:a16="http://schemas.microsoft.com/office/drawing/2014/main" val="1003989657"/>
+                    </a:ext>
+                  </a:extLst>
+                </a:gridCol>
+                <a:gridCol w="2563727">
+                  <a:extLst>
+                    <a:ext uri="{9D8B030D-6E8A-4147-A177-3AD203B41FA5}">
+                      <a16:colId xmlns:a16="http://schemas.microsoft.com/office/drawing/2014/main" val="482042191"/>
+                    </a:ext>
+                  </a:extLst>
+                </a:gridCol>
+                <a:gridCol w="2112885">
+                  <a:extLst>
+                    <a:ext uri="{9D8B030D-6E8A-4147-A177-3AD203B41FA5}">
+                      <a16:colId xmlns:a16="http://schemas.microsoft.com/office/drawing/2014/main" val="3470199590"/>
+                    </a:ext>
+                  </a:extLst>
+                </a:gridCol>
+                <a:gridCol w="2657458">
+                  <a:extLst>
+                    <a:ext uri="{9D8B030D-6E8A-4147-A177-3AD203B41FA5}">
+                      <a16:colId xmlns:a16="http://schemas.microsoft.com/office/drawing/2014/main" val="3735474024"/>
+                    </a:ext>
+                  </a:extLst>
+                </a:gridCol>
+                <a:gridCol w="1842782">
+                  <a:extLst>
+                    <a:ext uri="{9D8B030D-6E8A-4147-A177-3AD203B41FA5}">
+                      <a16:colId xmlns:a16="http://schemas.microsoft.com/office/drawing/2014/main" val="1588882917"/>
+                    </a:ext>
+                  </a:extLst>
+                </a:gridCol>
+              </a:tblGrid>
+              <a:tr h="644792">
+                <a:tc>
+                  <a:txBody>
+                    <a:bodyPr/>
+                    <a:lstStyle/>
+                    <a:p>
+                      <a:pPr algn="ctr"/>
+                      <a:r>
+                        <a:rPr lang="en-CA" dirty="0"/>
+                        <a:t>Steps</a:t>
+                      </a:r>
+                      <a:endParaRPr lang="en-US" dirty="0"/>
+                    </a:p>
+                  </a:txBody>
+                  <a:tcPr/>
+                </a:tc>
+                <a:tc>
+                  <a:txBody>
+                    <a:bodyPr/>
+                    <a:lstStyle/>
+                    <a:p>
+                      <a:pPr algn="ctr"/>
+                      <a:r>
+                        <a:rPr lang="en-CA" dirty="0"/>
+                        <a:t>Optimal Profit</a:t>
+                      </a:r>
+                      <a:endParaRPr lang="en-US" dirty="0"/>
+                    </a:p>
+                  </a:txBody>
+                  <a:tcPr/>
+                </a:tc>
+                <a:tc>
+                  <a:txBody>
+                    <a:bodyPr/>
+                    <a:lstStyle/>
+                    <a:p>
+                      <a:pPr algn="ctr"/>
+                      <a:r>
+                        <a:rPr lang="en-CA" dirty="0"/>
+                        <a:t>Optimal Seats</a:t>
+                      </a:r>
+                    </a:p>
+                  </a:txBody>
+                  <a:tcPr/>
+                </a:tc>
+                <a:tc>
+                  <a:txBody>
+                    <a:bodyPr/>
+                    <a:lstStyle/>
+                    <a:p>
+                      <a:pPr marL="0" marR="0" lvl="0" indent="0" algn="ctr" defTabSz="914400" rtl="0" eaLnBrk="1" fontAlgn="auto" latinLnBrk="0" hangingPunct="1">
+                        <a:lnSpc>
+                          <a:spcPct val="100000"/>
+                        </a:lnSpc>
+                        <a:spcBef>
+                          <a:spcPts val="0"/>
+                        </a:spcBef>
+                        <a:spcAft>
+                          <a:spcPts val="0"/>
+                        </a:spcAft>
+                        <a:buClrTx/>
+                        <a:buSzTx/>
+                        <a:buFontTx/>
+                        <a:buNone/>
+                        <a:tabLst/>
+                        <a:defRPr/>
+                      </a:pPr>
+                      <a:r>
+                        <a:rPr lang="en-CA" dirty="0"/>
+                        <a:t>Optimal Arrangement</a:t>
+                      </a:r>
+                      <a:endParaRPr lang="en-US" dirty="0"/>
+                    </a:p>
+                    <a:p>
+                      <a:pPr algn="ctr"/>
+                      <a:endParaRPr lang="en-US" dirty="0"/>
+                    </a:p>
+                  </a:txBody>
+                  <a:tcPr/>
+                </a:tc>
+                <a:tc>
+                  <a:txBody>
+                    <a:bodyPr/>
+                    <a:lstStyle/>
+                    <a:p>
+                      <a:pPr algn="ctr"/>
+                      <a:r>
+                        <a:rPr lang="en-CA" dirty="0"/>
+                        <a:t>Runtime [s]</a:t>
+                      </a:r>
+                      <a:endParaRPr lang="en-US" dirty="0"/>
+                    </a:p>
+                  </a:txBody>
+                  <a:tcPr/>
+                </a:tc>
+                <a:extLst>
+                  <a:ext uri="{0D108BD9-81ED-4DB2-BD59-A6C34878D82A}">
+                    <a16:rowId xmlns:a16="http://schemas.microsoft.com/office/drawing/2014/main" val="2250139474"/>
+                  </a:ext>
+                </a:extLst>
+              </a:tr>
+              <a:tr h="370840">
+                <a:tc>
+                  <a:txBody>
+                    <a:bodyPr/>
+                    <a:lstStyle/>
+                    <a:p>
+                      <a:pPr marL="0" indent="0" algn="l">
+                        <a:buNone/>
+                      </a:pPr>
+                      <a:r>
+                        <a:rPr lang="en-CA" dirty="0"/>
+                        <a:t>1) Greedy</a:t>
+                      </a:r>
+                      <a:endParaRPr lang="en-US" dirty="0"/>
+                    </a:p>
+                  </a:txBody>
+                  <a:tcPr/>
+                </a:tc>
+                <a:tc>
+                  <a:txBody>
+                    <a:bodyPr/>
+                    <a:lstStyle/>
+                    <a:p>
+                      <a:pPr algn="ctr"/>
+                      <a:r>
+                        <a:rPr lang="en-CA" dirty="0"/>
+                        <a:t>≈$12,823</a:t>
+                      </a:r>
+                      <a:endParaRPr lang="en-US" dirty="0"/>
+                    </a:p>
+                  </a:txBody>
+                  <a:tcPr/>
+                </a:tc>
+                <a:tc>
+                  <a:txBody>
+                    <a:bodyPr/>
+                    <a:lstStyle/>
+                    <a:p>
+                      <a:pPr algn="ctr"/>
+                      <a:r>
+                        <a:rPr lang="en-CA" dirty="0"/>
+                        <a:t>[200, 247]</a:t>
+                      </a:r>
+                      <a:endParaRPr lang="en-US" dirty="0"/>
+                    </a:p>
+                  </a:txBody>
+                  <a:tcPr/>
+                </a:tc>
+                <a:tc>
+                  <a:txBody>
+                    <a:bodyPr/>
+                    <a:lstStyle/>
+                    <a:p>
+                      <a:pPr algn="ctr"/>
+                      <a:r>
+                        <a:rPr lang="en-CA" dirty="0"/>
+                        <a:t>202 seats: [0 31 17 11 9]</a:t>
+                      </a:r>
+                    </a:p>
+                  </a:txBody>
+                  <a:tcPr/>
+                </a:tc>
+                <a:tc>
+                  <a:txBody>
+                    <a:bodyPr/>
+                    <a:lstStyle/>
+                    <a:p>
+                      <a:pPr algn="ctr"/>
+                      <a:r>
+                        <a:rPr lang="en-CA" dirty="0"/>
+                        <a:t>48.641</a:t>
+                      </a:r>
+                      <a:endParaRPr lang="en-US" dirty="0"/>
+                    </a:p>
+                  </a:txBody>
+                  <a:tcPr/>
+                </a:tc>
+                <a:extLst>
+                  <a:ext uri="{0D108BD9-81ED-4DB2-BD59-A6C34878D82A}">
+                    <a16:rowId xmlns:a16="http://schemas.microsoft.com/office/drawing/2014/main" val="1579224542"/>
+                  </a:ext>
+                </a:extLst>
+              </a:tr>
+              <a:tr h="254184">
+                <a:tc>
+                  <a:txBody>
+                    <a:bodyPr/>
+                    <a:lstStyle/>
+                    <a:p>
+                      <a:pPr algn="l"/>
+                      <a:r>
+                        <a:rPr lang="en-CA" dirty="0"/>
+                        <a:t>2) VNS</a:t>
+                      </a:r>
+                      <a:endParaRPr lang="en-US" dirty="0"/>
+                    </a:p>
+                  </a:txBody>
+                  <a:tcPr/>
+                </a:tc>
+                <a:tc>
+                  <a:txBody>
+                    <a:bodyPr/>
+                    <a:lstStyle/>
+                    <a:p>
+                      <a:pPr algn="ctr"/>
+                      <a:r>
+                        <a:rPr lang="en-CA" dirty="0"/>
+                        <a:t>≈$13,774</a:t>
+                      </a:r>
+                    </a:p>
+                  </a:txBody>
+                  <a:tcPr/>
+                </a:tc>
+                <a:tc>
+                  <a:txBody>
+                    <a:bodyPr/>
+                    <a:lstStyle/>
+                    <a:p>
+                      <a:pPr algn="ctr"/>
+                      <a:r>
+                        <a:rPr lang="en-CA" dirty="0"/>
+                        <a:t>[204, 208]</a:t>
+                      </a:r>
+                      <a:endParaRPr lang="en-US" dirty="0"/>
+                    </a:p>
+                  </a:txBody>
+                  <a:tcPr/>
+                </a:tc>
+                <a:tc>
+                  <a:txBody>
+                    <a:bodyPr/>
+                    <a:lstStyle/>
+                    <a:p>
+                      <a:pPr algn="ctr"/>
+                      <a:r>
+                        <a:rPr lang="en-CA" dirty="0"/>
+                        <a:t>204 seats: [0 22 16 13 12]</a:t>
+                      </a:r>
+                      <a:endParaRPr lang="en-US" dirty="0"/>
+                    </a:p>
+                  </a:txBody>
+                  <a:tcPr/>
+                </a:tc>
+                <a:tc>
+                  <a:txBody>
+                    <a:bodyPr/>
+                    <a:lstStyle/>
+                    <a:p>
+                      <a:pPr algn="ctr"/>
+                      <a:r>
+                        <a:rPr lang="en-CA" dirty="0"/>
+                        <a:t>4282.033</a:t>
+                      </a:r>
+                      <a:endParaRPr lang="en-US" dirty="0"/>
+                    </a:p>
+                  </a:txBody>
+                  <a:tcPr/>
+                </a:tc>
+                <a:extLst>
+                  <a:ext uri="{0D108BD9-81ED-4DB2-BD59-A6C34878D82A}">
+                    <a16:rowId xmlns:a16="http://schemas.microsoft.com/office/drawing/2014/main" val="3804653096"/>
+                  </a:ext>
+                </a:extLst>
+              </a:tr>
+            </a:tbl>
+          </a:graphicData>
+        </a:graphic>
+      </p:graphicFrame>
+      <p:sp>
+        <p:nvSpPr>
+          <p:cNvPr id="6" name="TextBox 5">
+            <a:extLst>
+              <a:ext uri="{FF2B5EF4-FFF2-40B4-BE49-F238E27FC236}">
+                <a16:creationId xmlns:a16="http://schemas.microsoft.com/office/drawing/2014/main" id="{A841CB84-22C4-4A5E-8258-4DA5B2DA1B70}"/>
+              </a:ext>
+            </a:extLst>
+          </p:cNvPr>
+          <p:cNvSpPr txBox="1"/>
+          <p:nvPr/>
+        </p:nvSpPr>
+        <p:spPr>
+          <a:xfrm>
+            <a:off x="838200" y="1411550"/>
+            <a:ext cx="3733800" cy="369332"/>
+          </a:xfrm>
+          <a:prstGeom prst="rect">
+            <a:avLst/>
+          </a:prstGeom>
+          <a:noFill/>
+        </p:spPr>
+        <p:txBody>
+          <a:bodyPr wrap="square" rtlCol="0">
+            <a:spAutoFit/>
+          </a:bodyPr>
+          <a:lstStyle/>
+          <a:p>
+            <a:r>
+              <a:rPr lang="en-CA" dirty="0"/>
+              <a:t>Variable Neighborhood Search</a:t>
+            </a:r>
+          </a:p>
+        </p:txBody>
+      </p:sp>
+      <p:sp>
+        <p:nvSpPr>
+          <p:cNvPr id="7" name="TextBox 6">
+            <a:extLst>
+              <a:ext uri="{FF2B5EF4-FFF2-40B4-BE49-F238E27FC236}">
+                <a16:creationId xmlns:a16="http://schemas.microsoft.com/office/drawing/2014/main" id="{3C5CA98D-986C-440F-BAA3-C99D66995BF1}"/>
+              </a:ext>
+            </a:extLst>
+          </p:cNvPr>
+          <p:cNvSpPr txBox="1"/>
+          <p:nvPr/>
+        </p:nvSpPr>
+        <p:spPr>
+          <a:xfrm>
+            <a:off x="838200" y="2642641"/>
+            <a:ext cx="3733800" cy="369332"/>
+          </a:xfrm>
+          <a:prstGeom prst="rect">
+            <a:avLst/>
+          </a:prstGeom>
+          <a:noFill/>
+        </p:spPr>
+        <p:txBody>
+          <a:bodyPr wrap="square" rtlCol="0">
+            <a:spAutoFit/>
+          </a:bodyPr>
+          <a:lstStyle/>
+          <a:p>
+            <a:r>
+              <a:rPr lang="en-CA" dirty="0"/>
+              <a:t>Results:</a:t>
+            </a:r>
+          </a:p>
+        </p:txBody>
+      </p:sp>
+      <p:sp>
+        <p:nvSpPr>
+          <p:cNvPr id="8" name="TextBox 7">
+            <a:extLst>
+              <a:ext uri="{FF2B5EF4-FFF2-40B4-BE49-F238E27FC236}">
+                <a16:creationId xmlns:a16="http://schemas.microsoft.com/office/drawing/2014/main" id="{F10D8199-1FCE-49AA-9F37-B4EA721B48FA}"/>
+              </a:ext>
+            </a:extLst>
+          </p:cNvPr>
+          <p:cNvSpPr txBox="1"/>
+          <p:nvPr/>
+        </p:nvSpPr>
+        <p:spPr>
+          <a:xfrm>
+            <a:off x="838200" y="5264457"/>
+            <a:ext cx="10515600" cy="923330"/>
+          </a:xfrm>
+          <a:prstGeom prst="rect">
+            <a:avLst/>
+          </a:prstGeom>
+          <a:noFill/>
+        </p:spPr>
+        <p:txBody>
+          <a:bodyPr wrap="square" rtlCol="0">
+            <a:spAutoFit/>
+          </a:bodyPr>
+          <a:lstStyle/>
+          <a:p>
+            <a:r>
+              <a:rPr lang="en-CA" dirty="0"/>
+              <a:t>Iterations:</a:t>
+            </a:r>
+          </a:p>
+          <a:p>
+            <a:r>
+              <a:rPr lang="en-CA" dirty="0" err="1"/>
+              <a:t>a</a:t>
+            </a:r>
+            <a:r>
+              <a:rPr lang="en-CA" baseline="-25000" dirty="0" err="1"/>
+              <a:t>k</a:t>
+            </a:r>
+            <a:r>
+              <a:rPr lang="en-CA" dirty="0"/>
+              <a:t>: 200.0000  200.0000  200.0000  200.0000  200.0000  200.0000  204.2588  204.2588</a:t>
+            </a:r>
+          </a:p>
+          <a:p>
+            <a:r>
+              <a:rPr lang="en-CA" dirty="0"/>
+              <a:t>b</a:t>
+            </a:r>
+            <a:r>
+              <a:rPr lang="en-CA" baseline="-25000" dirty="0"/>
+              <a:t>k</a:t>
+            </a:r>
+            <a:r>
+              <a:rPr lang="en-CA" dirty="0"/>
+              <a:t>: 323.6000  276.4000  247.2152  229.1848  218.0362  211.1486  211.1486  208.5167</a:t>
+            </a:r>
+          </a:p>
+        </p:txBody>
+      </p:sp>
+    </p:spTree>
+    <p:extLst>
+      <p:ext uri="{BB962C8B-B14F-4D97-AF65-F5344CB8AC3E}">
+        <p14:creationId xmlns:p14="http://schemas.microsoft.com/office/powerpoint/2010/main" val="3079163129"/>
+      </p:ext>
+    </p:extLst>
+  </p:cSld>
+  <p:clrMapOvr>
+    <a:masterClrMapping/>
+  </p:clrMapOvr>
+</p:sld>
+</file>
+
+<file path=ppt/slides/slide16.xml><?xml version="1.0" encoding="utf-8"?>
+<p:sld xmlns:a="http://schemas.openxmlformats.org/drawingml/2006/main" xmlns:r="http://schemas.openxmlformats.org/officeDocument/2006/relationships" xmlns:p="http://schemas.openxmlformats.org/presentationml/2006/main">
+  <p:cSld>
+    <p:spTree>
+      <p:nvGrpSpPr>
+        <p:cNvPr id="1" name=""/>
+        <p:cNvGrpSpPr/>
+        <p:nvPr/>
+      </p:nvGrpSpPr>
+      <p:grpSpPr>
+        <a:xfrm>
+          <a:off x="0" y="0"/>
+          <a:ext cx="0" cy="0"/>
+          <a:chOff x="0" y="0"/>
+          <a:chExt cx="0" cy="0"/>
+        </a:xfrm>
+      </p:grpSpPr>
+      <p:sp>
+        <p:nvSpPr>
+          <p:cNvPr id="2" name="Title 1">
+            <a:extLst>
+              <a:ext uri="{FF2B5EF4-FFF2-40B4-BE49-F238E27FC236}">
+                <a16:creationId xmlns:a16="http://schemas.microsoft.com/office/drawing/2014/main" id="{2B6B158C-A25A-451F-B517-E169A869DC21}"/>
+              </a:ext>
+            </a:extLst>
+          </p:cNvPr>
+          <p:cNvSpPr>
+            <a:spLocks noGrp="1"/>
+          </p:cNvSpPr>
+          <p:nvPr>
+            <p:ph type="title"/>
+          </p:nvPr>
+        </p:nvSpPr>
+        <p:spPr/>
+        <p:txBody>
+          <a:bodyPr/>
+          <a:lstStyle/>
+          <a:p>
+            <a:r>
+              <a:rPr lang="en-CA" dirty="0"/>
+              <a:t>Attempt 10 </a:t>
+            </a:r>
+            <a:r>
+              <a:rPr lang="en-CA" sz="2000" dirty="0"/>
+              <a:t>(settings are identical to attempt 7)</a:t>
+            </a:r>
+            <a:endParaRPr lang="en-US" sz="2000" dirty="0"/>
+          </a:p>
+        </p:txBody>
+      </p:sp>
+      <p:graphicFrame>
+        <p:nvGraphicFramePr>
+          <p:cNvPr id="4" name="Table 3">
+            <a:extLst>
+              <a:ext uri="{FF2B5EF4-FFF2-40B4-BE49-F238E27FC236}">
+                <a16:creationId xmlns:a16="http://schemas.microsoft.com/office/drawing/2014/main" id="{93D4A5E2-42D9-4740-A4B7-CF2D11C57D11}"/>
+              </a:ext>
+            </a:extLst>
+          </p:cNvPr>
+          <p:cNvGraphicFramePr>
+            <a:graphicFrameLocks noGrp="1"/>
+          </p:cNvGraphicFramePr>
+          <p:nvPr>
+            <p:extLst/>
+          </p:nvPr>
+        </p:nvGraphicFramePr>
+        <p:xfrm>
+          <a:off x="838200" y="1780882"/>
+          <a:ext cx="4805188" cy="741680"/>
+        </p:xfrm>
+        <a:graphic>
+          <a:graphicData uri="http://schemas.openxmlformats.org/drawingml/2006/table">
+            <a:tbl>
+              <a:tblPr firstRow="1" bandRow="1">
+                <a:tableStyleId>{C083E6E3-FA7D-4D7B-A595-EF9225AFEA82}</a:tableStyleId>
+              </a:tblPr>
+              <a:tblGrid>
+                <a:gridCol w="1201297">
+                  <a:extLst>
+                    <a:ext uri="{9D8B030D-6E8A-4147-A177-3AD203B41FA5}">
+                      <a16:colId xmlns:a16="http://schemas.microsoft.com/office/drawing/2014/main" val="715818640"/>
+                    </a:ext>
+                  </a:extLst>
+                </a:gridCol>
+                <a:gridCol w="1201297">
+                  <a:extLst>
+                    <a:ext uri="{9D8B030D-6E8A-4147-A177-3AD203B41FA5}">
+                      <a16:colId xmlns:a16="http://schemas.microsoft.com/office/drawing/2014/main" val="242120962"/>
+                    </a:ext>
+                  </a:extLst>
+                </a:gridCol>
+                <a:gridCol w="1201297">
+                  <a:extLst>
+                    <a:ext uri="{9D8B030D-6E8A-4147-A177-3AD203B41FA5}">
+                      <a16:colId xmlns:a16="http://schemas.microsoft.com/office/drawing/2014/main" val="1895400823"/>
+                    </a:ext>
+                  </a:extLst>
+                </a:gridCol>
+                <a:gridCol w="1201297">
+                  <a:extLst>
+                    <a:ext uri="{9D8B030D-6E8A-4147-A177-3AD203B41FA5}">
+                      <a16:colId xmlns:a16="http://schemas.microsoft.com/office/drawing/2014/main" val="1266642870"/>
+                    </a:ext>
+                  </a:extLst>
+                </a:gridCol>
+              </a:tblGrid>
+              <a:tr h="370840">
+                <a:tc>
+                  <a:txBody>
+                    <a:bodyPr/>
+                    <a:lstStyle/>
+                    <a:p>
+                      <a:pPr algn="ctr"/>
+                      <a:r>
+                        <a:rPr lang="en-CA" dirty="0"/>
+                        <a:t>V1</a:t>
+                      </a:r>
+                      <a:endParaRPr lang="en-US" dirty="0"/>
+                    </a:p>
+                  </a:txBody>
+                  <a:tcPr/>
+                </a:tc>
+                <a:tc>
+                  <a:txBody>
+                    <a:bodyPr/>
+                    <a:lstStyle/>
+                    <a:p>
+                      <a:pPr algn="ctr"/>
+                      <a:r>
+                        <a:rPr lang="en-CA" dirty="0"/>
+                        <a:t>V2</a:t>
+                      </a:r>
+                      <a:endParaRPr lang="en-US" dirty="0"/>
+                    </a:p>
+                  </a:txBody>
+                  <a:tcPr/>
+                </a:tc>
+                <a:tc>
+                  <a:txBody>
+                    <a:bodyPr/>
+                    <a:lstStyle/>
+                    <a:p>
+                      <a:pPr algn="ctr"/>
+                      <a:r>
+                        <a:rPr lang="en-CA" dirty="0"/>
+                        <a:t>Threshold</a:t>
+                      </a:r>
+                      <a:endParaRPr lang="en-US" dirty="0"/>
+                    </a:p>
+                  </a:txBody>
+                  <a:tcPr/>
+                </a:tc>
+                <a:tc>
+                  <a:txBody>
+                    <a:bodyPr/>
+                    <a:lstStyle/>
+                    <a:p>
+                      <a:pPr algn="ctr"/>
+                      <a:r>
+                        <a:rPr lang="en-CA" dirty="0"/>
+                        <a:t>Tolerance</a:t>
+                      </a:r>
+                      <a:endParaRPr lang="en-US" dirty="0"/>
+                    </a:p>
+                  </a:txBody>
+                  <a:tcPr/>
+                </a:tc>
+                <a:extLst>
+                  <a:ext uri="{0D108BD9-81ED-4DB2-BD59-A6C34878D82A}">
+                    <a16:rowId xmlns:a16="http://schemas.microsoft.com/office/drawing/2014/main" val="4265008327"/>
+                  </a:ext>
+                </a:extLst>
+              </a:tr>
+              <a:tr h="370840">
+                <a:tc>
+                  <a:txBody>
+                    <a:bodyPr/>
+                    <a:lstStyle/>
+                    <a:p>
+                      <a:pPr algn="ctr"/>
+                      <a:r>
+                        <a:rPr lang="en-CA" dirty="0"/>
+                        <a:t>SM1</a:t>
+                      </a:r>
+                      <a:endParaRPr lang="en-US" dirty="0"/>
+                    </a:p>
+                  </a:txBody>
+                  <a:tcPr/>
+                </a:tc>
+                <a:tc>
+                  <a:txBody>
+                    <a:bodyPr/>
+                    <a:lstStyle/>
+                    <a:p>
+                      <a:pPr algn="ctr"/>
+                      <a:r>
+                        <a:rPr lang="en-CA" dirty="0"/>
+                        <a:t>SM2</a:t>
+                      </a:r>
+                      <a:endParaRPr lang="en-US" dirty="0"/>
+                    </a:p>
+                  </a:txBody>
+                  <a:tcPr/>
+                </a:tc>
+                <a:tc>
+                  <a:txBody>
+                    <a:bodyPr/>
+                    <a:lstStyle/>
+                    <a:p>
+                      <a:pPr algn="ctr"/>
+                      <a:r>
+                        <a:rPr lang="en-CA" dirty="0"/>
+                        <a:t>50</a:t>
+                      </a:r>
+                      <a:endParaRPr lang="en-US" dirty="0"/>
+                    </a:p>
+                  </a:txBody>
+                  <a:tcPr/>
+                </a:tc>
+                <a:tc>
+                  <a:txBody>
+                    <a:bodyPr/>
+                    <a:lstStyle/>
+                    <a:p>
+                      <a:pPr algn="ctr"/>
+                      <a:r>
+                        <a:rPr lang="en-CA" dirty="0"/>
+                        <a:t>5</a:t>
+                      </a:r>
+                      <a:endParaRPr lang="en-US" dirty="0"/>
+                    </a:p>
+                  </a:txBody>
+                  <a:tcPr/>
+                </a:tc>
+                <a:extLst>
+                  <a:ext uri="{0D108BD9-81ED-4DB2-BD59-A6C34878D82A}">
+                    <a16:rowId xmlns:a16="http://schemas.microsoft.com/office/drawing/2014/main" val="1457255172"/>
+                  </a:ext>
+                </a:extLst>
+              </a:tr>
+            </a:tbl>
+          </a:graphicData>
+        </a:graphic>
+      </p:graphicFrame>
+      <p:graphicFrame>
+        <p:nvGraphicFramePr>
+          <p:cNvPr id="5" name="Table 4">
+            <a:extLst>
+              <a:ext uri="{FF2B5EF4-FFF2-40B4-BE49-F238E27FC236}">
+                <a16:creationId xmlns:a16="http://schemas.microsoft.com/office/drawing/2014/main" id="{4FF4BB0A-E2D5-44A9-925E-640B82054F34}"/>
+              </a:ext>
+            </a:extLst>
+          </p:cNvPr>
+          <p:cNvGraphicFramePr>
+            <a:graphicFrameLocks noGrp="1"/>
+          </p:cNvGraphicFramePr>
+          <p:nvPr>
+            <p:extLst>
+              <p:ext uri="{D42A27DB-BD31-4B8C-83A1-F6EECF244321}">
+                <p14:modId xmlns:p14="http://schemas.microsoft.com/office/powerpoint/2010/main" val="2079548838"/>
+              </p:ext>
+            </p:extLst>
+          </p:nvPr>
+        </p:nvGraphicFramePr>
+        <p:xfrm>
+          <a:off x="838200" y="3098984"/>
+          <a:ext cx="10515601" cy="1381392"/>
+        </p:xfrm>
+        <a:graphic>
+          <a:graphicData uri="http://schemas.openxmlformats.org/drawingml/2006/table">
+            <a:tbl>
+              <a:tblPr firstRow="1" bandRow="1">
+                <a:tableStyleId>{21E4AEA4-8DFA-4A89-87EB-49C32662AFE0}</a:tableStyleId>
+              </a:tblPr>
+              <a:tblGrid>
+                <a:gridCol w="1338749">
+                  <a:extLst>
+                    <a:ext uri="{9D8B030D-6E8A-4147-A177-3AD203B41FA5}">
+                      <a16:colId xmlns:a16="http://schemas.microsoft.com/office/drawing/2014/main" val="1003989657"/>
+                    </a:ext>
+                  </a:extLst>
+                </a:gridCol>
+                <a:gridCol w="2563727">
+                  <a:extLst>
+                    <a:ext uri="{9D8B030D-6E8A-4147-A177-3AD203B41FA5}">
+                      <a16:colId xmlns:a16="http://schemas.microsoft.com/office/drawing/2014/main" val="482042191"/>
+                    </a:ext>
+                  </a:extLst>
+                </a:gridCol>
+                <a:gridCol w="2112885">
+                  <a:extLst>
+                    <a:ext uri="{9D8B030D-6E8A-4147-A177-3AD203B41FA5}">
+                      <a16:colId xmlns:a16="http://schemas.microsoft.com/office/drawing/2014/main" val="3470199590"/>
+                    </a:ext>
+                  </a:extLst>
+                </a:gridCol>
+                <a:gridCol w="2657458">
+                  <a:extLst>
+                    <a:ext uri="{9D8B030D-6E8A-4147-A177-3AD203B41FA5}">
+                      <a16:colId xmlns:a16="http://schemas.microsoft.com/office/drawing/2014/main" val="3735474024"/>
+                    </a:ext>
+                  </a:extLst>
+                </a:gridCol>
+                <a:gridCol w="1842782">
+                  <a:extLst>
+                    <a:ext uri="{9D8B030D-6E8A-4147-A177-3AD203B41FA5}">
+                      <a16:colId xmlns:a16="http://schemas.microsoft.com/office/drawing/2014/main" val="1588882917"/>
+                    </a:ext>
+                  </a:extLst>
+                </a:gridCol>
+              </a:tblGrid>
+              <a:tr h="644792">
+                <a:tc>
+                  <a:txBody>
+                    <a:bodyPr/>
+                    <a:lstStyle/>
+                    <a:p>
+                      <a:pPr algn="ctr"/>
+                      <a:r>
+                        <a:rPr lang="en-CA" dirty="0"/>
+                        <a:t>Steps</a:t>
+                      </a:r>
+                      <a:endParaRPr lang="en-US" dirty="0"/>
+                    </a:p>
+                  </a:txBody>
+                  <a:tcPr/>
+                </a:tc>
+                <a:tc>
+                  <a:txBody>
+                    <a:bodyPr/>
+                    <a:lstStyle/>
+                    <a:p>
+                      <a:pPr algn="ctr"/>
+                      <a:r>
+                        <a:rPr lang="en-CA" dirty="0"/>
+                        <a:t>Optimal Profit</a:t>
+                      </a:r>
+                      <a:endParaRPr lang="en-US" dirty="0"/>
+                    </a:p>
+                  </a:txBody>
+                  <a:tcPr/>
+                </a:tc>
+                <a:tc>
+                  <a:txBody>
+                    <a:bodyPr/>
+                    <a:lstStyle/>
+                    <a:p>
+                      <a:pPr algn="ctr"/>
+                      <a:r>
+                        <a:rPr lang="en-CA" dirty="0"/>
+                        <a:t>Optimal Seats</a:t>
+                      </a:r>
+                    </a:p>
+                  </a:txBody>
+                  <a:tcPr/>
+                </a:tc>
+                <a:tc>
+                  <a:txBody>
+                    <a:bodyPr/>
+                    <a:lstStyle/>
+                    <a:p>
+                      <a:pPr marL="0" marR="0" lvl="0" indent="0" algn="ctr" defTabSz="914400" rtl="0" eaLnBrk="1" fontAlgn="auto" latinLnBrk="0" hangingPunct="1">
+                        <a:lnSpc>
+                          <a:spcPct val="100000"/>
+                        </a:lnSpc>
+                        <a:spcBef>
+                          <a:spcPts val="0"/>
+                        </a:spcBef>
+                        <a:spcAft>
+                          <a:spcPts val="0"/>
+                        </a:spcAft>
+                        <a:buClrTx/>
+                        <a:buSzTx/>
+                        <a:buFontTx/>
+                        <a:buNone/>
+                        <a:tabLst/>
+                        <a:defRPr/>
+                      </a:pPr>
+                      <a:r>
+                        <a:rPr lang="en-CA" dirty="0"/>
+                        <a:t>Optimal Arrangement</a:t>
+                      </a:r>
+                      <a:endParaRPr lang="en-US" dirty="0"/>
+                    </a:p>
+                    <a:p>
+                      <a:pPr algn="ctr"/>
+                      <a:endParaRPr lang="en-US" dirty="0"/>
+                    </a:p>
+                  </a:txBody>
+                  <a:tcPr/>
+                </a:tc>
+                <a:tc>
+                  <a:txBody>
+                    <a:bodyPr/>
+                    <a:lstStyle/>
+                    <a:p>
+                      <a:pPr algn="ctr"/>
+                      <a:r>
+                        <a:rPr lang="en-CA" dirty="0"/>
+                        <a:t>Runtime [s]</a:t>
+                      </a:r>
+                      <a:endParaRPr lang="en-US" dirty="0"/>
+                    </a:p>
+                  </a:txBody>
+                  <a:tcPr/>
+                </a:tc>
+                <a:extLst>
+                  <a:ext uri="{0D108BD9-81ED-4DB2-BD59-A6C34878D82A}">
+                    <a16:rowId xmlns:a16="http://schemas.microsoft.com/office/drawing/2014/main" val="2250139474"/>
+                  </a:ext>
+                </a:extLst>
+              </a:tr>
+              <a:tr h="370840">
+                <a:tc>
+                  <a:txBody>
+                    <a:bodyPr/>
+                    <a:lstStyle/>
+                    <a:p>
+                      <a:pPr marL="0" indent="0" algn="l">
+                        <a:buNone/>
+                      </a:pPr>
+                      <a:r>
+                        <a:rPr lang="en-CA" dirty="0"/>
+                        <a:t>1) Greedy</a:t>
+                      </a:r>
+                      <a:endParaRPr lang="en-US" dirty="0"/>
+                    </a:p>
+                  </a:txBody>
+                  <a:tcPr/>
+                </a:tc>
+                <a:tc>
+                  <a:txBody>
+                    <a:bodyPr/>
+                    <a:lstStyle/>
+                    <a:p>
+                      <a:pPr algn="ctr"/>
+                      <a:r>
+                        <a:rPr lang="en-CA" dirty="0"/>
+                        <a:t>≈$12,823</a:t>
+                      </a:r>
+                      <a:endParaRPr lang="en-US" dirty="0"/>
+                    </a:p>
+                  </a:txBody>
+                  <a:tcPr/>
+                </a:tc>
+                <a:tc>
+                  <a:txBody>
+                    <a:bodyPr/>
+                    <a:lstStyle/>
+                    <a:p>
+                      <a:pPr algn="ctr"/>
+                      <a:r>
+                        <a:rPr lang="en-CA" dirty="0"/>
+                        <a:t>[200, 247]</a:t>
+                      </a:r>
+                      <a:endParaRPr lang="en-US" dirty="0"/>
+                    </a:p>
+                  </a:txBody>
+                  <a:tcPr/>
+                </a:tc>
+                <a:tc>
+                  <a:txBody>
+                    <a:bodyPr/>
+                    <a:lstStyle/>
+                    <a:p>
+                      <a:pPr algn="ctr"/>
+                      <a:r>
+                        <a:rPr lang="en-CA" dirty="0"/>
+                        <a:t>202 seats: [0 31 17 11 9]</a:t>
+                      </a:r>
+                    </a:p>
+                  </a:txBody>
+                  <a:tcPr/>
+                </a:tc>
+                <a:tc>
+                  <a:txBody>
+                    <a:bodyPr/>
+                    <a:lstStyle/>
+                    <a:p>
+                      <a:pPr algn="ctr"/>
+                      <a:r>
+                        <a:rPr lang="en-CA" dirty="0"/>
+                        <a:t>52.147</a:t>
+                      </a:r>
+                      <a:endParaRPr lang="en-US" dirty="0"/>
+                    </a:p>
+                  </a:txBody>
+                  <a:tcPr/>
+                </a:tc>
+                <a:extLst>
+                  <a:ext uri="{0D108BD9-81ED-4DB2-BD59-A6C34878D82A}">
+                    <a16:rowId xmlns:a16="http://schemas.microsoft.com/office/drawing/2014/main" val="1579224542"/>
+                  </a:ext>
+                </a:extLst>
+              </a:tr>
+              <a:tr h="254184">
+                <a:tc>
+                  <a:txBody>
+                    <a:bodyPr/>
+                    <a:lstStyle/>
+                    <a:p>
+                      <a:pPr algn="l"/>
+                      <a:r>
+                        <a:rPr lang="en-CA" dirty="0"/>
+                        <a:t>2) VNS</a:t>
+                      </a:r>
+                      <a:endParaRPr lang="en-US" dirty="0"/>
+                    </a:p>
+                  </a:txBody>
+                  <a:tcPr/>
+                </a:tc>
+                <a:tc>
+                  <a:txBody>
+                    <a:bodyPr/>
+                    <a:lstStyle/>
+                    <a:p>
+                      <a:pPr algn="ctr"/>
+                      <a:r>
+                        <a:rPr lang="en-CA" dirty="0"/>
+                        <a:t>≈$13,774</a:t>
+                      </a:r>
+                    </a:p>
+                  </a:txBody>
+                  <a:tcPr/>
+                </a:tc>
+                <a:tc>
+                  <a:txBody>
+                    <a:bodyPr/>
+                    <a:lstStyle/>
+                    <a:p>
+                      <a:pPr algn="ctr"/>
+                      <a:r>
+                        <a:rPr lang="en-CA" dirty="0"/>
+                        <a:t>[204, 208]</a:t>
+                      </a:r>
+                      <a:endParaRPr lang="en-US" dirty="0"/>
+                    </a:p>
+                  </a:txBody>
+                  <a:tcPr/>
+                </a:tc>
+                <a:tc>
+                  <a:txBody>
+                    <a:bodyPr/>
+                    <a:lstStyle/>
+                    <a:p>
+                      <a:pPr algn="ctr"/>
+                      <a:r>
+                        <a:rPr lang="en-CA" dirty="0"/>
+                        <a:t>204 seats: [0 22 16 13 12]</a:t>
+                      </a:r>
+                      <a:endParaRPr lang="en-US" dirty="0"/>
+                    </a:p>
+                  </a:txBody>
+                  <a:tcPr/>
+                </a:tc>
+                <a:tc>
+                  <a:txBody>
+                    <a:bodyPr/>
+                    <a:lstStyle/>
+                    <a:p>
+                      <a:pPr algn="ctr"/>
+                      <a:r>
+                        <a:rPr lang="en-CA" dirty="0"/>
+                        <a:t>5035.692</a:t>
+                      </a:r>
+                      <a:endParaRPr lang="en-US" dirty="0"/>
+                    </a:p>
+                  </a:txBody>
+                  <a:tcPr/>
+                </a:tc>
+                <a:extLst>
+                  <a:ext uri="{0D108BD9-81ED-4DB2-BD59-A6C34878D82A}">
+                    <a16:rowId xmlns:a16="http://schemas.microsoft.com/office/drawing/2014/main" val="3804653096"/>
+                  </a:ext>
+                </a:extLst>
+              </a:tr>
+            </a:tbl>
+          </a:graphicData>
+        </a:graphic>
+      </p:graphicFrame>
+      <p:sp>
+        <p:nvSpPr>
+          <p:cNvPr id="6" name="TextBox 5">
+            <a:extLst>
+              <a:ext uri="{FF2B5EF4-FFF2-40B4-BE49-F238E27FC236}">
+                <a16:creationId xmlns:a16="http://schemas.microsoft.com/office/drawing/2014/main" id="{A841CB84-22C4-4A5E-8258-4DA5B2DA1B70}"/>
+              </a:ext>
+            </a:extLst>
+          </p:cNvPr>
+          <p:cNvSpPr txBox="1"/>
+          <p:nvPr/>
+        </p:nvSpPr>
+        <p:spPr>
+          <a:xfrm>
+            <a:off x="838200" y="1411550"/>
+            <a:ext cx="3733800" cy="369332"/>
+          </a:xfrm>
+          <a:prstGeom prst="rect">
+            <a:avLst/>
+          </a:prstGeom>
+          <a:noFill/>
+        </p:spPr>
+        <p:txBody>
+          <a:bodyPr wrap="square" rtlCol="0">
+            <a:spAutoFit/>
+          </a:bodyPr>
+          <a:lstStyle/>
+          <a:p>
+            <a:r>
+              <a:rPr lang="en-CA" dirty="0"/>
+              <a:t>Variable Neighborhood Search</a:t>
+            </a:r>
+          </a:p>
+        </p:txBody>
+      </p:sp>
+      <p:sp>
+        <p:nvSpPr>
+          <p:cNvPr id="7" name="TextBox 6">
+            <a:extLst>
+              <a:ext uri="{FF2B5EF4-FFF2-40B4-BE49-F238E27FC236}">
+                <a16:creationId xmlns:a16="http://schemas.microsoft.com/office/drawing/2014/main" id="{3C5CA98D-986C-440F-BAA3-C99D66995BF1}"/>
+              </a:ext>
+            </a:extLst>
+          </p:cNvPr>
+          <p:cNvSpPr txBox="1"/>
+          <p:nvPr/>
+        </p:nvSpPr>
+        <p:spPr>
+          <a:xfrm>
+            <a:off x="838200" y="2642641"/>
+            <a:ext cx="3733800" cy="369332"/>
+          </a:xfrm>
+          <a:prstGeom prst="rect">
+            <a:avLst/>
+          </a:prstGeom>
+          <a:noFill/>
+        </p:spPr>
+        <p:txBody>
+          <a:bodyPr wrap="square" rtlCol="0">
+            <a:spAutoFit/>
+          </a:bodyPr>
+          <a:lstStyle/>
+          <a:p>
+            <a:r>
+              <a:rPr lang="en-CA" dirty="0"/>
+              <a:t>Results:</a:t>
+            </a:r>
+          </a:p>
+        </p:txBody>
+      </p:sp>
+      <p:sp>
+        <p:nvSpPr>
+          <p:cNvPr id="8" name="TextBox 7">
+            <a:extLst>
+              <a:ext uri="{FF2B5EF4-FFF2-40B4-BE49-F238E27FC236}">
+                <a16:creationId xmlns:a16="http://schemas.microsoft.com/office/drawing/2014/main" id="{F10D8199-1FCE-49AA-9F37-B4EA721B48FA}"/>
+              </a:ext>
+            </a:extLst>
+          </p:cNvPr>
+          <p:cNvSpPr txBox="1"/>
+          <p:nvPr/>
+        </p:nvSpPr>
+        <p:spPr>
+          <a:xfrm>
+            <a:off x="838200" y="5264457"/>
+            <a:ext cx="10515600" cy="923330"/>
+          </a:xfrm>
+          <a:prstGeom prst="rect">
+            <a:avLst/>
+          </a:prstGeom>
+          <a:noFill/>
+        </p:spPr>
+        <p:txBody>
+          <a:bodyPr wrap="square" rtlCol="0">
+            <a:spAutoFit/>
+          </a:bodyPr>
+          <a:lstStyle/>
+          <a:p>
+            <a:r>
+              <a:rPr lang="en-CA" dirty="0"/>
+              <a:t>Iterations:</a:t>
+            </a:r>
+          </a:p>
+          <a:p>
+            <a:r>
+              <a:rPr lang="en-CA" dirty="0" err="1"/>
+              <a:t>a</a:t>
+            </a:r>
+            <a:r>
+              <a:rPr lang="en-CA" baseline="-25000" dirty="0" err="1"/>
+              <a:t>k</a:t>
+            </a:r>
+            <a:r>
+              <a:rPr lang="en-CA" dirty="0"/>
+              <a:t>: 200.0000  200.0000  200.0000  200.0000  200.0000  200.0000  204.2588  204.2588</a:t>
+            </a:r>
+          </a:p>
+          <a:p>
+            <a:r>
+              <a:rPr lang="en-CA" dirty="0"/>
+              <a:t>b</a:t>
+            </a:r>
+            <a:r>
+              <a:rPr lang="en-CA" baseline="-25000" dirty="0"/>
+              <a:t>k</a:t>
+            </a:r>
+            <a:r>
+              <a:rPr lang="en-CA" dirty="0"/>
+              <a:t>: 323.6000  276.4000  247.2152  229.1848  218.0362  211.1486  211.1486  208.5167</a:t>
+            </a:r>
+          </a:p>
+        </p:txBody>
+      </p:sp>
+    </p:spTree>
+    <p:extLst>
+      <p:ext uri="{BB962C8B-B14F-4D97-AF65-F5344CB8AC3E}">
+        <p14:creationId xmlns:p14="http://schemas.microsoft.com/office/powerpoint/2010/main" val="727087297"/>
+      </p:ext>
+    </p:extLst>
+  </p:cSld>
+  <p:clrMapOvr>
+    <a:masterClrMapping/>
+  </p:clrMapOvr>
+</p:sld>
+</file>
+
 <file path=ppt/slides/slide2.xml><?xml version="1.0" encoding="utf-8"?>
 <p:sld xmlns:a="http://schemas.openxmlformats.org/drawingml/2006/main" xmlns:r="http://schemas.openxmlformats.org/officeDocument/2006/relationships" xmlns:p="http://schemas.openxmlformats.org/presentationml/2006/main">
   <p:cSld>
@@ -7933,14 +12054,14 @@
           <p:nvPr>
             <p:extLst>
               <p:ext uri="{D42A27DB-BD31-4B8C-83A1-F6EECF244321}">
-                <p14:modId xmlns:p14="http://schemas.microsoft.com/office/powerpoint/2010/main" val="1473827325"/>
+                <p14:modId xmlns:p14="http://schemas.microsoft.com/office/powerpoint/2010/main" val="1151188435"/>
               </p:ext>
             </p:extLst>
           </p:nvPr>
         </p:nvGraphicFramePr>
         <p:xfrm>
           <a:off x="838200" y="3098984"/>
-          <a:ext cx="10515601" cy="1920240"/>
+          <a:ext cx="10515601" cy="1925136"/>
         </p:xfrm>
         <a:graphic>
           <a:graphicData uri="http://schemas.openxmlformats.org/drawingml/2006/table">
@@ -7985,7 +12106,7 @@
                   </a:extLst>
                 </a:gridCol>
               </a:tblGrid>
-              <a:tr h="370840">
+              <a:tr h="644976">
                 <a:tc>
                   <a:txBody>
                     <a:bodyPr/>

--- a/Optimization Tests.pptx
+++ b/Optimization Tests.pptx
@@ -5,7 +5,7 @@
     <p:sldMasterId id="2147483648" r:id="rId1"/>
   </p:sldMasterIdLst>
   <p:notesMasterIdLst>
-    <p:notesMasterId r:id="rId18"/>
+    <p:notesMasterId r:id="rId19"/>
   </p:notesMasterIdLst>
   <p:sldIdLst>
     <p:sldId id="257" r:id="rId2"/>
@@ -24,6 +24,7 @@
     <p:sldId id="273" r:id="rId15"/>
     <p:sldId id="274" r:id="rId16"/>
     <p:sldId id="275" r:id="rId17"/>
+    <p:sldId id="277" r:id="rId18"/>
   </p:sldIdLst>
   <p:sldSz cx="12192000" cy="6858000"/>
   <p:notesSz cx="6858000" cy="9144000"/>
@@ -212,7 +213,7 @@
           <a:p>
             <a:fld id="{04255D67-6982-4969-9388-03274D8114B5}" type="datetimeFigureOut">
               <a:rPr lang="en-US" smtClean="0"/>
-              <a:t>5/19/2019</a:t>
+              <a:t>5/25/2019</a:t>
             </a:fld>
             <a:endParaRPr lang="en-US"/>
           </a:p>
@@ -1163,6 +1164,90 @@
 </p:notes>
 </file>
 
+<file path=ppt/notesSlides/notesSlide9.xml><?xml version="1.0" encoding="utf-8"?>
+<p:notes xmlns:a="http://schemas.openxmlformats.org/drawingml/2006/main" xmlns:r="http://schemas.openxmlformats.org/officeDocument/2006/relationships" xmlns:p="http://schemas.openxmlformats.org/presentationml/2006/main">
+  <p:cSld>
+    <p:spTree>
+      <p:nvGrpSpPr>
+        <p:cNvPr id="1" name=""/>
+        <p:cNvGrpSpPr/>
+        <p:nvPr/>
+      </p:nvGrpSpPr>
+      <p:grpSpPr>
+        <a:xfrm>
+          <a:off x="0" y="0"/>
+          <a:ext cx="0" cy="0"/>
+          <a:chOff x="0" y="0"/>
+          <a:chExt cx="0" cy="0"/>
+        </a:xfrm>
+      </p:grpSpPr>
+      <p:sp>
+        <p:nvSpPr>
+          <p:cNvPr id="2" name="Slide Image Placeholder 1"/>
+          <p:cNvSpPr>
+            <a:spLocks noGrp="1" noRot="1" noChangeAspect="1"/>
+          </p:cNvSpPr>
+          <p:nvPr>
+            <p:ph type="sldImg"/>
+          </p:nvPr>
+        </p:nvSpPr>
+        <p:spPr/>
+      </p:sp>
+      <p:sp>
+        <p:nvSpPr>
+          <p:cNvPr id="3" name="Notes Placeholder 2"/>
+          <p:cNvSpPr>
+            <a:spLocks noGrp="1"/>
+          </p:cNvSpPr>
+          <p:nvPr>
+            <p:ph type="body" idx="1"/>
+          </p:nvPr>
+        </p:nvSpPr>
+        <p:spPr/>
+        <p:txBody>
+          <a:bodyPr/>
+          <a:lstStyle/>
+          <a:p>
+            <a:endParaRPr lang="en-US" dirty="0"/>
+          </a:p>
+        </p:txBody>
+      </p:sp>
+      <p:sp>
+        <p:nvSpPr>
+          <p:cNvPr id="4" name="Slide Number Placeholder 3"/>
+          <p:cNvSpPr>
+            <a:spLocks noGrp="1"/>
+          </p:cNvSpPr>
+          <p:nvPr>
+            <p:ph type="sldNum" sz="quarter" idx="5"/>
+          </p:nvPr>
+        </p:nvSpPr>
+        <p:spPr/>
+        <p:txBody>
+          <a:bodyPr/>
+          <a:lstStyle/>
+          <a:p>
+            <a:fld id="{EE5E3368-604B-4602-AF6D-8C20BBA16D01}" type="slidenum">
+              <a:rPr lang="en-US" smtClean="0"/>
+              <a:t>17</a:t>
+            </a:fld>
+            <a:endParaRPr lang="en-US"/>
+          </a:p>
+        </p:txBody>
+      </p:sp>
+    </p:spTree>
+    <p:extLst>
+      <p:ext uri="{BB962C8B-B14F-4D97-AF65-F5344CB8AC3E}">
+        <p14:creationId xmlns:p14="http://schemas.microsoft.com/office/powerpoint/2010/main" val="372899950"/>
+      </p:ext>
+    </p:extLst>
+  </p:cSld>
+  <p:clrMapOvr>
+    <a:masterClrMapping/>
+  </p:clrMapOvr>
+</p:notes>
+</file>
+
 <file path=ppt/slideLayouts/slideLayout1.xml><?xml version="1.0" encoding="utf-8"?>
 <p:sldLayout xmlns:a="http://schemas.openxmlformats.org/drawingml/2006/main" xmlns:r="http://schemas.openxmlformats.org/officeDocument/2006/relationships" xmlns:p="http://schemas.openxmlformats.org/presentationml/2006/main" type="title" preserve="1">
   <p:cSld name="Title Slide">
@@ -1310,7 +1395,7 @@
           <a:p>
             <a:fld id="{4B7B0F2A-4B9D-4F00-A3FC-4DE0D49086D7}" type="datetimeFigureOut">
               <a:rPr lang="en-US" smtClean="0"/>
-              <a:t>5/19/2019</a:t>
+              <a:t>5/25/2019</a:t>
             </a:fld>
             <a:endParaRPr lang="en-US"/>
           </a:p>
@@ -1508,7 +1593,7 @@
           <a:p>
             <a:fld id="{4B7B0F2A-4B9D-4F00-A3FC-4DE0D49086D7}" type="datetimeFigureOut">
               <a:rPr lang="en-US" smtClean="0"/>
-              <a:t>5/19/2019</a:t>
+              <a:t>5/25/2019</a:t>
             </a:fld>
             <a:endParaRPr lang="en-US"/>
           </a:p>
@@ -1716,7 +1801,7 @@
           <a:p>
             <a:fld id="{4B7B0F2A-4B9D-4F00-A3FC-4DE0D49086D7}" type="datetimeFigureOut">
               <a:rPr lang="en-US" smtClean="0"/>
-              <a:t>5/19/2019</a:t>
+              <a:t>5/25/2019</a:t>
             </a:fld>
             <a:endParaRPr lang="en-US"/>
           </a:p>
@@ -1914,7 +1999,7 @@
           <a:p>
             <a:fld id="{4B7B0F2A-4B9D-4F00-A3FC-4DE0D49086D7}" type="datetimeFigureOut">
               <a:rPr lang="en-US" smtClean="0"/>
-              <a:t>5/19/2019</a:t>
+              <a:t>5/25/2019</a:t>
             </a:fld>
             <a:endParaRPr lang="en-US"/>
           </a:p>
@@ -2189,7 +2274,7 @@
           <a:p>
             <a:fld id="{4B7B0F2A-4B9D-4F00-A3FC-4DE0D49086D7}" type="datetimeFigureOut">
               <a:rPr lang="en-US" smtClean="0"/>
-              <a:t>5/19/2019</a:t>
+              <a:t>5/25/2019</a:t>
             </a:fld>
             <a:endParaRPr lang="en-US"/>
           </a:p>
@@ -2454,7 +2539,7 @@
           <a:p>
             <a:fld id="{4B7B0F2A-4B9D-4F00-A3FC-4DE0D49086D7}" type="datetimeFigureOut">
               <a:rPr lang="en-US" smtClean="0"/>
-              <a:t>5/19/2019</a:t>
+              <a:t>5/25/2019</a:t>
             </a:fld>
             <a:endParaRPr lang="en-US"/>
           </a:p>
@@ -2866,7 +2951,7 @@
           <a:p>
             <a:fld id="{4B7B0F2A-4B9D-4F00-A3FC-4DE0D49086D7}" type="datetimeFigureOut">
               <a:rPr lang="en-US" smtClean="0"/>
-              <a:t>5/19/2019</a:t>
+              <a:t>5/25/2019</a:t>
             </a:fld>
             <a:endParaRPr lang="en-US"/>
           </a:p>
@@ -3007,7 +3092,7 @@
           <a:p>
             <a:fld id="{4B7B0F2A-4B9D-4F00-A3FC-4DE0D49086D7}" type="datetimeFigureOut">
               <a:rPr lang="en-US" smtClean="0"/>
-              <a:t>5/19/2019</a:t>
+              <a:t>5/25/2019</a:t>
             </a:fld>
             <a:endParaRPr lang="en-US"/>
           </a:p>
@@ -3120,7 +3205,7 @@
           <a:p>
             <a:fld id="{4B7B0F2A-4B9D-4F00-A3FC-4DE0D49086D7}" type="datetimeFigureOut">
               <a:rPr lang="en-US" smtClean="0"/>
-              <a:t>5/19/2019</a:t>
+              <a:t>5/25/2019</a:t>
             </a:fld>
             <a:endParaRPr lang="en-US"/>
           </a:p>
@@ -3431,7 +3516,7 @@
           <a:p>
             <a:fld id="{4B7B0F2A-4B9D-4F00-A3FC-4DE0D49086D7}" type="datetimeFigureOut">
               <a:rPr lang="en-US" smtClean="0"/>
-              <a:t>5/19/2019</a:t>
+              <a:t>5/25/2019</a:t>
             </a:fld>
             <a:endParaRPr lang="en-US"/>
           </a:p>
@@ -3719,7 +3804,7 @@
           <a:p>
             <a:fld id="{4B7B0F2A-4B9D-4F00-A3FC-4DE0D49086D7}" type="datetimeFigureOut">
               <a:rPr lang="en-US" smtClean="0"/>
-              <a:t>5/19/2019</a:t>
+              <a:t>5/25/2019</a:t>
             </a:fld>
             <a:endParaRPr lang="en-US"/>
           </a:p>
@@ -3960,7 +4045,7 @@
           <a:p>
             <a:fld id="{4B7B0F2A-4B9D-4F00-A3FC-4DE0D49086D7}" type="datetimeFigureOut">
               <a:rPr lang="en-US" smtClean="0"/>
-              <a:t>5/19/2019</a:t>
+              <a:t>5/25/2019</a:t>
             </a:fld>
             <a:endParaRPr lang="en-US"/>
           </a:p>
@@ -8943,6 +9028,774 @@
     <p:extLst>
       <p:ext uri="{BB962C8B-B14F-4D97-AF65-F5344CB8AC3E}">
         <p14:creationId xmlns:p14="http://schemas.microsoft.com/office/powerpoint/2010/main" val="727087297"/>
+      </p:ext>
+    </p:extLst>
+  </p:cSld>
+  <p:clrMapOvr>
+    <a:masterClrMapping/>
+  </p:clrMapOvr>
+</p:sld>
+</file>
+
+<file path=ppt/slides/slide17.xml><?xml version="1.0" encoding="utf-8"?>
+<p:sld xmlns:a="http://schemas.openxmlformats.org/drawingml/2006/main" xmlns:r="http://schemas.openxmlformats.org/officeDocument/2006/relationships" xmlns:p="http://schemas.openxmlformats.org/presentationml/2006/main">
+  <p:cSld>
+    <p:spTree>
+      <p:nvGrpSpPr>
+        <p:cNvPr id="1" name=""/>
+        <p:cNvGrpSpPr/>
+        <p:nvPr/>
+      </p:nvGrpSpPr>
+      <p:grpSpPr>
+        <a:xfrm>
+          <a:off x="0" y="0"/>
+          <a:ext cx="0" cy="0"/>
+          <a:chOff x="0" y="0"/>
+          <a:chExt cx="0" cy="0"/>
+        </a:xfrm>
+      </p:grpSpPr>
+      <p:sp>
+        <p:nvSpPr>
+          <p:cNvPr id="2" name="Title 1">
+            <a:extLst>
+              <a:ext uri="{FF2B5EF4-FFF2-40B4-BE49-F238E27FC236}">
+                <a16:creationId xmlns:a16="http://schemas.microsoft.com/office/drawing/2014/main" id="{2B6B158C-A25A-451F-B517-E169A869DC21}"/>
+              </a:ext>
+            </a:extLst>
+          </p:cNvPr>
+          <p:cNvSpPr>
+            <a:spLocks noGrp="1"/>
+          </p:cNvSpPr>
+          <p:nvPr>
+            <p:ph type="title"/>
+          </p:nvPr>
+        </p:nvSpPr>
+        <p:spPr/>
+        <p:txBody>
+          <a:bodyPr/>
+          <a:lstStyle/>
+          <a:p>
+            <a:r>
+              <a:rPr lang="en-CA" dirty="0"/>
+              <a:t>Attempt 11 </a:t>
+            </a:r>
+            <a:r>
+              <a:rPr lang="en-CA" sz="2000" dirty="0"/>
+              <a:t>(different seating policy: reserve tables for customer groups of size 5)</a:t>
+            </a:r>
+            <a:endParaRPr lang="en-US" sz="2000" dirty="0"/>
+          </a:p>
+        </p:txBody>
+      </p:sp>
+      <p:graphicFrame>
+        <p:nvGraphicFramePr>
+          <p:cNvPr id="4" name="Table 3">
+            <a:extLst>
+              <a:ext uri="{FF2B5EF4-FFF2-40B4-BE49-F238E27FC236}">
+                <a16:creationId xmlns:a16="http://schemas.microsoft.com/office/drawing/2014/main" id="{93D4A5E2-42D9-4740-A4B7-CF2D11C57D11}"/>
+              </a:ext>
+            </a:extLst>
+          </p:cNvPr>
+          <p:cNvGraphicFramePr>
+            <a:graphicFrameLocks noGrp="1"/>
+          </p:cNvGraphicFramePr>
+          <p:nvPr>
+            <p:extLst/>
+          </p:nvPr>
+        </p:nvGraphicFramePr>
+        <p:xfrm>
+          <a:off x="838200" y="1780882"/>
+          <a:ext cx="4805188" cy="741680"/>
+        </p:xfrm>
+        <a:graphic>
+          <a:graphicData uri="http://schemas.openxmlformats.org/drawingml/2006/table">
+            <a:tbl>
+              <a:tblPr firstRow="1" bandRow="1">
+                <a:tableStyleId>{C083E6E3-FA7D-4D7B-A595-EF9225AFEA82}</a:tableStyleId>
+              </a:tblPr>
+              <a:tblGrid>
+                <a:gridCol w="1201297">
+                  <a:extLst>
+                    <a:ext uri="{9D8B030D-6E8A-4147-A177-3AD203B41FA5}">
+                      <a16:colId xmlns:a16="http://schemas.microsoft.com/office/drawing/2014/main" val="715818640"/>
+                    </a:ext>
+                  </a:extLst>
+                </a:gridCol>
+                <a:gridCol w="1201297">
+                  <a:extLst>
+                    <a:ext uri="{9D8B030D-6E8A-4147-A177-3AD203B41FA5}">
+                      <a16:colId xmlns:a16="http://schemas.microsoft.com/office/drawing/2014/main" val="242120962"/>
+                    </a:ext>
+                  </a:extLst>
+                </a:gridCol>
+                <a:gridCol w="1201297">
+                  <a:extLst>
+                    <a:ext uri="{9D8B030D-6E8A-4147-A177-3AD203B41FA5}">
+                      <a16:colId xmlns:a16="http://schemas.microsoft.com/office/drawing/2014/main" val="1895400823"/>
+                    </a:ext>
+                  </a:extLst>
+                </a:gridCol>
+                <a:gridCol w="1201297">
+                  <a:extLst>
+                    <a:ext uri="{9D8B030D-6E8A-4147-A177-3AD203B41FA5}">
+                      <a16:colId xmlns:a16="http://schemas.microsoft.com/office/drawing/2014/main" val="1266642870"/>
+                    </a:ext>
+                  </a:extLst>
+                </a:gridCol>
+              </a:tblGrid>
+              <a:tr h="370840">
+                <a:tc>
+                  <a:txBody>
+                    <a:bodyPr/>
+                    <a:lstStyle/>
+                    <a:p>
+                      <a:pPr algn="ctr"/>
+                      <a:r>
+                        <a:rPr lang="en-CA" dirty="0"/>
+                        <a:t>V1</a:t>
+                      </a:r>
+                      <a:endParaRPr lang="en-US" dirty="0"/>
+                    </a:p>
+                  </a:txBody>
+                  <a:tcPr/>
+                </a:tc>
+                <a:tc>
+                  <a:txBody>
+                    <a:bodyPr/>
+                    <a:lstStyle/>
+                    <a:p>
+                      <a:pPr algn="ctr"/>
+                      <a:r>
+                        <a:rPr lang="en-CA" dirty="0"/>
+                        <a:t>V2</a:t>
+                      </a:r>
+                      <a:endParaRPr lang="en-US" dirty="0"/>
+                    </a:p>
+                  </a:txBody>
+                  <a:tcPr/>
+                </a:tc>
+                <a:tc>
+                  <a:txBody>
+                    <a:bodyPr/>
+                    <a:lstStyle/>
+                    <a:p>
+                      <a:pPr algn="ctr"/>
+                      <a:r>
+                        <a:rPr lang="en-CA" dirty="0"/>
+                        <a:t>Threshold</a:t>
+                      </a:r>
+                      <a:endParaRPr lang="en-US" dirty="0"/>
+                    </a:p>
+                  </a:txBody>
+                  <a:tcPr/>
+                </a:tc>
+                <a:tc>
+                  <a:txBody>
+                    <a:bodyPr/>
+                    <a:lstStyle/>
+                    <a:p>
+                      <a:pPr algn="ctr"/>
+                      <a:r>
+                        <a:rPr lang="en-CA" dirty="0"/>
+                        <a:t>Tolerance</a:t>
+                      </a:r>
+                      <a:endParaRPr lang="en-US" dirty="0"/>
+                    </a:p>
+                  </a:txBody>
+                  <a:tcPr/>
+                </a:tc>
+                <a:extLst>
+                  <a:ext uri="{0D108BD9-81ED-4DB2-BD59-A6C34878D82A}">
+                    <a16:rowId xmlns:a16="http://schemas.microsoft.com/office/drawing/2014/main" val="4265008327"/>
+                  </a:ext>
+                </a:extLst>
+              </a:tr>
+              <a:tr h="370840">
+                <a:tc>
+                  <a:txBody>
+                    <a:bodyPr/>
+                    <a:lstStyle/>
+                    <a:p>
+                      <a:pPr algn="ctr"/>
+                      <a:r>
+                        <a:rPr lang="en-CA" dirty="0"/>
+                        <a:t>SM1</a:t>
+                      </a:r>
+                      <a:endParaRPr lang="en-US" dirty="0"/>
+                    </a:p>
+                  </a:txBody>
+                  <a:tcPr/>
+                </a:tc>
+                <a:tc>
+                  <a:txBody>
+                    <a:bodyPr/>
+                    <a:lstStyle/>
+                    <a:p>
+                      <a:pPr algn="ctr"/>
+                      <a:r>
+                        <a:rPr lang="en-CA" dirty="0"/>
+                        <a:t>SM2</a:t>
+                      </a:r>
+                      <a:endParaRPr lang="en-US" dirty="0"/>
+                    </a:p>
+                  </a:txBody>
+                  <a:tcPr/>
+                </a:tc>
+                <a:tc>
+                  <a:txBody>
+                    <a:bodyPr/>
+                    <a:lstStyle/>
+                    <a:p>
+                      <a:pPr algn="ctr"/>
+                      <a:r>
+                        <a:rPr lang="en-CA" dirty="0"/>
+                        <a:t>50</a:t>
+                      </a:r>
+                      <a:endParaRPr lang="en-US" dirty="0"/>
+                    </a:p>
+                  </a:txBody>
+                  <a:tcPr/>
+                </a:tc>
+                <a:tc>
+                  <a:txBody>
+                    <a:bodyPr/>
+                    <a:lstStyle/>
+                    <a:p>
+                      <a:pPr algn="ctr"/>
+                      <a:r>
+                        <a:rPr lang="en-CA" dirty="0"/>
+                        <a:t>5</a:t>
+                      </a:r>
+                      <a:endParaRPr lang="en-US" dirty="0"/>
+                    </a:p>
+                  </a:txBody>
+                  <a:tcPr/>
+                </a:tc>
+                <a:extLst>
+                  <a:ext uri="{0D108BD9-81ED-4DB2-BD59-A6C34878D82A}">
+                    <a16:rowId xmlns:a16="http://schemas.microsoft.com/office/drawing/2014/main" val="1457255172"/>
+                  </a:ext>
+                </a:extLst>
+              </a:tr>
+            </a:tbl>
+          </a:graphicData>
+        </a:graphic>
+      </p:graphicFrame>
+      <p:graphicFrame>
+        <p:nvGraphicFramePr>
+          <p:cNvPr id="5" name="Table 4">
+            <a:extLst>
+              <a:ext uri="{FF2B5EF4-FFF2-40B4-BE49-F238E27FC236}">
+                <a16:creationId xmlns:a16="http://schemas.microsoft.com/office/drawing/2014/main" id="{4FF4BB0A-E2D5-44A9-925E-640B82054F34}"/>
+              </a:ext>
+            </a:extLst>
+          </p:cNvPr>
+          <p:cNvGraphicFramePr>
+            <a:graphicFrameLocks noGrp="1"/>
+          </p:cNvGraphicFramePr>
+          <p:nvPr>
+            <p:extLst>
+              <p:ext uri="{D42A27DB-BD31-4B8C-83A1-F6EECF244321}">
+                <p14:modId xmlns:p14="http://schemas.microsoft.com/office/powerpoint/2010/main" val="2054250049"/>
+              </p:ext>
+            </p:extLst>
+          </p:nvPr>
+        </p:nvGraphicFramePr>
+        <p:xfrm>
+          <a:off x="838200" y="3098984"/>
+          <a:ext cx="10515601" cy="1381392"/>
+        </p:xfrm>
+        <a:graphic>
+          <a:graphicData uri="http://schemas.openxmlformats.org/drawingml/2006/table">
+            <a:tbl>
+              <a:tblPr firstRow="1" bandRow="1">
+                <a:tableStyleId>{21E4AEA4-8DFA-4A89-87EB-49C32662AFE0}</a:tableStyleId>
+              </a:tblPr>
+              <a:tblGrid>
+                <a:gridCol w="1338749">
+                  <a:extLst>
+                    <a:ext uri="{9D8B030D-6E8A-4147-A177-3AD203B41FA5}">
+                      <a16:colId xmlns:a16="http://schemas.microsoft.com/office/drawing/2014/main" val="1003989657"/>
+                    </a:ext>
+                  </a:extLst>
+                </a:gridCol>
+                <a:gridCol w="2563727">
+                  <a:extLst>
+                    <a:ext uri="{9D8B030D-6E8A-4147-A177-3AD203B41FA5}">
+                      <a16:colId xmlns:a16="http://schemas.microsoft.com/office/drawing/2014/main" val="482042191"/>
+                    </a:ext>
+                  </a:extLst>
+                </a:gridCol>
+                <a:gridCol w="2112885">
+                  <a:extLst>
+                    <a:ext uri="{9D8B030D-6E8A-4147-A177-3AD203B41FA5}">
+                      <a16:colId xmlns:a16="http://schemas.microsoft.com/office/drawing/2014/main" val="3470199590"/>
+                    </a:ext>
+                  </a:extLst>
+                </a:gridCol>
+                <a:gridCol w="2657458">
+                  <a:extLst>
+                    <a:ext uri="{9D8B030D-6E8A-4147-A177-3AD203B41FA5}">
+                      <a16:colId xmlns:a16="http://schemas.microsoft.com/office/drawing/2014/main" val="3735474024"/>
+                    </a:ext>
+                  </a:extLst>
+                </a:gridCol>
+                <a:gridCol w="1842782">
+                  <a:extLst>
+                    <a:ext uri="{9D8B030D-6E8A-4147-A177-3AD203B41FA5}">
+                      <a16:colId xmlns:a16="http://schemas.microsoft.com/office/drawing/2014/main" val="1588882917"/>
+                    </a:ext>
+                  </a:extLst>
+                </a:gridCol>
+              </a:tblGrid>
+              <a:tr h="644792">
+                <a:tc>
+                  <a:txBody>
+                    <a:bodyPr/>
+                    <a:lstStyle/>
+                    <a:p>
+                      <a:pPr algn="ctr"/>
+                      <a:r>
+                        <a:rPr lang="en-CA" dirty="0"/>
+                        <a:t>Steps</a:t>
+                      </a:r>
+                      <a:endParaRPr lang="en-US" dirty="0"/>
+                    </a:p>
+                  </a:txBody>
+                  <a:tcPr/>
+                </a:tc>
+                <a:tc>
+                  <a:txBody>
+                    <a:bodyPr/>
+                    <a:lstStyle/>
+                    <a:p>
+                      <a:pPr algn="ctr"/>
+                      <a:r>
+                        <a:rPr lang="en-CA" dirty="0"/>
+                        <a:t>Optimal Profit</a:t>
+                      </a:r>
+                      <a:endParaRPr lang="en-US" dirty="0"/>
+                    </a:p>
+                  </a:txBody>
+                  <a:tcPr/>
+                </a:tc>
+                <a:tc>
+                  <a:txBody>
+                    <a:bodyPr/>
+                    <a:lstStyle/>
+                    <a:p>
+                      <a:pPr algn="ctr"/>
+                      <a:r>
+                        <a:rPr lang="en-CA" dirty="0"/>
+                        <a:t>Optimal Seats</a:t>
+                      </a:r>
+                    </a:p>
+                  </a:txBody>
+                  <a:tcPr/>
+                </a:tc>
+                <a:tc>
+                  <a:txBody>
+                    <a:bodyPr/>
+                    <a:lstStyle/>
+                    <a:p>
+                      <a:pPr marL="0" marR="0" lvl="0" indent="0" algn="ctr" defTabSz="914400" rtl="0" eaLnBrk="1" fontAlgn="auto" latinLnBrk="0" hangingPunct="1">
+                        <a:lnSpc>
+                          <a:spcPct val="100000"/>
+                        </a:lnSpc>
+                        <a:spcBef>
+                          <a:spcPts val="0"/>
+                        </a:spcBef>
+                        <a:spcAft>
+                          <a:spcPts val="0"/>
+                        </a:spcAft>
+                        <a:buClrTx/>
+                        <a:buSzTx/>
+                        <a:buFontTx/>
+                        <a:buNone/>
+                        <a:tabLst/>
+                        <a:defRPr/>
+                      </a:pPr>
+                      <a:r>
+                        <a:rPr lang="en-CA" dirty="0"/>
+                        <a:t>Optimal Arrangement</a:t>
+                      </a:r>
+                      <a:endParaRPr lang="en-US" dirty="0"/>
+                    </a:p>
+                    <a:p>
+                      <a:pPr algn="ctr"/>
+                      <a:endParaRPr lang="en-US" dirty="0"/>
+                    </a:p>
+                  </a:txBody>
+                  <a:tcPr/>
+                </a:tc>
+                <a:tc>
+                  <a:txBody>
+                    <a:bodyPr/>
+                    <a:lstStyle/>
+                    <a:p>
+                      <a:pPr algn="ctr"/>
+                      <a:r>
+                        <a:rPr lang="en-CA" dirty="0"/>
+                        <a:t>Runtime [s]</a:t>
+                      </a:r>
+                      <a:endParaRPr lang="en-US" dirty="0"/>
+                    </a:p>
+                  </a:txBody>
+                  <a:tcPr/>
+                </a:tc>
+                <a:extLst>
+                  <a:ext uri="{0D108BD9-81ED-4DB2-BD59-A6C34878D82A}">
+                    <a16:rowId xmlns:a16="http://schemas.microsoft.com/office/drawing/2014/main" val="2250139474"/>
+                  </a:ext>
+                </a:extLst>
+              </a:tr>
+              <a:tr h="370840">
+                <a:tc>
+                  <a:txBody>
+                    <a:bodyPr/>
+                    <a:lstStyle/>
+                    <a:p>
+                      <a:pPr marL="0" indent="0" algn="l">
+                        <a:buNone/>
+                      </a:pPr>
+                      <a:r>
+                        <a:rPr lang="en-CA" dirty="0"/>
+                        <a:t>1) Greedy</a:t>
+                      </a:r>
+                      <a:endParaRPr lang="en-US" dirty="0"/>
+                    </a:p>
+                  </a:txBody>
+                  <a:tcPr/>
+                </a:tc>
+                <a:tc>
+                  <a:txBody>
+                    <a:bodyPr/>
+                    <a:lstStyle/>
+                    <a:p>
+                      <a:pPr algn="ctr"/>
+                      <a:r>
+                        <a:rPr lang="en-CA" dirty="0">
+                          <a:solidFill>
+                            <a:srgbClr val="00FF00"/>
+                          </a:solidFill>
+                        </a:rPr>
+                        <a:t>≈$13,157</a:t>
+                      </a:r>
+                      <a:endParaRPr lang="en-US" dirty="0">
+                        <a:solidFill>
+                          <a:srgbClr val="00FF00"/>
+                        </a:solidFill>
+                      </a:endParaRPr>
+                    </a:p>
+                  </a:txBody>
+                  <a:tcPr/>
+                </a:tc>
+                <a:tc>
+                  <a:txBody>
+                    <a:bodyPr/>
+                    <a:lstStyle/>
+                    <a:p>
+                      <a:pPr algn="ctr"/>
+                      <a:r>
+                        <a:rPr lang="en-CA" dirty="0">
+                          <a:solidFill>
+                            <a:schemeClr val="bg2">
+                              <a:lumMod val="75000"/>
+                            </a:schemeClr>
+                          </a:solidFill>
+                        </a:rPr>
+                        <a:t>[200, 247]</a:t>
+                      </a:r>
+                      <a:endParaRPr lang="en-US" dirty="0">
+                        <a:solidFill>
+                          <a:schemeClr val="bg2">
+                            <a:lumMod val="75000"/>
+                          </a:schemeClr>
+                        </a:solidFill>
+                      </a:endParaRPr>
+                    </a:p>
+                  </a:txBody>
+                  <a:tcPr/>
+                </a:tc>
+                <a:tc>
+                  <a:txBody>
+                    <a:bodyPr/>
+                    <a:lstStyle/>
+                    <a:p>
+                      <a:pPr algn="ctr"/>
+                      <a:r>
+                        <a:rPr lang="en-CA" dirty="0">
+                          <a:solidFill>
+                            <a:schemeClr val="bg2">
+                              <a:lumMod val="75000"/>
+                            </a:schemeClr>
+                          </a:solidFill>
+                        </a:rPr>
+                        <a:t>202 seats: [0 31 17 11 9]</a:t>
+                      </a:r>
+                    </a:p>
+                  </a:txBody>
+                  <a:tcPr/>
+                </a:tc>
+                <a:tc>
+                  <a:txBody>
+                    <a:bodyPr/>
+                    <a:lstStyle/>
+                    <a:p>
+                      <a:pPr algn="ctr"/>
+                      <a:r>
+                        <a:rPr lang="en-CA" dirty="0">
+                          <a:solidFill>
+                            <a:schemeClr val="bg2">
+                              <a:lumMod val="75000"/>
+                            </a:schemeClr>
+                          </a:solidFill>
+                        </a:rPr>
+                        <a:t>59.722</a:t>
+                      </a:r>
+                      <a:endParaRPr lang="en-US" dirty="0">
+                        <a:solidFill>
+                          <a:schemeClr val="bg2">
+                            <a:lumMod val="75000"/>
+                          </a:schemeClr>
+                        </a:solidFill>
+                      </a:endParaRPr>
+                    </a:p>
+                  </a:txBody>
+                  <a:tcPr/>
+                </a:tc>
+                <a:extLst>
+                  <a:ext uri="{0D108BD9-81ED-4DB2-BD59-A6C34878D82A}">
+                    <a16:rowId xmlns:a16="http://schemas.microsoft.com/office/drawing/2014/main" val="1579224542"/>
+                  </a:ext>
+                </a:extLst>
+              </a:tr>
+              <a:tr h="254184">
+                <a:tc>
+                  <a:txBody>
+                    <a:bodyPr/>
+                    <a:lstStyle/>
+                    <a:p>
+                      <a:pPr algn="l"/>
+                      <a:r>
+                        <a:rPr lang="en-CA" dirty="0"/>
+                        <a:t>2) VNS</a:t>
+                      </a:r>
+                      <a:endParaRPr lang="en-US" dirty="0"/>
+                    </a:p>
+                  </a:txBody>
+                  <a:tcPr/>
+                </a:tc>
+                <a:tc>
+                  <a:txBody>
+                    <a:bodyPr/>
+                    <a:lstStyle/>
+                    <a:p>
+                      <a:pPr algn="ctr"/>
+                      <a:r>
+                        <a:rPr lang="en-CA" dirty="0">
+                          <a:solidFill>
+                            <a:srgbClr val="00FF00"/>
+                          </a:solidFill>
+                        </a:rPr>
+                        <a:t>≈$13,921</a:t>
+                      </a:r>
+                    </a:p>
+                  </a:txBody>
+                  <a:tcPr/>
+                </a:tc>
+                <a:tc>
+                  <a:txBody>
+                    <a:bodyPr/>
+                    <a:lstStyle/>
+                    <a:p>
+                      <a:pPr algn="ctr"/>
+                      <a:r>
+                        <a:rPr lang="en-CA" dirty="0"/>
+                        <a:t>[200, 204]</a:t>
+                      </a:r>
+                      <a:endParaRPr lang="en-US" dirty="0"/>
+                    </a:p>
+                  </a:txBody>
+                  <a:tcPr/>
+                </a:tc>
+                <a:tc>
+                  <a:txBody>
+                    <a:bodyPr/>
+                    <a:lstStyle/>
+                    <a:p>
+                      <a:pPr algn="ctr"/>
+                      <a:r>
+                        <a:rPr lang="en-CA" dirty="0"/>
+                        <a:t>202 seats: [0 22 11 15 13]</a:t>
+                      </a:r>
+                      <a:endParaRPr lang="en-US" dirty="0"/>
+                    </a:p>
+                  </a:txBody>
+                  <a:tcPr/>
+                </a:tc>
+                <a:tc>
+                  <a:txBody>
+                    <a:bodyPr/>
+                    <a:lstStyle/>
+                    <a:p>
+                      <a:pPr algn="ctr"/>
+                      <a:r>
+                        <a:rPr lang="en-CA" dirty="0"/>
+                        <a:t>4402.509</a:t>
+                      </a:r>
+                      <a:endParaRPr lang="en-US" dirty="0"/>
+                    </a:p>
+                  </a:txBody>
+                  <a:tcPr/>
+                </a:tc>
+                <a:extLst>
+                  <a:ext uri="{0D108BD9-81ED-4DB2-BD59-A6C34878D82A}">
+                    <a16:rowId xmlns:a16="http://schemas.microsoft.com/office/drawing/2014/main" val="3804653096"/>
+                  </a:ext>
+                </a:extLst>
+              </a:tr>
+            </a:tbl>
+          </a:graphicData>
+        </a:graphic>
+      </p:graphicFrame>
+      <p:sp>
+        <p:nvSpPr>
+          <p:cNvPr id="6" name="TextBox 5">
+            <a:extLst>
+              <a:ext uri="{FF2B5EF4-FFF2-40B4-BE49-F238E27FC236}">
+                <a16:creationId xmlns:a16="http://schemas.microsoft.com/office/drawing/2014/main" id="{A841CB84-22C4-4A5E-8258-4DA5B2DA1B70}"/>
+              </a:ext>
+            </a:extLst>
+          </p:cNvPr>
+          <p:cNvSpPr txBox="1"/>
+          <p:nvPr/>
+        </p:nvSpPr>
+        <p:spPr>
+          <a:xfrm>
+            <a:off x="838200" y="1411550"/>
+            <a:ext cx="3733800" cy="369332"/>
+          </a:xfrm>
+          <a:prstGeom prst="rect">
+            <a:avLst/>
+          </a:prstGeom>
+          <a:noFill/>
+        </p:spPr>
+        <p:txBody>
+          <a:bodyPr wrap="square" rtlCol="0">
+            <a:spAutoFit/>
+          </a:bodyPr>
+          <a:lstStyle/>
+          <a:p>
+            <a:r>
+              <a:rPr lang="en-CA" dirty="0"/>
+              <a:t>Variable Neighborhood Search</a:t>
+            </a:r>
+          </a:p>
+        </p:txBody>
+      </p:sp>
+      <p:sp>
+        <p:nvSpPr>
+          <p:cNvPr id="7" name="TextBox 6">
+            <a:extLst>
+              <a:ext uri="{FF2B5EF4-FFF2-40B4-BE49-F238E27FC236}">
+                <a16:creationId xmlns:a16="http://schemas.microsoft.com/office/drawing/2014/main" id="{3C5CA98D-986C-440F-BAA3-C99D66995BF1}"/>
+              </a:ext>
+            </a:extLst>
+          </p:cNvPr>
+          <p:cNvSpPr txBox="1"/>
+          <p:nvPr/>
+        </p:nvSpPr>
+        <p:spPr>
+          <a:xfrm>
+            <a:off x="838200" y="2642641"/>
+            <a:ext cx="3733800" cy="369332"/>
+          </a:xfrm>
+          <a:prstGeom prst="rect">
+            <a:avLst/>
+          </a:prstGeom>
+          <a:noFill/>
+        </p:spPr>
+        <p:txBody>
+          <a:bodyPr wrap="square" rtlCol="0">
+            <a:spAutoFit/>
+          </a:bodyPr>
+          <a:lstStyle/>
+          <a:p>
+            <a:r>
+              <a:rPr lang="en-CA" dirty="0"/>
+              <a:t>Results:</a:t>
+            </a:r>
+          </a:p>
+        </p:txBody>
+      </p:sp>
+      <p:sp>
+        <p:nvSpPr>
+          <p:cNvPr id="8" name="TextBox 7">
+            <a:extLst>
+              <a:ext uri="{FF2B5EF4-FFF2-40B4-BE49-F238E27FC236}">
+                <a16:creationId xmlns:a16="http://schemas.microsoft.com/office/drawing/2014/main" id="{F10D8199-1FCE-49AA-9F37-B4EA721B48FA}"/>
+              </a:ext>
+            </a:extLst>
+          </p:cNvPr>
+          <p:cNvSpPr txBox="1"/>
+          <p:nvPr/>
+        </p:nvSpPr>
+        <p:spPr>
+          <a:xfrm>
+            <a:off x="838200" y="5264457"/>
+            <a:ext cx="10515600" cy="923330"/>
+          </a:xfrm>
+          <a:prstGeom prst="rect">
+            <a:avLst/>
+          </a:prstGeom>
+          <a:noFill/>
+        </p:spPr>
+        <p:txBody>
+          <a:bodyPr wrap="square" rtlCol="0">
+            <a:spAutoFit/>
+          </a:bodyPr>
+          <a:lstStyle/>
+          <a:p>
+            <a:r>
+              <a:rPr lang="en-CA" dirty="0"/>
+              <a:t>Iterations:</a:t>
+            </a:r>
+          </a:p>
+          <a:p>
+            <a:r>
+              <a:rPr lang="en-CA" dirty="0" err="1"/>
+              <a:t>a</a:t>
+            </a:r>
+            <a:r>
+              <a:rPr lang="en-CA" baseline="-25000" dirty="0" err="1"/>
+              <a:t>k</a:t>
+            </a:r>
+            <a:r>
+              <a:rPr lang="en-CA" dirty="0"/>
+              <a:t>: 200   	       200   	        200            200            200            200            200            200</a:t>
+            </a:r>
+          </a:p>
+          <a:p>
+            <a:r>
+              <a:rPr lang="en-CA" dirty="0"/>
+              <a:t>b</a:t>
+            </a:r>
+            <a:r>
+              <a:rPr lang="en-CA" baseline="-25000" dirty="0"/>
+              <a:t>k</a:t>
+            </a:r>
+            <a:r>
+              <a:rPr lang="en-CA" dirty="0"/>
+              <a:t>: 323.6000  276.4000  247.2152  229.1848  218.0362  211.1486  206.8898  204.2588</a:t>
+            </a:r>
+          </a:p>
+        </p:txBody>
+      </p:sp>
+    </p:spTree>
+    <p:extLst>
+      <p:ext uri="{BB962C8B-B14F-4D97-AF65-F5344CB8AC3E}">
+        <p14:creationId xmlns:p14="http://schemas.microsoft.com/office/powerpoint/2010/main" val="1126672301"/>
       </p:ext>
     </p:extLst>
   </p:cSld>
